--- a/OOP Based Application.pptx
+++ b/OOP Based Application.pptx
@@ -5,7 +5,7 @@
     <p:sldMasterId id="2147483660" r:id="rId1"/>
   </p:sldMasterIdLst>
   <p:notesMasterIdLst>
-    <p:notesMasterId r:id="rId22"/>
+    <p:notesMasterId r:id="rId35"/>
   </p:notesMasterIdLst>
   <p:sldIdLst>
     <p:sldId id="256" r:id="rId2"/>
@@ -15,19 +15,32 @@
     <p:sldId id="260" r:id="rId6"/>
     <p:sldId id="261" r:id="rId7"/>
     <p:sldId id="262" r:id="rId8"/>
-    <p:sldId id="263" r:id="rId9"/>
-    <p:sldId id="264" r:id="rId10"/>
-    <p:sldId id="265" r:id="rId11"/>
-    <p:sldId id="266" r:id="rId12"/>
-    <p:sldId id="267" r:id="rId13"/>
-    <p:sldId id="268" r:id="rId14"/>
-    <p:sldId id="269" r:id="rId15"/>
-    <p:sldId id="270" r:id="rId16"/>
-    <p:sldId id="271" r:id="rId17"/>
-    <p:sldId id="273" r:id="rId18"/>
-    <p:sldId id="274" r:id="rId19"/>
-    <p:sldId id="275" r:id="rId20"/>
-    <p:sldId id="272" r:id="rId21"/>
+    <p:sldId id="276" r:id="rId9"/>
+    <p:sldId id="263" r:id="rId10"/>
+    <p:sldId id="264" r:id="rId11"/>
+    <p:sldId id="265" r:id="rId12"/>
+    <p:sldId id="277" r:id="rId13"/>
+    <p:sldId id="266" r:id="rId14"/>
+    <p:sldId id="267" r:id="rId15"/>
+    <p:sldId id="278" r:id="rId16"/>
+    <p:sldId id="279" r:id="rId17"/>
+    <p:sldId id="280" r:id="rId18"/>
+    <p:sldId id="281" r:id="rId19"/>
+    <p:sldId id="282" r:id="rId20"/>
+    <p:sldId id="283" r:id="rId21"/>
+    <p:sldId id="284" r:id="rId22"/>
+    <p:sldId id="285" r:id="rId23"/>
+    <p:sldId id="268" r:id="rId24"/>
+    <p:sldId id="269" r:id="rId25"/>
+    <p:sldId id="270" r:id="rId26"/>
+    <p:sldId id="271" r:id="rId27"/>
+    <p:sldId id="273" r:id="rId28"/>
+    <p:sldId id="274" r:id="rId29"/>
+    <p:sldId id="275" r:id="rId30"/>
+    <p:sldId id="272" r:id="rId31"/>
+    <p:sldId id="286" r:id="rId32"/>
+    <p:sldId id="287" r:id="rId33"/>
+    <p:sldId id="288" r:id="rId34"/>
   </p:sldIdLst>
   <p:sldSz cx="12192000" cy="6858000"/>
   <p:notesSz cx="6858000" cy="9144000"/>
@@ -126,6 +139,11 @@
       </a:defRPr>
     </a:lvl9pPr>
   </p:defaultTextStyle>
+  <p:extLst>
+    <p:ext uri="{EFAFB233-063F-42B5-8137-9DF3F51BA10A}">
+      <p15:sldGuideLst xmlns:p15="http://schemas.microsoft.com/office/powerpoint/2012/main"/>
+    </p:ext>
+  </p:extLst>
 </p:presentation>
 </file>
 
@@ -211,7 +229,7 @@
           <a:p>
             <a:fld id="{DB498B40-5847-4353-91DE-E2D6B926015F}" type="datetimeFigureOut">
               <a:rPr lang="en-GB" smtClean="0"/>
-              <a:t>22/03/2020</a:t>
+              <a:t>23/03/2020</a:t>
             </a:fld>
             <a:endParaRPr lang="en-GB"/>
           </a:p>
@@ -566,6 +584,960 @@
 </p:notes>
 </file>
 
+<file path=ppt/notesSlides/notesSlide10.xml><?xml version="1.0" encoding="utf-8"?>
+<p:notes xmlns:a="http://schemas.openxmlformats.org/drawingml/2006/main" xmlns:r="http://schemas.openxmlformats.org/officeDocument/2006/relationships" xmlns:p="http://schemas.openxmlformats.org/presentationml/2006/main">
+  <p:cSld>
+    <p:spTree>
+      <p:nvGrpSpPr>
+        <p:cNvPr id="1" name=""/>
+        <p:cNvGrpSpPr/>
+        <p:nvPr/>
+      </p:nvGrpSpPr>
+      <p:grpSpPr>
+        <a:xfrm>
+          <a:off x="0" y="0"/>
+          <a:ext cx="0" cy="0"/>
+          <a:chOff x="0" y="0"/>
+          <a:chExt cx="0" cy="0"/>
+        </a:xfrm>
+      </p:grpSpPr>
+      <p:sp>
+        <p:nvSpPr>
+          <p:cNvPr id="2" name="Slide Image Placeholder 1"/>
+          <p:cNvSpPr>
+            <a:spLocks noGrp="1" noRot="1" noChangeAspect="1"/>
+          </p:cNvSpPr>
+          <p:nvPr>
+            <p:ph type="sldImg"/>
+          </p:nvPr>
+        </p:nvSpPr>
+        <p:spPr/>
+      </p:sp>
+      <p:sp>
+        <p:nvSpPr>
+          <p:cNvPr id="3" name="Notes Placeholder 2"/>
+          <p:cNvSpPr>
+            <a:spLocks noGrp="1"/>
+          </p:cNvSpPr>
+          <p:nvPr>
+            <p:ph type="body" idx="1"/>
+          </p:nvPr>
+        </p:nvSpPr>
+        <p:spPr/>
+        <p:txBody>
+          <a:bodyPr/>
+          <a:lstStyle/>
+          <a:p>
+            <a:r>
+              <a:rPr lang="en-GB" dirty="0"/>
+              <a:t>-Explain things cancelled(include ‘search bar’ – why? Time limitations, the change was to long to be implemented to replace another idea.</a:t>
+            </a:r>
+          </a:p>
+          <a:p>
+            <a:r>
+              <a:rPr lang="en-GB" dirty="0"/>
+              <a:t>-Things added – why? Extra functionality to the project , good practise, - because everybody has an opinion or recommendation.</a:t>
+            </a:r>
+          </a:p>
+        </p:txBody>
+      </p:sp>
+      <p:sp>
+        <p:nvSpPr>
+          <p:cNvPr id="4" name="Slide Number Placeholder 3"/>
+          <p:cNvSpPr>
+            <a:spLocks noGrp="1"/>
+          </p:cNvSpPr>
+          <p:nvPr>
+            <p:ph type="sldNum" sz="quarter" idx="5"/>
+          </p:nvPr>
+        </p:nvSpPr>
+        <p:spPr/>
+        <p:txBody>
+          <a:bodyPr/>
+          <a:lstStyle/>
+          <a:p>
+            <a:fld id="{DB7FB7B9-8F48-4F9D-AA0E-E4362EC48C70}" type="slidenum">
+              <a:rPr lang="en-GB" smtClean="0"/>
+              <a:t>11</a:t>
+            </a:fld>
+            <a:endParaRPr lang="en-GB"/>
+          </a:p>
+        </p:txBody>
+      </p:sp>
+    </p:spTree>
+    <p:extLst>
+      <p:ext uri="{BB962C8B-B14F-4D97-AF65-F5344CB8AC3E}">
+        <p14:creationId xmlns:p14="http://schemas.microsoft.com/office/powerpoint/2010/main" val="129681841"/>
+      </p:ext>
+    </p:extLst>
+  </p:cSld>
+  <p:clrMapOvr>
+    <a:masterClrMapping/>
+  </p:clrMapOvr>
+</p:notes>
+</file>
+
+<file path=ppt/notesSlides/notesSlide11.xml><?xml version="1.0" encoding="utf-8"?>
+<p:notes xmlns:a="http://schemas.openxmlformats.org/drawingml/2006/main" xmlns:r="http://schemas.openxmlformats.org/officeDocument/2006/relationships" xmlns:p="http://schemas.openxmlformats.org/presentationml/2006/main">
+  <p:cSld>
+    <p:spTree>
+      <p:nvGrpSpPr>
+        <p:cNvPr id="1" name=""/>
+        <p:cNvGrpSpPr/>
+        <p:nvPr/>
+      </p:nvGrpSpPr>
+      <p:grpSpPr>
+        <a:xfrm>
+          <a:off x="0" y="0"/>
+          <a:ext cx="0" cy="0"/>
+          <a:chOff x="0" y="0"/>
+          <a:chExt cx="0" cy="0"/>
+        </a:xfrm>
+      </p:grpSpPr>
+      <p:sp>
+        <p:nvSpPr>
+          <p:cNvPr id="2" name="Slide Image Placeholder 1"/>
+          <p:cNvSpPr>
+            <a:spLocks noGrp="1" noRot="1" noChangeAspect="1"/>
+          </p:cNvSpPr>
+          <p:nvPr>
+            <p:ph type="sldImg"/>
+          </p:nvPr>
+        </p:nvSpPr>
+        <p:spPr/>
+      </p:sp>
+      <p:sp>
+        <p:nvSpPr>
+          <p:cNvPr id="3" name="Notes Placeholder 2"/>
+          <p:cNvSpPr>
+            <a:spLocks noGrp="1"/>
+          </p:cNvSpPr>
+          <p:nvPr>
+            <p:ph type="body" idx="1"/>
+          </p:nvPr>
+        </p:nvSpPr>
+        <p:spPr/>
+        <p:txBody>
+          <a:bodyPr/>
+          <a:lstStyle/>
+          <a:p>
+            <a:r>
+              <a:rPr lang="en-GB" dirty="0"/>
+              <a:t>So again other features (un-needed) were not implemented such as the search function because of time limitations.</a:t>
+            </a:r>
+          </a:p>
+        </p:txBody>
+      </p:sp>
+      <p:sp>
+        <p:nvSpPr>
+          <p:cNvPr id="4" name="Slide Number Placeholder 3"/>
+          <p:cNvSpPr>
+            <a:spLocks noGrp="1"/>
+          </p:cNvSpPr>
+          <p:nvPr>
+            <p:ph type="sldNum" sz="quarter" idx="5"/>
+          </p:nvPr>
+        </p:nvSpPr>
+        <p:spPr/>
+        <p:txBody>
+          <a:bodyPr/>
+          <a:lstStyle/>
+          <a:p>
+            <a:fld id="{DB7FB7B9-8F48-4F9D-AA0E-E4362EC48C70}" type="slidenum">
+              <a:rPr lang="en-GB" smtClean="0"/>
+              <a:t>12</a:t>
+            </a:fld>
+            <a:endParaRPr lang="en-GB"/>
+          </a:p>
+        </p:txBody>
+      </p:sp>
+    </p:spTree>
+    <p:extLst>
+      <p:ext uri="{BB962C8B-B14F-4D97-AF65-F5344CB8AC3E}">
+        <p14:creationId xmlns:p14="http://schemas.microsoft.com/office/powerpoint/2010/main" val="3742835384"/>
+      </p:ext>
+    </p:extLst>
+  </p:cSld>
+  <p:clrMapOvr>
+    <a:masterClrMapping/>
+  </p:clrMapOvr>
+</p:notes>
+</file>
+
+<file path=ppt/notesSlides/notesSlide12.xml><?xml version="1.0" encoding="utf-8"?>
+<p:notes xmlns:a="http://schemas.openxmlformats.org/drawingml/2006/main" xmlns:r="http://schemas.openxmlformats.org/officeDocument/2006/relationships" xmlns:p="http://schemas.openxmlformats.org/presentationml/2006/main">
+  <p:cSld>
+    <p:spTree>
+      <p:nvGrpSpPr>
+        <p:cNvPr id="1" name=""/>
+        <p:cNvGrpSpPr/>
+        <p:nvPr/>
+      </p:nvGrpSpPr>
+      <p:grpSpPr>
+        <a:xfrm>
+          <a:off x="0" y="0"/>
+          <a:ext cx="0" cy="0"/>
+          <a:chOff x="0" y="0"/>
+          <a:chExt cx="0" cy="0"/>
+        </a:xfrm>
+      </p:grpSpPr>
+      <p:sp>
+        <p:nvSpPr>
+          <p:cNvPr id="2" name="Slide Image Placeholder 1"/>
+          <p:cNvSpPr>
+            <a:spLocks noGrp="1" noRot="1" noChangeAspect="1"/>
+          </p:cNvSpPr>
+          <p:nvPr>
+            <p:ph type="sldImg"/>
+          </p:nvPr>
+        </p:nvSpPr>
+        <p:spPr/>
+      </p:sp>
+      <p:sp>
+        <p:nvSpPr>
+          <p:cNvPr id="3" name="Notes Placeholder 2"/>
+          <p:cNvSpPr>
+            <a:spLocks noGrp="1"/>
+          </p:cNvSpPr>
+          <p:nvPr>
+            <p:ph type="body" idx="1"/>
+          </p:nvPr>
+        </p:nvSpPr>
+        <p:spPr/>
+        <p:txBody>
+          <a:bodyPr/>
+          <a:lstStyle/>
+          <a:p>
+            <a:r>
+              <a:rPr lang="en-GB" sz="1200" b="0" i="0" u="none" strike="noStrike" kern="1200" dirty="0">
+                <a:solidFill>
+                  <a:schemeClr val="tx1"/>
+                </a:solidFill>
+                <a:effectLst/>
+                <a:latin typeface="+mn-lt"/>
+                <a:ea typeface="+mn-ea"/>
+                <a:cs typeface="+mn-cs"/>
+              </a:rPr>
+              <a:t>Testing URLs – you ran in on VS; testing it on Jenkins - pushed up to Jenkins; all pages passed at5 100%</a:t>
+            </a:r>
+            <a:endParaRPr lang="en-GB" dirty="0"/>
+          </a:p>
+        </p:txBody>
+      </p:sp>
+      <p:sp>
+        <p:nvSpPr>
+          <p:cNvPr id="4" name="Slide Number Placeholder 3"/>
+          <p:cNvSpPr>
+            <a:spLocks noGrp="1"/>
+          </p:cNvSpPr>
+          <p:nvPr>
+            <p:ph type="sldNum" sz="quarter" idx="5"/>
+          </p:nvPr>
+        </p:nvSpPr>
+        <p:spPr/>
+        <p:txBody>
+          <a:bodyPr/>
+          <a:lstStyle/>
+          <a:p>
+            <a:fld id="{DB7FB7B9-8F48-4F9D-AA0E-E4362EC48C70}" type="slidenum">
+              <a:rPr lang="en-GB" smtClean="0"/>
+              <a:t>13</a:t>
+            </a:fld>
+            <a:endParaRPr lang="en-GB"/>
+          </a:p>
+        </p:txBody>
+      </p:sp>
+    </p:spTree>
+    <p:extLst>
+      <p:ext uri="{BB962C8B-B14F-4D97-AF65-F5344CB8AC3E}">
+        <p14:creationId xmlns:p14="http://schemas.microsoft.com/office/powerpoint/2010/main" val="1828626053"/>
+      </p:ext>
+    </p:extLst>
+  </p:cSld>
+  <p:clrMapOvr>
+    <a:masterClrMapping/>
+  </p:clrMapOvr>
+</p:notes>
+</file>
+
+<file path=ppt/notesSlides/notesSlide13.xml><?xml version="1.0" encoding="utf-8"?>
+<p:notes xmlns:a="http://schemas.openxmlformats.org/drawingml/2006/main" xmlns:r="http://schemas.openxmlformats.org/officeDocument/2006/relationships" xmlns:p="http://schemas.openxmlformats.org/presentationml/2006/main">
+  <p:cSld>
+    <p:spTree>
+      <p:nvGrpSpPr>
+        <p:cNvPr id="1" name=""/>
+        <p:cNvGrpSpPr/>
+        <p:nvPr/>
+      </p:nvGrpSpPr>
+      <p:grpSpPr>
+        <a:xfrm>
+          <a:off x="0" y="0"/>
+          <a:ext cx="0" cy="0"/>
+          <a:chOff x="0" y="0"/>
+          <a:chExt cx="0" cy="0"/>
+        </a:xfrm>
+      </p:grpSpPr>
+      <p:sp>
+        <p:nvSpPr>
+          <p:cNvPr id="2" name="Slide Image Placeholder 1"/>
+          <p:cNvSpPr>
+            <a:spLocks noGrp="1" noRot="1" noChangeAspect="1"/>
+          </p:cNvSpPr>
+          <p:nvPr>
+            <p:ph type="sldImg"/>
+          </p:nvPr>
+        </p:nvSpPr>
+        <p:spPr/>
+      </p:sp>
+      <p:sp>
+        <p:nvSpPr>
+          <p:cNvPr id="3" name="Notes Placeholder 2"/>
+          <p:cNvSpPr>
+            <a:spLocks noGrp="1"/>
+          </p:cNvSpPr>
+          <p:nvPr>
+            <p:ph type="body" idx="1"/>
+          </p:nvPr>
+        </p:nvSpPr>
+        <p:spPr/>
+        <p:txBody>
+          <a:bodyPr/>
+          <a:lstStyle/>
+          <a:p>
+            <a:r>
+              <a:rPr lang="en-GB" sz="1200" b="0" i="0" u="none" strike="noStrike" kern="1200" dirty="0">
+                <a:solidFill>
+                  <a:schemeClr val="tx1"/>
+                </a:solidFill>
+                <a:effectLst/>
+                <a:latin typeface="+mn-lt"/>
+                <a:ea typeface="+mn-ea"/>
+                <a:cs typeface="+mn-cs"/>
+              </a:rPr>
+              <a:t>-Test coverage for the coverage report passed at 39%.</a:t>
+            </a:r>
+            <a:endParaRPr lang="en-GB" dirty="0"/>
+          </a:p>
+        </p:txBody>
+      </p:sp>
+      <p:sp>
+        <p:nvSpPr>
+          <p:cNvPr id="4" name="Slide Number Placeholder 3"/>
+          <p:cNvSpPr>
+            <a:spLocks noGrp="1"/>
+          </p:cNvSpPr>
+          <p:nvPr>
+            <p:ph type="sldNum" sz="quarter" idx="5"/>
+          </p:nvPr>
+        </p:nvSpPr>
+        <p:spPr/>
+        <p:txBody>
+          <a:bodyPr/>
+          <a:lstStyle/>
+          <a:p>
+            <a:fld id="{DB7FB7B9-8F48-4F9D-AA0E-E4362EC48C70}" type="slidenum">
+              <a:rPr lang="en-GB" smtClean="0"/>
+              <a:t>14</a:t>
+            </a:fld>
+            <a:endParaRPr lang="en-GB"/>
+          </a:p>
+        </p:txBody>
+      </p:sp>
+    </p:spTree>
+    <p:extLst>
+      <p:ext uri="{BB962C8B-B14F-4D97-AF65-F5344CB8AC3E}">
+        <p14:creationId xmlns:p14="http://schemas.microsoft.com/office/powerpoint/2010/main" val="2515955242"/>
+      </p:ext>
+    </p:extLst>
+  </p:cSld>
+  <p:clrMapOvr>
+    <a:masterClrMapping/>
+  </p:clrMapOvr>
+</p:notes>
+</file>
+
+<file path=ppt/notesSlides/notesSlide14.xml><?xml version="1.0" encoding="utf-8"?>
+<p:notes xmlns:a="http://schemas.openxmlformats.org/drawingml/2006/main" xmlns:r="http://schemas.openxmlformats.org/officeDocument/2006/relationships" xmlns:p="http://schemas.openxmlformats.org/presentationml/2006/main">
+  <p:cSld>
+    <p:spTree>
+      <p:nvGrpSpPr>
+        <p:cNvPr id="1" name=""/>
+        <p:cNvGrpSpPr/>
+        <p:nvPr/>
+      </p:nvGrpSpPr>
+      <p:grpSpPr>
+        <a:xfrm>
+          <a:off x="0" y="0"/>
+          <a:ext cx="0" cy="0"/>
+          <a:chOff x="0" y="0"/>
+          <a:chExt cx="0" cy="0"/>
+        </a:xfrm>
+      </p:grpSpPr>
+      <p:sp>
+        <p:nvSpPr>
+          <p:cNvPr id="2" name="Slide Image Placeholder 1"/>
+          <p:cNvSpPr>
+            <a:spLocks noGrp="1" noRot="1" noChangeAspect="1"/>
+          </p:cNvSpPr>
+          <p:nvPr>
+            <p:ph type="sldImg"/>
+          </p:nvPr>
+        </p:nvSpPr>
+        <p:spPr/>
+      </p:sp>
+      <p:sp>
+        <p:nvSpPr>
+          <p:cNvPr id="3" name="Notes Placeholder 2"/>
+          <p:cNvSpPr>
+            <a:spLocks noGrp="1"/>
+          </p:cNvSpPr>
+          <p:nvPr>
+            <p:ph type="body" idx="1"/>
+          </p:nvPr>
+        </p:nvSpPr>
+        <p:spPr/>
+        <p:txBody>
+          <a:bodyPr/>
+          <a:lstStyle/>
+          <a:p>
+            <a:r>
+              <a:rPr lang="en-GB" dirty="0"/>
+              <a:t>This website can be deployed both locally as well as externally by a virtual machine.</a:t>
+            </a:r>
+          </a:p>
+        </p:txBody>
+      </p:sp>
+      <p:sp>
+        <p:nvSpPr>
+          <p:cNvPr id="4" name="Slide Number Placeholder 3"/>
+          <p:cNvSpPr>
+            <a:spLocks noGrp="1"/>
+          </p:cNvSpPr>
+          <p:nvPr>
+            <p:ph type="sldNum" sz="quarter" idx="5"/>
+          </p:nvPr>
+        </p:nvSpPr>
+        <p:spPr/>
+        <p:txBody>
+          <a:bodyPr/>
+          <a:lstStyle/>
+          <a:p>
+            <a:fld id="{DB7FB7B9-8F48-4F9D-AA0E-E4362EC48C70}" type="slidenum">
+              <a:rPr lang="en-GB" smtClean="0"/>
+              <a:t>15</a:t>
+            </a:fld>
+            <a:endParaRPr lang="en-GB"/>
+          </a:p>
+        </p:txBody>
+      </p:sp>
+    </p:spTree>
+    <p:extLst>
+      <p:ext uri="{BB962C8B-B14F-4D97-AF65-F5344CB8AC3E}">
+        <p14:creationId xmlns:p14="http://schemas.microsoft.com/office/powerpoint/2010/main" val="1561913919"/>
+      </p:ext>
+    </p:extLst>
+  </p:cSld>
+  <p:clrMapOvr>
+    <a:masterClrMapping/>
+  </p:clrMapOvr>
+</p:notes>
+</file>
+
+<file path=ppt/notesSlides/notesSlide15.xml><?xml version="1.0" encoding="utf-8"?>
+<p:notes xmlns:a="http://schemas.openxmlformats.org/drawingml/2006/main" xmlns:r="http://schemas.openxmlformats.org/officeDocument/2006/relationships" xmlns:p="http://schemas.openxmlformats.org/presentationml/2006/main">
+  <p:cSld>
+    <p:spTree>
+      <p:nvGrpSpPr>
+        <p:cNvPr id="1" name=""/>
+        <p:cNvGrpSpPr/>
+        <p:nvPr/>
+      </p:nvGrpSpPr>
+      <p:grpSpPr>
+        <a:xfrm>
+          <a:off x="0" y="0"/>
+          <a:ext cx="0" cy="0"/>
+          <a:chOff x="0" y="0"/>
+          <a:chExt cx="0" cy="0"/>
+        </a:xfrm>
+      </p:grpSpPr>
+      <p:sp>
+        <p:nvSpPr>
+          <p:cNvPr id="2" name="Slide Image Placeholder 1"/>
+          <p:cNvSpPr>
+            <a:spLocks noGrp="1" noRot="1" noChangeAspect="1"/>
+          </p:cNvSpPr>
+          <p:nvPr>
+            <p:ph type="sldImg"/>
+          </p:nvPr>
+        </p:nvSpPr>
+        <p:spPr/>
+      </p:sp>
+      <p:sp>
+        <p:nvSpPr>
+          <p:cNvPr id="3" name="Notes Placeholder 2"/>
+          <p:cNvSpPr>
+            <a:spLocks noGrp="1"/>
+          </p:cNvSpPr>
+          <p:nvPr>
+            <p:ph type="body" idx="1"/>
+          </p:nvPr>
+        </p:nvSpPr>
+        <p:spPr/>
+        <p:txBody>
+          <a:bodyPr/>
+          <a:lstStyle/>
+          <a:p>
+            <a:r>
+              <a:rPr lang="en-GB" dirty="0"/>
+              <a:t>Moving onto ….Front end visual </a:t>
+            </a:r>
+          </a:p>
+        </p:txBody>
+      </p:sp>
+      <p:sp>
+        <p:nvSpPr>
+          <p:cNvPr id="4" name="Slide Number Placeholder 3"/>
+          <p:cNvSpPr>
+            <a:spLocks noGrp="1"/>
+          </p:cNvSpPr>
+          <p:nvPr>
+            <p:ph type="sldNum" sz="quarter" idx="5"/>
+          </p:nvPr>
+        </p:nvSpPr>
+        <p:spPr/>
+        <p:txBody>
+          <a:bodyPr/>
+          <a:lstStyle/>
+          <a:p>
+            <a:fld id="{DB7FB7B9-8F48-4F9D-AA0E-E4362EC48C70}" type="slidenum">
+              <a:rPr lang="en-GB" smtClean="0"/>
+              <a:t>17</a:t>
+            </a:fld>
+            <a:endParaRPr lang="en-GB"/>
+          </a:p>
+        </p:txBody>
+      </p:sp>
+    </p:spTree>
+    <p:extLst>
+      <p:ext uri="{BB962C8B-B14F-4D97-AF65-F5344CB8AC3E}">
+        <p14:creationId xmlns:p14="http://schemas.microsoft.com/office/powerpoint/2010/main" val="1936396325"/>
+      </p:ext>
+    </p:extLst>
+  </p:cSld>
+  <p:clrMapOvr>
+    <a:masterClrMapping/>
+  </p:clrMapOvr>
+</p:notes>
+</file>
+
+<file path=ppt/notesSlides/notesSlide16.xml><?xml version="1.0" encoding="utf-8"?>
+<p:notes xmlns:a="http://schemas.openxmlformats.org/drawingml/2006/main" xmlns:r="http://schemas.openxmlformats.org/officeDocument/2006/relationships" xmlns:p="http://schemas.openxmlformats.org/presentationml/2006/main">
+  <p:cSld>
+    <p:spTree>
+      <p:nvGrpSpPr>
+        <p:cNvPr id="1" name=""/>
+        <p:cNvGrpSpPr/>
+        <p:nvPr/>
+      </p:nvGrpSpPr>
+      <p:grpSpPr>
+        <a:xfrm>
+          <a:off x="0" y="0"/>
+          <a:ext cx="0" cy="0"/>
+          <a:chOff x="0" y="0"/>
+          <a:chExt cx="0" cy="0"/>
+        </a:xfrm>
+      </p:grpSpPr>
+      <p:sp>
+        <p:nvSpPr>
+          <p:cNvPr id="2" name="Slide Image Placeholder 1"/>
+          <p:cNvSpPr>
+            <a:spLocks noGrp="1" noRot="1" noChangeAspect="1"/>
+          </p:cNvSpPr>
+          <p:nvPr>
+            <p:ph type="sldImg"/>
+          </p:nvPr>
+        </p:nvSpPr>
+        <p:spPr/>
+      </p:sp>
+      <p:sp>
+        <p:nvSpPr>
+          <p:cNvPr id="3" name="Notes Placeholder 2"/>
+          <p:cNvSpPr>
+            <a:spLocks noGrp="1"/>
+          </p:cNvSpPr>
+          <p:nvPr>
+            <p:ph type="body" idx="1"/>
+          </p:nvPr>
+        </p:nvSpPr>
+        <p:spPr/>
+        <p:txBody>
+          <a:bodyPr/>
+          <a:lstStyle/>
+          <a:p>
+            <a:r>
+              <a:rPr lang="en-GB" dirty="0"/>
+              <a:t>Explain shortly what’s on the page</a:t>
+            </a:r>
+          </a:p>
+        </p:txBody>
+      </p:sp>
+      <p:sp>
+        <p:nvSpPr>
+          <p:cNvPr id="4" name="Slide Number Placeholder 3"/>
+          <p:cNvSpPr>
+            <a:spLocks noGrp="1"/>
+          </p:cNvSpPr>
+          <p:nvPr>
+            <p:ph type="sldNum" sz="quarter" idx="5"/>
+          </p:nvPr>
+        </p:nvSpPr>
+        <p:spPr/>
+        <p:txBody>
+          <a:bodyPr/>
+          <a:lstStyle/>
+          <a:p>
+            <a:fld id="{DB7FB7B9-8F48-4F9D-AA0E-E4362EC48C70}" type="slidenum">
+              <a:rPr lang="en-GB" smtClean="0"/>
+              <a:t>18</a:t>
+            </a:fld>
+            <a:endParaRPr lang="en-GB"/>
+          </a:p>
+        </p:txBody>
+      </p:sp>
+    </p:spTree>
+    <p:extLst>
+      <p:ext uri="{BB962C8B-B14F-4D97-AF65-F5344CB8AC3E}">
+        <p14:creationId xmlns:p14="http://schemas.microsoft.com/office/powerpoint/2010/main" val="2857372848"/>
+      </p:ext>
+    </p:extLst>
+  </p:cSld>
+  <p:clrMapOvr>
+    <a:masterClrMapping/>
+  </p:clrMapOvr>
+</p:notes>
+</file>
+
+<file path=ppt/notesSlides/notesSlide17.xml><?xml version="1.0" encoding="utf-8"?>
+<p:notes xmlns:a="http://schemas.openxmlformats.org/drawingml/2006/main" xmlns:r="http://schemas.openxmlformats.org/officeDocument/2006/relationships" xmlns:p="http://schemas.openxmlformats.org/presentationml/2006/main">
+  <p:cSld>
+    <p:spTree>
+      <p:nvGrpSpPr>
+        <p:cNvPr id="1" name=""/>
+        <p:cNvGrpSpPr/>
+        <p:nvPr/>
+      </p:nvGrpSpPr>
+      <p:grpSpPr>
+        <a:xfrm>
+          <a:off x="0" y="0"/>
+          <a:ext cx="0" cy="0"/>
+          <a:chOff x="0" y="0"/>
+          <a:chExt cx="0" cy="0"/>
+        </a:xfrm>
+      </p:grpSpPr>
+      <p:sp>
+        <p:nvSpPr>
+          <p:cNvPr id="2" name="Slide Image Placeholder 1"/>
+          <p:cNvSpPr>
+            <a:spLocks noGrp="1" noRot="1" noChangeAspect="1"/>
+          </p:cNvSpPr>
+          <p:nvPr>
+            <p:ph type="sldImg"/>
+          </p:nvPr>
+        </p:nvSpPr>
+        <p:spPr/>
+      </p:sp>
+      <p:sp>
+        <p:nvSpPr>
+          <p:cNvPr id="3" name="Notes Placeholder 2"/>
+          <p:cNvSpPr>
+            <a:spLocks noGrp="1"/>
+          </p:cNvSpPr>
+          <p:nvPr>
+            <p:ph type="body" idx="1"/>
+          </p:nvPr>
+        </p:nvSpPr>
+        <p:spPr/>
+        <p:txBody>
+          <a:bodyPr/>
+          <a:lstStyle/>
+          <a:p>
+            <a:pPr marL="0" marR="0" lvl="0" indent="0" algn="l" defTabSz="914400" rtl="0" eaLnBrk="1" fontAlgn="auto" latinLnBrk="0" hangingPunct="1">
+              <a:lnSpc>
+                <a:spcPct val="100000"/>
+              </a:lnSpc>
+              <a:spcBef>
+                <a:spcPts val="0"/>
+              </a:spcBef>
+              <a:spcAft>
+                <a:spcPts val="0"/>
+              </a:spcAft>
+              <a:buClrTx/>
+              <a:buSzTx/>
+              <a:buFontTx/>
+              <a:buNone/>
+              <a:tabLst/>
+              <a:defRPr/>
+            </a:pPr>
+            <a:r>
+              <a:rPr lang="en-GB" dirty="0"/>
+              <a:t>Explain shortly what’s on the page</a:t>
+            </a:r>
+          </a:p>
+          <a:p>
+            <a:endParaRPr lang="en-GB" dirty="0"/>
+          </a:p>
+        </p:txBody>
+      </p:sp>
+      <p:sp>
+        <p:nvSpPr>
+          <p:cNvPr id="4" name="Slide Number Placeholder 3"/>
+          <p:cNvSpPr>
+            <a:spLocks noGrp="1"/>
+          </p:cNvSpPr>
+          <p:nvPr>
+            <p:ph type="sldNum" sz="quarter" idx="5"/>
+          </p:nvPr>
+        </p:nvSpPr>
+        <p:spPr/>
+        <p:txBody>
+          <a:bodyPr/>
+          <a:lstStyle/>
+          <a:p>
+            <a:fld id="{DB7FB7B9-8F48-4F9D-AA0E-E4362EC48C70}" type="slidenum">
+              <a:rPr lang="en-GB" smtClean="0"/>
+              <a:t>19</a:t>
+            </a:fld>
+            <a:endParaRPr lang="en-GB"/>
+          </a:p>
+        </p:txBody>
+      </p:sp>
+    </p:spTree>
+    <p:extLst>
+      <p:ext uri="{BB962C8B-B14F-4D97-AF65-F5344CB8AC3E}">
+        <p14:creationId xmlns:p14="http://schemas.microsoft.com/office/powerpoint/2010/main" val="3304782850"/>
+      </p:ext>
+    </p:extLst>
+  </p:cSld>
+  <p:clrMapOvr>
+    <a:masterClrMapping/>
+  </p:clrMapOvr>
+</p:notes>
+</file>
+
+<file path=ppt/notesSlides/notesSlide18.xml><?xml version="1.0" encoding="utf-8"?>
+<p:notes xmlns:a="http://schemas.openxmlformats.org/drawingml/2006/main" xmlns:r="http://schemas.openxmlformats.org/officeDocument/2006/relationships" xmlns:p="http://schemas.openxmlformats.org/presentationml/2006/main">
+  <p:cSld>
+    <p:spTree>
+      <p:nvGrpSpPr>
+        <p:cNvPr id="1" name=""/>
+        <p:cNvGrpSpPr/>
+        <p:nvPr/>
+      </p:nvGrpSpPr>
+      <p:grpSpPr>
+        <a:xfrm>
+          <a:off x="0" y="0"/>
+          <a:ext cx="0" cy="0"/>
+          <a:chOff x="0" y="0"/>
+          <a:chExt cx="0" cy="0"/>
+        </a:xfrm>
+      </p:grpSpPr>
+      <p:sp>
+        <p:nvSpPr>
+          <p:cNvPr id="2" name="Slide Image Placeholder 1"/>
+          <p:cNvSpPr>
+            <a:spLocks noGrp="1" noRot="1" noChangeAspect="1"/>
+          </p:cNvSpPr>
+          <p:nvPr>
+            <p:ph type="sldImg"/>
+          </p:nvPr>
+        </p:nvSpPr>
+        <p:spPr/>
+      </p:sp>
+      <p:sp>
+        <p:nvSpPr>
+          <p:cNvPr id="3" name="Notes Placeholder 2"/>
+          <p:cNvSpPr>
+            <a:spLocks noGrp="1"/>
+          </p:cNvSpPr>
+          <p:nvPr>
+            <p:ph type="body" idx="1"/>
+          </p:nvPr>
+        </p:nvSpPr>
+        <p:spPr/>
+        <p:txBody>
+          <a:bodyPr/>
+          <a:lstStyle/>
+          <a:p>
+            <a:pPr marL="0" marR="0" lvl="0" indent="0" algn="l" defTabSz="914400" rtl="0" eaLnBrk="1" fontAlgn="auto" latinLnBrk="0" hangingPunct="1">
+              <a:lnSpc>
+                <a:spcPct val="100000"/>
+              </a:lnSpc>
+              <a:spcBef>
+                <a:spcPts val="0"/>
+              </a:spcBef>
+              <a:spcAft>
+                <a:spcPts val="0"/>
+              </a:spcAft>
+              <a:buClrTx/>
+              <a:buSzTx/>
+              <a:buFontTx/>
+              <a:buNone/>
+              <a:tabLst/>
+              <a:defRPr/>
+            </a:pPr>
+            <a:r>
+              <a:rPr lang="en-GB" dirty="0"/>
+              <a:t>Explain shortly what’s on the page</a:t>
+            </a:r>
+          </a:p>
+          <a:p>
+            <a:endParaRPr lang="en-GB" dirty="0"/>
+          </a:p>
+        </p:txBody>
+      </p:sp>
+      <p:sp>
+        <p:nvSpPr>
+          <p:cNvPr id="4" name="Slide Number Placeholder 3"/>
+          <p:cNvSpPr>
+            <a:spLocks noGrp="1"/>
+          </p:cNvSpPr>
+          <p:nvPr>
+            <p:ph type="sldNum" sz="quarter" idx="5"/>
+          </p:nvPr>
+        </p:nvSpPr>
+        <p:spPr/>
+        <p:txBody>
+          <a:bodyPr/>
+          <a:lstStyle/>
+          <a:p>
+            <a:fld id="{DB7FB7B9-8F48-4F9D-AA0E-E4362EC48C70}" type="slidenum">
+              <a:rPr lang="en-GB" smtClean="0"/>
+              <a:t>20</a:t>
+            </a:fld>
+            <a:endParaRPr lang="en-GB"/>
+          </a:p>
+        </p:txBody>
+      </p:sp>
+    </p:spTree>
+    <p:extLst>
+      <p:ext uri="{BB962C8B-B14F-4D97-AF65-F5344CB8AC3E}">
+        <p14:creationId xmlns:p14="http://schemas.microsoft.com/office/powerpoint/2010/main" val="4136615469"/>
+      </p:ext>
+    </p:extLst>
+  </p:cSld>
+  <p:clrMapOvr>
+    <a:masterClrMapping/>
+  </p:clrMapOvr>
+</p:notes>
+</file>
+
+<file path=ppt/notesSlides/notesSlide19.xml><?xml version="1.0" encoding="utf-8"?>
+<p:notes xmlns:a="http://schemas.openxmlformats.org/drawingml/2006/main" xmlns:r="http://schemas.openxmlformats.org/officeDocument/2006/relationships" xmlns:p="http://schemas.openxmlformats.org/presentationml/2006/main">
+  <p:cSld>
+    <p:spTree>
+      <p:nvGrpSpPr>
+        <p:cNvPr id="1" name=""/>
+        <p:cNvGrpSpPr/>
+        <p:nvPr/>
+      </p:nvGrpSpPr>
+      <p:grpSpPr>
+        <a:xfrm>
+          <a:off x="0" y="0"/>
+          <a:ext cx="0" cy="0"/>
+          <a:chOff x="0" y="0"/>
+          <a:chExt cx="0" cy="0"/>
+        </a:xfrm>
+      </p:grpSpPr>
+      <p:sp>
+        <p:nvSpPr>
+          <p:cNvPr id="2" name="Slide Image Placeholder 1"/>
+          <p:cNvSpPr>
+            <a:spLocks noGrp="1" noRot="1" noChangeAspect="1"/>
+          </p:cNvSpPr>
+          <p:nvPr>
+            <p:ph type="sldImg"/>
+          </p:nvPr>
+        </p:nvSpPr>
+        <p:spPr/>
+      </p:sp>
+      <p:sp>
+        <p:nvSpPr>
+          <p:cNvPr id="3" name="Notes Placeholder 2"/>
+          <p:cNvSpPr>
+            <a:spLocks noGrp="1"/>
+          </p:cNvSpPr>
+          <p:nvPr>
+            <p:ph type="body" idx="1"/>
+          </p:nvPr>
+        </p:nvSpPr>
+        <p:spPr/>
+        <p:txBody>
+          <a:bodyPr/>
+          <a:lstStyle/>
+          <a:p>
+            <a:pPr marL="0" marR="0" lvl="0" indent="0" algn="l" defTabSz="914400" rtl="0" eaLnBrk="1" fontAlgn="auto" latinLnBrk="0" hangingPunct="1">
+              <a:lnSpc>
+                <a:spcPct val="100000"/>
+              </a:lnSpc>
+              <a:spcBef>
+                <a:spcPts val="0"/>
+              </a:spcBef>
+              <a:spcAft>
+                <a:spcPts val="0"/>
+              </a:spcAft>
+              <a:buClrTx/>
+              <a:buSzTx/>
+              <a:buFontTx/>
+              <a:buNone/>
+              <a:tabLst/>
+              <a:defRPr/>
+            </a:pPr>
+            <a:r>
+              <a:rPr lang="en-GB" dirty="0"/>
+              <a:t>Explain shortly what’s on the page</a:t>
+            </a:r>
+          </a:p>
+          <a:p>
+            <a:endParaRPr lang="en-GB" dirty="0"/>
+          </a:p>
+        </p:txBody>
+      </p:sp>
+      <p:sp>
+        <p:nvSpPr>
+          <p:cNvPr id="4" name="Slide Number Placeholder 3"/>
+          <p:cNvSpPr>
+            <a:spLocks noGrp="1"/>
+          </p:cNvSpPr>
+          <p:nvPr>
+            <p:ph type="sldNum" sz="quarter" idx="5"/>
+          </p:nvPr>
+        </p:nvSpPr>
+        <p:spPr/>
+        <p:txBody>
+          <a:bodyPr/>
+          <a:lstStyle/>
+          <a:p>
+            <a:fld id="{DB7FB7B9-8F48-4F9D-AA0E-E4362EC48C70}" type="slidenum">
+              <a:rPr lang="en-GB" smtClean="0"/>
+              <a:t>21</a:t>
+            </a:fld>
+            <a:endParaRPr lang="en-GB"/>
+          </a:p>
+        </p:txBody>
+      </p:sp>
+    </p:spTree>
+    <p:extLst>
+      <p:ext uri="{BB962C8B-B14F-4D97-AF65-F5344CB8AC3E}">
+        <p14:creationId xmlns:p14="http://schemas.microsoft.com/office/powerpoint/2010/main" val="1129980766"/>
+      </p:ext>
+    </p:extLst>
+  </p:cSld>
+  <p:clrMapOvr>
+    <a:masterClrMapping/>
+  </p:clrMapOvr>
+</p:notes>
+</file>
+
 <file path=ppt/notesSlides/notesSlide2.xml><?xml version="1.0" encoding="utf-8"?>
 <p:notes xmlns:a="http://schemas.openxmlformats.org/drawingml/2006/main" xmlns:r="http://schemas.openxmlformats.org/officeDocument/2006/relationships" xmlns:p="http://schemas.openxmlformats.org/presentationml/2006/main">
   <p:cSld>
@@ -612,7 +1584,13 @@
           <a:p>
             <a:r>
               <a:rPr lang="en-GB" dirty="0"/>
-              <a:t>Talk about CR &amp; UD in CRUD</a:t>
+              <a:t>-Talk about CR &amp; UD in CRUD</a:t>
+            </a:r>
+          </a:p>
+          <a:p>
+            <a:r>
+              <a:rPr lang="en-GB" dirty="0"/>
+              <a:t>-They would be redirected to the home page, from there they would be able to see and read their quote.</a:t>
             </a:r>
           </a:p>
         </p:txBody>
@@ -644,6 +1622,211 @@
     <p:extLst>
       <p:ext uri="{BB962C8B-B14F-4D97-AF65-F5344CB8AC3E}">
         <p14:creationId xmlns:p14="http://schemas.microsoft.com/office/powerpoint/2010/main" val="2764923461"/>
+      </p:ext>
+    </p:extLst>
+  </p:cSld>
+  <p:clrMapOvr>
+    <a:masterClrMapping/>
+  </p:clrMapOvr>
+</p:notes>
+</file>
+
+<file path=ppt/notesSlides/notesSlide20.xml><?xml version="1.0" encoding="utf-8"?>
+<p:notes xmlns:a="http://schemas.openxmlformats.org/drawingml/2006/main" xmlns:r="http://schemas.openxmlformats.org/officeDocument/2006/relationships" xmlns:p="http://schemas.openxmlformats.org/presentationml/2006/main">
+  <p:cSld>
+    <p:spTree>
+      <p:nvGrpSpPr>
+        <p:cNvPr id="1" name=""/>
+        <p:cNvGrpSpPr/>
+        <p:nvPr/>
+      </p:nvGrpSpPr>
+      <p:grpSpPr>
+        <a:xfrm>
+          <a:off x="0" y="0"/>
+          <a:ext cx="0" cy="0"/>
+          <a:chOff x="0" y="0"/>
+          <a:chExt cx="0" cy="0"/>
+        </a:xfrm>
+      </p:grpSpPr>
+      <p:sp>
+        <p:nvSpPr>
+          <p:cNvPr id="2" name="Slide Image Placeholder 1"/>
+          <p:cNvSpPr>
+            <a:spLocks noGrp="1" noRot="1" noChangeAspect="1"/>
+          </p:cNvSpPr>
+          <p:nvPr>
+            <p:ph type="sldImg"/>
+          </p:nvPr>
+        </p:nvSpPr>
+        <p:spPr/>
+      </p:sp>
+      <p:sp>
+        <p:nvSpPr>
+          <p:cNvPr id="3" name="Notes Placeholder 2"/>
+          <p:cNvSpPr>
+            <a:spLocks noGrp="1"/>
+          </p:cNvSpPr>
+          <p:nvPr>
+            <p:ph type="body" idx="1"/>
+          </p:nvPr>
+        </p:nvSpPr>
+        <p:spPr/>
+        <p:txBody>
+          <a:bodyPr/>
+          <a:lstStyle/>
+          <a:p>
+            <a:pPr marL="0" marR="0" lvl="0" indent="0" algn="l" defTabSz="914400" rtl="0" eaLnBrk="1" fontAlgn="auto" latinLnBrk="0" hangingPunct="1">
+              <a:lnSpc>
+                <a:spcPct val="100000"/>
+              </a:lnSpc>
+              <a:spcBef>
+                <a:spcPts val="0"/>
+              </a:spcBef>
+              <a:spcAft>
+                <a:spcPts val="0"/>
+              </a:spcAft>
+              <a:buClrTx/>
+              <a:buSzTx/>
+              <a:buFontTx/>
+              <a:buNone/>
+              <a:tabLst/>
+              <a:defRPr/>
+            </a:pPr>
+            <a:r>
+              <a:rPr lang="en-GB" dirty="0"/>
+              <a:t>Explain shortly what’s on the page</a:t>
+            </a:r>
+          </a:p>
+          <a:p>
+            <a:endParaRPr lang="en-GB" dirty="0"/>
+          </a:p>
+          <a:p>
+            <a:endParaRPr lang="en-GB" dirty="0"/>
+          </a:p>
+        </p:txBody>
+      </p:sp>
+      <p:sp>
+        <p:nvSpPr>
+          <p:cNvPr id="4" name="Slide Number Placeholder 3"/>
+          <p:cNvSpPr>
+            <a:spLocks noGrp="1"/>
+          </p:cNvSpPr>
+          <p:nvPr>
+            <p:ph type="sldNum" sz="quarter" idx="5"/>
+          </p:nvPr>
+        </p:nvSpPr>
+        <p:spPr/>
+        <p:txBody>
+          <a:bodyPr/>
+          <a:lstStyle/>
+          <a:p>
+            <a:fld id="{DB7FB7B9-8F48-4F9D-AA0E-E4362EC48C70}" type="slidenum">
+              <a:rPr lang="en-GB" smtClean="0"/>
+              <a:t>22</a:t>
+            </a:fld>
+            <a:endParaRPr lang="en-GB"/>
+          </a:p>
+        </p:txBody>
+      </p:sp>
+    </p:spTree>
+    <p:extLst>
+      <p:ext uri="{BB962C8B-B14F-4D97-AF65-F5344CB8AC3E}">
+        <p14:creationId xmlns:p14="http://schemas.microsoft.com/office/powerpoint/2010/main" val="2258096619"/>
+      </p:ext>
+    </p:extLst>
+  </p:cSld>
+  <p:clrMapOvr>
+    <a:masterClrMapping/>
+  </p:clrMapOvr>
+</p:notes>
+</file>
+
+<file path=ppt/notesSlides/notesSlide21.xml><?xml version="1.0" encoding="utf-8"?>
+<p:notes xmlns:a="http://schemas.openxmlformats.org/drawingml/2006/main" xmlns:r="http://schemas.openxmlformats.org/officeDocument/2006/relationships" xmlns:p="http://schemas.openxmlformats.org/presentationml/2006/main">
+  <p:cSld>
+    <p:spTree>
+      <p:nvGrpSpPr>
+        <p:cNvPr id="1" name=""/>
+        <p:cNvGrpSpPr/>
+        <p:nvPr/>
+      </p:nvGrpSpPr>
+      <p:grpSpPr>
+        <a:xfrm>
+          <a:off x="0" y="0"/>
+          <a:ext cx="0" cy="0"/>
+          <a:chOff x="0" y="0"/>
+          <a:chExt cx="0" cy="0"/>
+        </a:xfrm>
+      </p:grpSpPr>
+      <p:sp>
+        <p:nvSpPr>
+          <p:cNvPr id="2" name="Slide Image Placeholder 1"/>
+          <p:cNvSpPr>
+            <a:spLocks noGrp="1" noRot="1" noChangeAspect="1"/>
+          </p:cNvSpPr>
+          <p:nvPr>
+            <p:ph type="sldImg"/>
+          </p:nvPr>
+        </p:nvSpPr>
+        <p:spPr/>
+      </p:sp>
+      <p:sp>
+        <p:nvSpPr>
+          <p:cNvPr id="3" name="Notes Placeholder 2"/>
+          <p:cNvSpPr>
+            <a:spLocks noGrp="1"/>
+          </p:cNvSpPr>
+          <p:nvPr>
+            <p:ph type="body" idx="1"/>
+          </p:nvPr>
+        </p:nvSpPr>
+        <p:spPr/>
+        <p:txBody>
+          <a:bodyPr/>
+          <a:lstStyle/>
+          <a:p>
+            <a:r>
+              <a:rPr lang="en-GB" dirty="0"/>
+              <a:t>So the 'things cancelled' on the </a:t>
+            </a:r>
+            <a:r>
+              <a:rPr lang="en-GB" dirty="0" err="1"/>
+              <a:t>kanban</a:t>
+            </a:r>
+            <a:r>
+              <a:rPr lang="en-GB" dirty="0"/>
+              <a:t> board. In addition, adding a search function to enhance usability.</a:t>
+            </a:r>
+          </a:p>
+        </p:txBody>
+      </p:sp>
+      <p:sp>
+        <p:nvSpPr>
+          <p:cNvPr id="4" name="Slide Number Placeholder 3"/>
+          <p:cNvSpPr>
+            <a:spLocks noGrp="1"/>
+          </p:cNvSpPr>
+          <p:nvPr>
+            <p:ph type="sldNum" sz="quarter" idx="5"/>
+          </p:nvPr>
+        </p:nvSpPr>
+        <p:spPr/>
+        <p:txBody>
+          <a:bodyPr/>
+          <a:lstStyle/>
+          <a:p>
+            <a:fld id="{DB7FB7B9-8F48-4F9D-AA0E-E4362EC48C70}" type="slidenum">
+              <a:rPr lang="en-GB" smtClean="0"/>
+              <a:t>31</a:t>
+            </a:fld>
+            <a:endParaRPr lang="en-GB"/>
+          </a:p>
+        </p:txBody>
+      </p:sp>
+    </p:spTree>
+    <p:extLst>
+      <p:ext uri="{BB962C8B-B14F-4D97-AF65-F5344CB8AC3E}">
+        <p14:creationId xmlns:p14="http://schemas.microsoft.com/office/powerpoint/2010/main" val="1715097894"/>
       </p:ext>
     </p:extLst>
   </p:cSld>
@@ -699,7 +1882,7 @@
           <a:p>
             <a:r>
               <a:rPr lang="en-GB" dirty="0"/>
-              <a:t>Original ERD</a:t>
+              <a:t>Original ERD – what the colours mean</a:t>
             </a:r>
           </a:p>
         </p:txBody>
@@ -794,57 +1977,20 @@
                 <a:ea typeface="+mn-ea"/>
                 <a:cs typeface="+mn-cs"/>
               </a:rPr>
-              <a:t>Here, is where all the </a:t>
-            </a:r>
-            <a:r>
-              <a:rPr lang="en-GB" sz="1200" b="0" i="0" u="none" strike="noStrike" kern="1200" dirty="0" err="1">
-                <a:solidFill>
-                  <a:schemeClr val="tx1"/>
-                </a:solidFill>
-                <a:effectLst/>
-                <a:latin typeface="+mn-lt"/>
-                <a:ea typeface="+mn-ea"/>
-                <a:cs typeface="+mn-cs"/>
-              </a:rPr>
-              <a:t>requirments</a:t>
-            </a:r>
-            <a:r>
-              <a:rPr lang="en-GB" sz="1200" b="0" i="0" u="none" strike="noStrike" kern="1200" dirty="0">
-                <a:solidFill>
-                  <a:schemeClr val="tx1"/>
-                </a:solidFill>
-                <a:effectLst/>
-                <a:latin typeface="+mn-lt"/>
-                <a:ea typeface="+mn-ea"/>
-                <a:cs typeface="+mn-cs"/>
-              </a:rPr>
-              <a:t> of the project are listed, though it isn't coloured coded here to show the list of </a:t>
-            </a:r>
-            <a:r>
-              <a:rPr lang="en-GB" sz="1200" b="0" i="0" u="none" strike="noStrike" kern="1200" dirty="0" err="1">
-                <a:solidFill>
-                  <a:schemeClr val="tx1"/>
-                </a:solidFill>
-                <a:effectLst/>
-                <a:latin typeface="+mn-lt"/>
-                <a:ea typeface="+mn-ea"/>
-                <a:cs typeface="+mn-cs"/>
-              </a:rPr>
-              <a:t>priorties</a:t>
-            </a:r>
-            <a:r>
-              <a:rPr lang="en-GB" sz="1200" b="0" i="0" u="none" strike="noStrike" kern="1200" dirty="0">
-                <a:solidFill>
-                  <a:schemeClr val="tx1"/>
-                </a:solidFill>
-                <a:effectLst/>
-                <a:latin typeface="+mn-lt"/>
-                <a:ea typeface="+mn-ea"/>
-                <a:cs typeface="+mn-cs"/>
-              </a:rPr>
-              <a:t>, as it was preferred to colour code the actually ERD diagram as it was a better way of prioritising.</a:t>
-            </a:r>
-            <a:endParaRPr lang="en-GB" dirty="0"/>
+              <a:t>- The origin plan for the ERD consisted of less tables and entities than were produced in the final application.</a:t>
+            </a:r>
+          </a:p>
+          <a:p>
+            <a:r>
+              <a:rPr lang="en-GB" dirty="0"/>
+              <a:t>- Explain the relationships between tables. </a:t>
+            </a:r>
+          </a:p>
+          <a:p>
+            <a:r>
+              <a:rPr lang="en-GB" dirty="0"/>
+              <a:t>- Why you choice to add extra tables.</a:t>
+            </a:r>
           </a:p>
         </p:txBody>
       </p:sp>
@@ -865,7 +2011,7 @@
           <a:p>
             <a:fld id="{DB7FB7B9-8F48-4F9D-AA0E-E4362EC48C70}" type="slidenum">
               <a:rPr lang="en-GB" smtClean="0"/>
-              <a:t>6</a:t>
+              <a:t>5</a:t>
             </a:fld>
             <a:endParaRPr lang="en-GB"/>
           </a:p>
@@ -874,7 +2020,7 @@
     </p:spTree>
     <p:extLst>
       <p:ext uri="{BB962C8B-B14F-4D97-AF65-F5344CB8AC3E}">
-        <p14:creationId xmlns:p14="http://schemas.microsoft.com/office/powerpoint/2010/main" val="3065743589"/>
+        <p14:creationId xmlns:p14="http://schemas.microsoft.com/office/powerpoint/2010/main" val="3097406254"/>
       </p:ext>
     </p:extLst>
   </p:cSld>
@@ -938,7 +2084,21 @@
                 <a:ea typeface="+mn-ea"/>
                 <a:cs typeface="+mn-cs"/>
               </a:rPr>
-              <a:t>ach entry represents a sprint. Each sprint was roughly 4 days, however each needed to be met.</a:t>
+              <a:t>Here, is where all the requirements of the project are listed, </a:t>
+            </a:r>
+          </a:p>
+          <a:p>
+            <a:r>
+              <a:rPr lang="en-GB" sz="1200" b="0" i="0" u="none" strike="noStrike" kern="1200" dirty="0">
+                <a:solidFill>
+                  <a:schemeClr val="tx1"/>
+                </a:solidFill>
+                <a:effectLst/>
+                <a:latin typeface="+mn-lt"/>
+                <a:ea typeface="+mn-ea"/>
+                <a:cs typeface="+mn-cs"/>
+              </a:rPr>
+              <a:t>Why it isn't coloured coded to show the list of priorities? -  you preferred to colour code the actually ERD diagram as it was a better way of prioritising.</a:t>
             </a:r>
             <a:endParaRPr lang="en-GB" dirty="0"/>
           </a:p>
@@ -961,7 +2121,7 @@
           <a:p>
             <a:fld id="{DB7FB7B9-8F48-4F9D-AA0E-E4362EC48C70}" type="slidenum">
               <a:rPr lang="en-GB" smtClean="0"/>
-              <a:t>9</a:t>
+              <a:t>6</a:t>
             </a:fld>
             <a:endParaRPr lang="en-GB"/>
           </a:p>
@@ -970,7 +2130,7 @@
     </p:spTree>
     <p:extLst>
       <p:ext uri="{BB962C8B-B14F-4D97-AF65-F5344CB8AC3E}">
-        <p14:creationId xmlns:p14="http://schemas.microsoft.com/office/powerpoint/2010/main" val="1523792976"/>
+        <p14:creationId xmlns:p14="http://schemas.microsoft.com/office/powerpoint/2010/main" val="3065743589"/>
       </p:ext>
     </p:extLst>
   </p:cSld>
@@ -1034,7 +2194,7 @@
                 <a:ea typeface="+mn-ea"/>
                 <a:cs typeface="+mn-cs"/>
               </a:rPr>
-              <a:t>Here was the creation of testing in order to test. Code to test was being created in python for each area of the application. Firstly, the code to test the application’s URL was created. Once it was made it was then pushed up to GitHub, to invoke Jenkins, once Jenkins was triggered the results could be seen on Jenkins console to see whether it was a success or not.</a:t>
+              <a:t>Here,  is analysing potential actions that can have a negative impact towards individuals, or the surrounding.</a:t>
             </a:r>
             <a:endParaRPr lang="en-GB" dirty="0"/>
           </a:p>
@@ -1057,7 +2217,7 @@
           <a:p>
             <a:fld id="{DB7FB7B9-8F48-4F9D-AA0E-E4362EC48C70}" type="slidenum">
               <a:rPr lang="en-GB" smtClean="0"/>
-              <a:t>11</a:t>
+              <a:t>7</a:t>
             </a:fld>
             <a:endParaRPr lang="en-GB"/>
           </a:p>
@@ -1066,7 +2226,300 @@
     </p:spTree>
     <p:extLst>
       <p:ext uri="{BB962C8B-B14F-4D97-AF65-F5344CB8AC3E}">
-        <p14:creationId xmlns:p14="http://schemas.microsoft.com/office/powerpoint/2010/main" val="1828626053"/>
+        <p14:creationId xmlns:p14="http://schemas.microsoft.com/office/powerpoint/2010/main" val="2975775485"/>
+      </p:ext>
+    </p:extLst>
+  </p:cSld>
+  <p:clrMapOvr>
+    <a:masterClrMapping/>
+  </p:clrMapOvr>
+</p:notes>
+</file>
+
+<file path=ppt/notesSlides/notesSlide7.xml><?xml version="1.0" encoding="utf-8"?>
+<p:notes xmlns:a="http://schemas.openxmlformats.org/drawingml/2006/main" xmlns:r="http://schemas.openxmlformats.org/officeDocument/2006/relationships" xmlns:p="http://schemas.openxmlformats.org/presentationml/2006/main">
+  <p:cSld>
+    <p:spTree>
+      <p:nvGrpSpPr>
+        <p:cNvPr id="1" name=""/>
+        <p:cNvGrpSpPr/>
+        <p:nvPr/>
+      </p:nvGrpSpPr>
+      <p:grpSpPr>
+        <a:xfrm>
+          <a:off x="0" y="0"/>
+          <a:ext cx="0" cy="0"/>
+          <a:chOff x="0" y="0"/>
+          <a:chExt cx="0" cy="0"/>
+        </a:xfrm>
+      </p:grpSpPr>
+      <p:sp>
+        <p:nvSpPr>
+          <p:cNvPr id="2" name="Slide Image Placeholder 1"/>
+          <p:cNvSpPr>
+            <a:spLocks noGrp="1" noRot="1" noChangeAspect="1"/>
+          </p:cNvSpPr>
+          <p:nvPr>
+            <p:ph type="sldImg"/>
+          </p:nvPr>
+        </p:nvSpPr>
+        <p:spPr/>
+      </p:sp>
+      <p:sp>
+        <p:nvSpPr>
+          <p:cNvPr id="3" name="Notes Placeholder 2"/>
+          <p:cNvSpPr>
+            <a:spLocks noGrp="1"/>
+          </p:cNvSpPr>
+          <p:nvPr>
+            <p:ph type="body" idx="1"/>
+          </p:nvPr>
+        </p:nvSpPr>
+        <p:spPr/>
+        <p:txBody>
+          <a:bodyPr/>
+          <a:lstStyle/>
+          <a:p>
+            <a:r>
+              <a:rPr lang="en-GB" dirty="0"/>
+              <a:t>More risks</a:t>
+            </a:r>
+          </a:p>
+        </p:txBody>
+      </p:sp>
+      <p:sp>
+        <p:nvSpPr>
+          <p:cNvPr id="4" name="Slide Number Placeholder 3"/>
+          <p:cNvSpPr>
+            <a:spLocks noGrp="1"/>
+          </p:cNvSpPr>
+          <p:nvPr>
+            <p:ph type="sldNum" sz="quarter" idx="5"/>
+          </p:nvPr>
+        </p:nvSpPr>
+        <p:spPr/>
+        <p:txBody>
+          <a:bodyPr/>
+          <a:lstStyle/>
+          <a:p>
+            <a:fld id="{DB7FB7B9-8F48-4F9D-AA0E-E4362EC48C70}" type="slidenum">
+              <a:rPr lang="en-GB" smtClean="0"/>
+              <a:t>8</a:t>
+            </a:fld>
+            <a:endParaRPr lang="en-GB"/>
+          </a:p>
+        </p:txBody>
+      </p:sp>
+    </p:spTree>
+    <p:extLst>
+      <p:ext uri="{BB962C8B-B14F-4D97-AF65-F5344CB8AC3E}">
+        <p14:creationId xmlns:p14="http://schemas.microsoft.com/office/powerpoint/2010/main" val="2352948861"/>
+      </p:ext>
+    </p:extLst>
+  </p:cSld>
+  <p:clrMapOvr>
+    <a:masterClrMapping/>
+  </p:clrMapOvr>
+</p:notes>
+</file>
+
+<file path=ppt/notesSlides/notesSlide8.xml><?xml version="1.0" encoding="utf-8"?>
+<p:notes xmlns:a="http://schemas.openxmlformats.org/drawingml/2006/main" xmlns:r="http://schemas.openxmlformats.org/officeDocument/2006/relationships" xmlns:p="http://schemas.openxmlformats.org/presentationml/2006/main">
+  <p:cSld>
+    <p:spTree>
+      <p:nvGrpSpPr>
+        <p:cNvPr id="1" name=""/>
+        <p:cNvGrpSpPr/>
+        <p:nvPr/>
+      </p:nvGrpSpPr>
+      <p:grpSpPr>
+        <a:xfrm>
+          <a:off x="0" y="0"/>
+          <a:ext cx="0" cy="0"/>
+          <a:chOff x="0" y="0"/>
+          <a:chExt cx="0" cy="0"/>
+        </a:xfrm>
+      </p:grpSpPr>
+      <p:sp>
+        <p:nvSpPr>
+          <p:cNvPr id="2" name="Slide Image Placeholder 1"/>
+          <p:cNvSpPr>
+            <a:spLocks noGrp="1" noRot="1" noChangeAspect="1"/>
+          </p:cNvSpPr>
+          <p:nvPr>
+            <p:ph type="sldImg"/>
+          </p:nvPr>
+        </p:nvSpPr>
+        <p:spPr/>
+      </p:sp>
+      <p:sp>
+        <p:nvSpPr>
+          <p:cNvPr id="3" name="Notes Placeholder 2"/>
+          <p:cNvSpPr>
+            <a:spLocks noGrp="1"/>
+          </p:cNvSpPr>
+          <p:nvPr>
+            <p:ph type="body" idx="1"/>
+          </p:nvPr>
+        </p:nvSpPr>
+        <p:spPr/>
+        <p:txBody>
+          <a:bodyPr/>
+          <a:lstStyle/>
+          <a:p>
+            <a:r>
+              <a:rPr lang="en-GB" sz="1200" b="0" i="0" u="none" strike="noStrike" kern="1200" dirty="0">
+                <a:solidFill>
+                  <a:schemeClr val="tx1"/>
+                </a:solidFill>
+                <a:effectLst/>
+                <a:latin typeface="+mn-lt"/>
+                <a:ea typeface="+mn-ea"/>
+                <a:cs typeface="+mn-cs"/>
+              </a:rPr>
+              <a:t>Trello was used, there was listed all the use-cases for the product in the terms of a ‘user’ and ‘developer’.</a:t>
+            </a:r>
+            <a:endParaRPr lang="en-GB" dirty="0"/>
+          </a:p>
+        </p:txBody>
+      </p:sp>
+      <p:sp>
+        <p:nvSpPr>
+          <p:cNvPr id="4" name="Slide Number Placeholder 3"/>
+          <p:cNvSpPr>
+            <a:spLocks noGrp="1"/>
+          </p:cNvSpPr>
+          <p:nvPr>
+            <p:ph type="sldNum" sz="quarter" idx="5"/>
+          </p:nvPr>
+        </p:nvSpPr>
+        <p:spPr/>
+        <p:txBody>
+          <a:bodyPr/>
+          <a:lstStyle/>
+          <a:p>
+            <a:fld id="{DB7FB7B9-8F48-4F9D-AA0E-E4362EC48C70}" type="slidenum">
+              <a:rPr lang="en-GB" smtClean="0"/>
+              <a:t>9</a:t>
+            </a:fld>
+            <a:endParaRPr lang="en-GB"/>
+          </a:p>
+        </p:txBody>
+      </p:sp>
+    </p:spTree>
+    <p:extLst>
+      <p:ext uri="{BB962C8B-B14F-4D97-AF65-F5344CB8AC3E}">
+        <p14:creationId xmlns:p14="http://schemas.microsoft.com/office/powerpoint/2010/main" val="2436499007"/>
+      </p:ext>
+    </p:extLst>
+  </p:cSld>
+  <p:clrMapOvr>
+    <a:masterClrMapping/>
+  </p:clrMapOvr>
+</p:notes>
+</file>
+
+<file path=ppt/notesSlides/notesSlide9.xml><?xml version="1.0" encoding="utf-8"?>
+<p:notes xmlns:a="http://schemas.openxmlformats.org/drawingml/2006/main" xmlns:r="http://schemas.openxmlformats.org/officeDocument/2006/relationships" xmlns:p="http://schemas.openxmlformats.org/presentationml/2006/main">
+  <p:cSld>
+    <p:spTree>
+      <p:nvGrpSpPr>
+        <p:cNvPr id="1" name=""/>
+        <p:cNvGrpSpPr/>
+        <p:nvPr/>
+      </p:nvGrpSpPr>
+      <p:grpSpPr>
+        <a:xfrm>
+          <a:off x="0" y="0"/>
+          <a:ext cx="0" cy="0"/>
+          <a:chOff x="0" y="0"/>
+          <a:chExt cx="0" cy="0"/>
+        </a:xfrm>
+      </p:grpSpPr>
+      <p:sp>
+        <p:nvSpPr>
+          <p:cNvPr id="2" name="Slide Image Placeholder 1"/>
+          <p:cNvSpPr>
+            <a:spLocks noGrp="1" noRot="1" noChangeAspect="1"/>
+          </p:cNvSpPr>
+          <p:nvPr>
+            <p:ph type="sldImg"/>
+          </p:nvPr>
+        </p:nvSpPr>
+        <p:spPr/>
+      </p:sp>
+      <p:sp>
+        <p:nvSpPr>
+          <p:cNvPr id="3" name="Notes Placeholder 2"/>
+          <p:cNvSpPr>
+            <a:spLocks noGrp="1"/>
+          </p:cNvSpPr>
+          <p:nvPr>
+            <p:ph type="body" idx="1"/>
+          </p:nvPr>
+        </p:nvSpPr>
+        <p:spPr/>
+        <p:txBody>
+          <a:bodyPr/>
+          <a:lstStyle/>
+          <a:p>
+            <a:r>
+              <a:rPr lang="en-GB" sz="1200" b="0" i="0" u="none" strike="noStrike" kern="1200" dirty="0">
+                <a:solidFill>
+                  <a:schemeClr val="tx1"/>
+                </a:solidFill>
+                <a:effectLst/>
+                <a:latin typeface="+mn-lt"/>
+                <a:ea typeface="+mn-ea"/>
+                <a:cs typeface="+mn-cs"/>
+              </a:rPr>
+              <a:t>- Each entry represents a sprint. Each sprint was roughly aimed to be 4 days, however each needed to be met.</a:t>
+            </a:r>
+          </a:p>
+          <a:p>
+            <a:r>
+              <a:rPr lang="en-GB" sz="1200" b="0" i="0" u="none" strike="noStrike" kern="1200" dirty="0">
+                <a:solidFill>
+                  <a:schemeClr val="tx1"/>
+                </a:solidFill>
+                <a:effectLst/>
+                <a:latin typeface="+mn-lt"/>
+                <a:ea typeface="+mn-ea"/>
+                <a:cs typeface="+mn-cs"/>
+              </a:rPr>
+              <a:t>- Explain the sprints </a:t>
+            </a:r>
+            <a:endParaRPr lang="en-GB" dirty="0"/>
+          </a:p>
+        </p:txBody>
+      </p:sp>
+      <p:sp>
+        <p:nvSpPr>
+          <p:cNvPr id="4" name="Slide Number Placeholder 3"/>
+          <p:cNvSpPr>
+            <a:spLocks noGrp="1"/>
+          </p:cNvSpPr>
+          <p:nvPr>
+            <p:ph type="sldNum" sz="quarter" idx="5"/>
+          </p:nvPr>
+        </p:nvSpPr>
+        <p:spPr/>
+        <p:txBody>
+          <a:bodyPr/>
+          <a:lstStyle/>
+          <a:p>
+            <a:fld id="{DB7FB7B9-8F48-4F9D-AA0E-E4362EC48C70}" type="slidenum">
+              <a:rPr lang="en-GB" smtClean="0"/>
+              <a:t>10</a:t>
+            </a:fld>
+            <a:endParaRPr lang="en-GB"/>
+          </a:p>
+        </p:txBody>
+      </p:sp>
+    </p:spTree>
+    <p:extLst>
+      <p:ext uri="{BB962C8B-B14F-4D97-AF65-F5344CB8AC3E}">
+        <p14:creationId xmlns:p14="http://schemas.microsoft.com/office/powerpoint/2010/main" val="1523792976"/>
       </p:ext>
     </p:extLst>
   </p:cSld>
@@ -1215,7 +2668,7 @@
           <a:p>
             <a:fld id="{B664B58C-535D-4BD2-91E4-401D66A26B25}" type="datetimeFigureOut">
               <a:rPr lang="en-GB" smtClean="0"/>
-              <a:t>22/03/2020</a:t>
+              <a:t>23/03/2020</a:t>
             </a:fld>
             <a:endParaRPr lang="en-GB"/>
           </a:p>
@@ -1426,7 +2879,7 @@
           <a:p>
             <a:fld id="{B664B58C-535D-4BD2-91E4-401D66A26B25}" type="datetimeFigureOut">
               <a:rPr lang="en-GB" smtClean="0"/>
-              <a:t>22/03/2020</a:t>
+              <a:t>23/03/2020</a:t>
             </a:fld>
             <a:endParaRPr lang="en-GB"/>
           </a:p>
@@ -1641,7 +3094,7 @@
           <a:p>
             <a:fld id="{B664B58C-535D-4BD2-91E4-401D66A26B25}" type="datetimeFigureOut">
               <a:rPr lang="en-GB" smtClean="0"/>
-              <a:t>22/03/2020</a:t>
+              <a:t>23/03/2020</a:t>
             </a:fld>
             <a:endParaRPr lang="en-GB"/>
           </a:p>
@@ -1842,7 +3295,7 @@
           <a:p>
             <a:fld id="{B664B58C-535D-4BD2-91E4-401D66A26B25}" type="datetimeFigureOut">
               <a:rPr lang="en-GB" smtClean="0"/>
-              <a:t>22/03/2020</a:t>
+              <a:t>23/03/2020</a:t>
             </a:fld>
             <a:endParaRPr lang="en-GB"/>
           </a:p>
@@ -2121,7 +3574,7 @@
           <a:p>
             <a:fld id="{B664B58C-535D-4BD2-91E4-401D66A26B25}" type="datetimeFigureOut">
               <a:rPr lang="en-GB" smtClean="0"/>
-              <a:t>22/03/2020</a:t>
+              <a:t>23/03/2020</a:t>
             </a:fld>
             <a:endParaRPr lang="en-GB"/>
           </a:p>
@@ -2389,7 +3842,7 @@
           <a:p>
             <a:fld id="{B664B58C-535D-4BD2-91E4-401D66A26B25}" type="datetimeFigureOut">
               <a:rPr lang="en-GB" smtClean="0"/>
-              <a:t>22/03/2020</a:t>
+              <a:t>23/03/2020</a:t>
             </a:fld>
             <a:endParaRPr lang="en-GB"/>
           </a:p>
@@ -2805,7 +4258,7 @@
           <a:p>
             <a:fld id="{B664B58C-535D-4BD2-91E4-401D66A26B25}" type="datetimeFigureOut">
               <a:rPr lang="en-GB" smtClean="0"/>
-              <a:t>22/03/2020</a:t>
+              <a:t>23/03/2020</a:t>
             </a:fld>
             <a:endParaRPr lang="en-GB"/>
           </a:p>
@@ -2954,7 +4407,7 @@
           <a:p>
             <a:fld id="{B664B58C-535D-4BD2-91E4-401D66A26B25}" type="datetimeFigureOut">
               <a:rPr lang="en-GB" smtClean="0"/>
-              <a:t>22/03/2020</a:t>
+              <a:t>23/03/2020</a:t>
             </a:fld>
             <a:endParaRPr lang="en-GB"/>
           </a:p>
@@ -3080,7 +4533,7 @@
           <a:p>
             <a:fld id="{B664B58C-535D-4BD2-91E4-401D66A26B25}" type="datetimeFigureOut">
               <a:rPr lang="en-GB" smtClean="0"/>
-              <a:t>22/03/2020</a:t>
+              <a:t>23/03/2020</a:t>
             </a:fld>
             <a:endParaRPr lang="en-GB"/>
           </a:p>
@@ -3331,7 +4784,7 @@
           <a:p>
             <a:fld id="{B664B58C-535D-4BD2-91E4-401D66A26B25}" type="datetimeFigureOut">
               <a:rPr lang="en-GB" smtClean="0"/>
-              <a:t>22/03/2020</a:t>
+              <a:t>23/03/2020</a:t>
             </a:fld>
             <a:endParaRPr lang="en-GB"/>
           </a:p>
@@ -3776,7 +5229,7 @@
           <a:p>
             <a:fld id="{B664B58C-535D-4BD2-91E4-401D66A26B25}" type="datetimeFigureOut">
               <a:rPr lang="en-GB" smtClean="0"/>
-              <a:t>22/03/2020</a:t>
+              <a:t>23/03/2020</a:t>
             </a:fld>
             <a:endParaRPr lang="en-GB"/>
           </a:p>
@@ -4103,7 +5556,7 @@
           <a:p>
             <a:fld id="{B664B58C-535D-4BD2-91E4-401D66A26B25}" type="datetimeFigureOut">
               <a:rPr lang="en-GB" smtClean="0"/>
-              <a:t>22/03/2020</a:t>
+              <a:t>23/03/2020</a:t>
             </a:fld>
             <a:endParaRPr lang="en-GB"/>
           </a:p>
@@ -4688,7 +6141,7 @@
           <p:cNvPr id="2" name="Title 1">
             <a:extLst>
               <a:ext uri="{FF2B5EF4-FFF2-40B4-BE49-F238E27FC236}">
-                <a16:creationId xmlns:a16="http://schemas.microsoft.com/office/drawing/2014/main" id="{C05BF664-92B9-4F8C-A6B6-E591EC3C2CCA}"/>
+                <a16:creationId xmlns:a16="http://schemas.microsoft.com/office/drawing/2014/main" id="{AF3E8F7E-C352-4C1F-8F2E-0261DD7C48CF}"/>
               </a:ext>
             </a:extLst>
           </p:cNvPr>
@@ -4701,9 +6154,20 @@
         </p:nvSpPr>
         <p:spPr>
           <a:xfrm>
-            <a:off x="556532" y="643467"/>
-            <a:ext cx="11210925" cy="744836"/>
-          </a:xfrm>
+            <a:off x="640080" y="2074363"/>
+            <a:ext cx="2752354" cy="2709275"/>
+          </a:xfrm>
+          <a:prstGeom prst="ellipse">
+            <a:avLst/>
+          </a:prstGeom>
+          <a:solidFill>
+            <a:srgbClr val="262626"/>
+          </a:solidFill>
+          <a:ln w="174625" cmpd="thinThick">
+            <a:solidFill>
+              <a:srgbClr val="262626"/>
+            </a:solidFill>
+          </a:ln>
         </p:spPr>
         <p:txBody>
           <a:bodyPr vert="horz" lIns="91440" tIns="45720" rIns="91440" bIns="45720" rtlCol="0" anchor="ctr">
@@ -4713,25 +6177,25 @@
           <a:p>
             <a:pPr algn="ctr"/>
             <a:r>
-              <a:rPr lang="en-US" sz="3200" kern="1200">
+              <a:rPr lang="en-US" sz="2600" kern="1200">
                 <a:solidFill>
-                  <a:schemeClr val="bg1"/>
+                  <a:srgbClr val="FFFFFF"/>
                 </a:solidFill>
                 <a:latin typeface="+mj-lt"/>
                 <a:ea typeface="+mj-ea"/>
                 <a:cs typeface="+mj-cs"/>
               </a:rPr>
-              <a:t>Things added &amp; Cancelled</a:t>
+              <a:t>Sprints</a:t>
             </a:r>
           </a:p>
         </p:txBody>
       </p:sp>
       <p:pic>
         <p:nvPicPr>
-          <p:cNvPr id="5" name="Picture 4" descr="A screenshot of a cell phone&#10;&#10;Description automatically generated">
+          <p:cNvPr id="4" name="Picture 3">
             <a:extLst>
               <a:ext uri="{FF2B5EF4-FFF2-40B4-BE49-F238E27FC236}">
-                <a16:creationId xmlns:a16="http://schemas.microsoft.com/office/drawing/2014/main" id="{228BA9C4-1412-48CE-9C6A-A6004A53444D}"/>
+                <a16:creationId xmlns:a16="http://schemas.microsoft.com/office/drawing/2014/main" id="{D0AACD33-2903-41A3-90ED-F2F8ECFB0C68}"/>
               </a:ext>
             </a:extLst>
           </p:cNvPr>
@@ -4740,22 +6204,15 @@
           </p:cNvPicPr>
           <p:nvPr/>
         </p:nvPicPr>
-        <p:blipFill>
-          <a:blip r:embed="rId2">
-            <a:extLst>
-              <a:ext uri="{28A0092B-C50C-407E-A947-70E740481C1C}">
-                <a14:useLocalDpi xmlns:a14="http://schemas.microsoft.com/office/drawing/2010/main" val="0"/>
-              </a:ext>
-            </a:extLst>
-          </a:blip>
-          <a:stretch>
-            <a:fillRect/>
-          </a:stretch>
+        <p:blipFill rotWithShape="1">
+          <a:blip r:embed="rId3"/>
+          <a:srcRect l="17667" t="13322" r="64930" b="5681"/>
+          <a:stretch/>
         </p:blipFill>
         <p:spPr>
           <a:xfrm>
-            <a:off x="1016001" y="1675227"/>
-            <a:ext cx="10159997" cy="4394199"/>
+            <a:off x="4800834" y="24239"/>
+            <a:ext cx="2590332" cy="6781430"/>
           </a:xfrm>
           <a:prstGeom prst="rect">
             <a:avLst/>
@@ -4765,7 +6222,7 @@
     </p:spTree>
     <p:extLst>
       <p:ext uri="{BB962C8B-B14F-4D97-AF65-F5344CB8AC3E}">
-        <p14:creationId xmlns:p14="http://schemas.microsoft.com/office/powerpoint/2010/main" val="1901969949"/>
+        <p14:creationId xmlns:p14="http://schemas.microsoft.com/office/powerpoint/2010/main" val="323206041"/>
       </p:ext>
     </p:extLst>
   </p:cSld>
@@ -4805,7 +6262,7 @@
           <p:cNvPr id="2" name="Title 1">
             <a:extLst>
               <a:ext uri="{FF2B5EF4-FFF2-40B4-BE49-F238E27FC236}">
-                <a16:creationId xmlns:a16="http://schemas.microsoft.com/office/drawing/2014/main" id="{9B325DC8-A6CD-4605-B0A6-2A3B6022098C}"/>
+                <a16:creationId xmlns:a16="http://schemas.microsoft.com/office/drawing/2014/main" id="{C05BF664-92B9-4F8C-A6B6-E591EC3C2CCA}"/>
               </a:ext>
             </a:extLst>
           </p:cNvPr>
@@ -4818,36 +6275,37 @@
         </p:nvSpPr>
         <p:spPr>
           <a:xfrm>
-            <a:off x="804672" y="1586597"/>
-            <a:ext cx="3308130" cy="2387600"/>
-          </a:xfrm>
-          <a:prstGeom prst="ellipse">
-            <a:avLst/>
-          </a:prstGeom>
-        </p:spPr>
-        <p:txBody>
-          <a:bodyPr vert="horz" lIns="91440" tIns="45720" rIns="91440" bIns="45720" rtlCol="0" anchor="b">
+            <a:off x="556532" y="643467"/>
+            <a:ext cx="11210925" cy="744836"/>
+          </a:xfrm>
+        </p:spPr>
+        <p:txBody>
+          <a:bodyPr vert="horz" lIns="91440" tIns="45720" rIns="91440" bIns="45720" rtlCol="0" anchor="ctr">
             <a:normAutofit/>
           </a:bodyPr>
           <a:lstStyle/>
           <a:p>
-            <a:r>
-              <a:rPr lang="en-US" sz="3800" kern="1200" dirty="0">
+            <a:pPr algn="ctr"/>
+            <a:r>
+              <a:rPr lang="en-US" sz="3200" kern="1200">
+                <a:solidFill>
+                  <a:schemeClr val="bg1"/>
+                </a:solidFill>
                 <a:latin typeface="+mj-lt"/>
                 <a:ea typeface="+mj-ea"/>
                 <a:cs typeface="+mj-cs"/>
               </a:rPr>
-              <a:t>Jenkins URL Testing</a:t>
+              <a:t>Things added &amp; Cancelled</a:t>
             </a:r>
           </a:p>
         </p:txBody>
       </p:sp>
       <p:pic>
         <p:nvPicPr>
-          <p:cNvPr id="4" name="Picture 3">
+          <p:cNvPr id="5" name="Picture 4" descr="A screenshot of a cell phone&#10;&#10;Description automatically generated">
             <a:extLst>
               <a:ext uri="{FF2B5EF4-FFF2-40B4-BE49-F238E27FC236}">
-                <a16:creationId xmlns:a16="http://schemas.microsoft.com/office/drawing/2014/main" id="{111710AD-F1EC-49E4-9835-08611EBB17EC}"/>
+                <a16:creationId xmlns:a16="http://schemas.microsoft.com/office/drawing/2014/main" id="{228BA9C4-1412-48CE-9C6A-A6004A53444D}"/>
               </a:ext>
             </a:extLst>
           </p:cNvPr>
@@ -4856,15 +6314,22 @@
           </p:cNvPicPr>
           <p:nvPr/>
         </p:nvPicPr>
-        <p:blipFill rotWithShape="1">
-          <a:blip r:embed="rId3"/>
-          <a:srcRect l="20533" t="71352" r="51455" b="9165"/>
-          <a:stretch/>
+        <p:blipFill>
+          <a:blip r:embed="rId3">
+            <a:extLst>
+              <a:ext uri="{28A0092B-C50C-407E-A947-70E740481C1C}">
+                <a14:useLocalDpi xmlns:a14="http://schemas.microsoft.com/office/drawing/2010/main" val="0"/>
+              </a:ext>
+            </a:extLst>
+          </a:blip>
+          <a:stretch>
+            <a:fillRect/>
+          </a:stretch>
         </p:blipFill>
         <p:spPr>
           <a:xfrm>
-            <a:off x="4918474" y="1856935"/>
-            <a:ext cx="6676818" cy="2965359"/>
+            <a:off x="1016001" y="1675227"/>
+            <a:ext cx="10159997" cy="4394199"/>
           </a:xfrm>
           <a:prstGeom prst="rect">
             <a:avLst/>
@@ -4874,7 +6339,7 @@
     </p:spTree>
     <p:extLst>
       <p:ext uri="{BB962C8B-B14F-4D97-AF65-F5344CB8AC3E}">
-        <p14:creationId xmlns:p14="http://schemas.microsoft.com/office/powerpoint/2010/main" val="2580642087"/>
+        <p14:creationId xmlns:p14="http://schemas.microsoft.com/office/powerpoint/2010/main" val="1901969949"/>
       </p:ext>
     </p:extLst>
   </p:cSld>
@@ -4889,9 +6354,25 @@
   <p:cSld>
     <p:bg>
       <p:bgPr>
-        <a:solidFill>
-          <a:schemeClr val="bg1"/>
-        </a:solidFill>
+        <a:gradFill rotWithShape="1">
+          <a:gsLst>
+            <a:gs pos="0">
+              <a:schemeClr val="bg2">
+                <a:tint val="94000"/>
+                <a:satMod val="80000"/>
+                <a:lumMod val="106000"/>
+              </a:schemeClr>
+            </a:gs>
+            <a:gs pos="100000">
+              <a:schemeClr val="bg2">
+                <a:shade val="80000"/>
+              </a:schemeClr>
+            </a:gs>
+          </a:gsLst>
+          <a:path path="circle">
+            <a:fillToRect l="43000" r="43000" b="100000"/>
+          </a:path>
+        </a:gradFill>
         <a:effectLst/>
       </p:bgPr>
     </p:bg>
@@ -4909,47 +6390,72 @@
           <a:chExt cx="0" cy="0"/>
         </a:xfrm>
       </p:grpSpPr>
-      <p:pic>
-        <p:nvPicPr>
-          <p:cNvPr id="7" name="Picture 6" descr="A screenshot of a social media post&#10;&#10;Description automatically generated">
+      <p:sp useBgFill="1">
+        <p:nvSpPr>
+          <p:cNvPr id="10" name="Rectangle 9">
             <a:extLst>
               <a:ext uri="{FF2B5EF4-FFF2-40B4-BE49-F238E27FC236}">
-                <a16:creationId xmlns:a16="http://schemas.microsoft.com/office/drawing/2014/main" id="{62868B7A-7F7A-4D03-ABBB-B5058DAF4E40}"/>
+                <a16:creationId xmlns:a16="http://schemas.microsoft.com/office/drawing/2014/main" id="{1C2A4B30-77D7-4FFB-8B53-A88BD68CABD2}"/>
+              </a:ext>
+              <a:ext uri="{C183D7F6-B498-43B3-948B-1728B52AA6E4}">
+                <adec:decorative xmlns:adec="http://schemas.microsoft.com/office/drawing/2017/decorative" val="1"/>
               </a:ext>
             </a:extLst>
           </p:cNvPr>
-          <p:cNvPicPr>
-            <a:picLocks noChangeAspect="1"/>
-          </p:cNvPicPr>
-          <p:nvPr/>
-        </p:nvPicPr>
-        <p:blipFill rotWithShape="1">
-          <a:blip r:embed="rId2">
-            <a:extLst>
-              <a:ext uri="{28A0092B-C50C-407E-A947-70E740481C1C}">
-                <a14:useLocalDpi xmlns:a14="http://schemas.microsoft.com/office/drawing/2010/main" val="0"/>
-              </a:ext>
-            </a:extLst>
-          </a:blip>
-          <a:srcRect l="26855" t="46814" r="16653" b="9816"/>
-          <a:stretch/>
-        </p:blipFill>
-        <p:spPr>
-          <a:xfrm>
-            <a:off x="3128088" y="1381189"/>
-            <a:ext cx="8649678" cy="3402449"/>
+          <p:cNvSpPr>
+            <a:spLocks noGrp="1" noRot="1" noChangeAspect="1" noMove="1" noResize="1" noEditPoints="1" noAdjustHandles="1" noChangeArrowheads="1" noChangeShapeType="1" noTextEdit="1"/>
+          </p:cNvSpPr>
+          <p:nvPr>
+            <p:extLst>
+              <p:ext uri="{386F3935-93C4-4BCD-93E2-E3B085C9AB24}">
+                <p16:designElem xmlns:p16="http://schemas.microsoft.com/office/powerpoint/2015/main" val="1"/>
+              </p:ext>
+            </p:extLst>
+          </p:nvPr>
+        </p:nvSpPr>
+        <p:spPr>
+          <a:xfrm>
+            <a:off x="2" y="0"/>
+            <a:ext cx="12191695" cy="6858000"/>
           </a:xfrm>
           <a:prstGeom prst="rect">
             <a:avLst/>
           </a:prstGeom>
-        </p:spPr>
-      </p:pic>
+          <a:ln>
+            <a:noFill/>
+          </a:ln>
+        </p:spPr>
+        <p:style>
+          <a:lnRef idx="2">
+            <a:schemeClr val="accent1">
+              <a:shade val="50000"/>
+            </a:schemeClr>
+          </a:lnRef>
+          <a:fillRef idx="1">
+            <a:schemeClr val="accent1"/>
+          </a:fillRef>
+          <a:effectRef idx="0">
+            <a:schemeClr val="accent1"/>
+          </a:effectRef>
+          <a:fontRef idx="minor">
+            <a:schemeClr val="lt1"/>
+          </a:fontRef>
+        </p:style>
+        <p:txBody>
+          <a:bodyPr rtlCol="0" anchor="ctr"/>
+          <a:lstStyle/>
+          <a:p>
+            <a:pPr algn="ctr"/>
+            <a:endParaRPr lang="en-US"/>
+          </a:p>
+        </p:txBody>
+      </p:sp>
       <p:sp>
         <p:nvSpPr>
           <p:cNvPr id="2" name="Title 1">
             <a:extLst>
               <a:ext uri="{FF2B5EF4-FFF2-40B4-BE49-F238E27FC236}">
-                <a16:creationId xmlns:a16="http://schemas.microsoft.com/office/drawing/2014/main" id="{FABDFAA2-46B1-4068-8900-B18E952EAA60}"/>
+                <a16:creationId xmlns:a16="http://schemas.microsoft.com/office/drawing/2014/main" id="{9EEA9BE3-6D03-48A7-A872-104D1C3289EA}"/>
               </a:ext>
             </a:extLst>
           </p:cNvPr>
@@ -4962,105 +6468,283 @@
         </p:nvSpPr>
         <p:spPr>
           <a:xfrm>
-            <a:off x="640080" y="2074363"/>
-            <a:ext cx="2752354" cy="2709275"/>
-          </a:xfrm>
-          <a:prstGeom prst="ellipse">
+            <a:off x="1451580" y="804519"/>
+            <a:ext cx="4325112" cy="1049235"/>
+          </a:xfrm>
+        </p:spPr>
+        <p:txBody>
+          <a:bodyPr>
+            <a:normAutofit/>
+          </a:bodyPr>
+          <a:lstStyle/>
+          <a:p>
+            <a:br>
+              <a:rPr lang="en-GB" sz="2800"/>
+            </a:br>
+            <a:r>
+              <a:rPr lang="en-GB" sz="2800"/>
+              <a:t>Trello to completion</a:t>
+            </a:r>
+          </a:p>
+        </p:txBody>
+      </p:sp>
+      <p:cxnSp>
+        <p:nvCxnSpPr>
+          <p:cNvPr id="12" name="Straight Connector 11">
+            <a:extLst>
+              <a:ext uri="{FF2B5EF4-FFF2-40B4-BE49-F238E27FC236}">
+                <a16:creationId xmlns:a16="http://schemas.microsoft.com/office/drawing/2014/main" id="{373AAE2E-5D6B-4952-A4BB-546C49F8DE4B}"/>
+              </a:ext>
+              <a:ext uri="{C183D7F6-B498-43B3-948B-1728B52AA6E4}">
+                <adec:decorative xmlns:adec="http://schemas.microsoft.com/office/drawing/2017/decorative" val="1"/>
+              </a:ext>
+            </a:extLst>
+          </p:cNvPr>
+          <p:cNvCxnSpPr>
+            <a:cxnSpLocks noGrp="1" noRot="1" noChangeAspect="1" noMove="1" noResize="1" noEditPoints="1" noAdjustHandles="1" noChangeArrowheads="1" noChangeShapeType="1"/>
+          </p:cNvCxnSpPr>
+          <p:nvPr>
+            <p:extLst>
+              <p:ext uri="{386F3935-93C4-4BCD-93E2-E3B085C9AB24}">
+                <p16:designElem xmlns:p16="http://schemas.microsoft.com/office/powerpoint/2015/main" val="1"/>
+              </p:ext>
+            </p:extLst>
+          </p:nvPr>
+        </p:nvCxnSpPr>
+        <p:spPr>
+          <a:xfrm>
+            <a:off x="1451579" y="1853754"/>
+            <a:ext cx="4325112" cy="0"/>
+          </a:xfrm>
+          <a:prstGeom prst="line">
             <a:avLst/>
           </a:prstGeom>
-          <a:solidFill>
-            <a:srgbClr val="262626"/>
-          </a:solidFill>
-          <a:ln w="174625" cmpd="thinThick">
-            <a:solidFill>
-              <a:srgbClr val="262626"/>
-            </a:solidFill>
+          <a:ln w="31750"/>
+        </p:spPr>
+        <p:style>
+          <a:lnRef idx="3">
+            <a:schemeClr val="accent1"/>
+          </a:lnRef>
+          <a:fillRef idx="0">
+            <a:schemeClr val="accent1"/>
+          </a:fillRef>
+          <a:effectRef idx="2">
+            <a:schemeClr val="accent1"/>
+          </a:effectRef>
+          <a:fontRef idx="minor">
+            <a:schemeClr val="tx1"/>
+          </a:fontRef>
+        </p:style>
+      </p:cxnSp>
+      <p:sp>
+        <p:nvSpPr>
+          <p:cNvPr id="14" name="Rectangle 13">
+            <a:extLst>
+              <a:ext uri="{FF2B5EF4-FFF2-40B4-BE49-F238E27FC236}">
+                <a16:creationId xmlns:a16="http://schemas.microsoft.com/office/drawing/2014/main" id="{01E4D783-AD45-49E7-B6C7-BBACB8290688}"/>
+              </a:ext>
+              <a:ext uri="{C183D7F6-B498-43B3-948B-1728B52AA6E4}">
+                <adec:decorative xmlns:adec="http://schemas.microsoft.com/office/drawing/2017/decorative" val="1"/>
+              </a:ext>
+            </a:extLst>
+          </p:cNvPr>
+          <p:cNvSpPr>
+            <a:spLocks noGrp="1" noRot="1" noChangeAspect="1" noMove="1" noResize="1" noEditPoints="1" noAdjustHandles="1" noChangeArrowheads="1" noChangeShapeType="1" noTextEdit="1"/>
+          </p:cNvSpPr>
+          <p:nvPr>
+            <p:extLst>
+              <p:ext uri="{386F3935-93C4-4BCD-93E2-E3B085C9AB24}">
+                <p16:designElem xmlns:p16="http://schemas.microsoft.com/office/powerpoint/2015/main" val="1"/>
+              </p:ext>
+            </p:extLst>
+          </p:nvPr>
+        </p:nvSpPr>
+        <p:spPr>
+          <a:xfrm>
+            <a:off x="0" y="2019476"/>
+            <a:ext cx="12192000" cy="4838524"/>
+          </a:xfrm>
+          <a:prstGeom prst="rect">
+            <a:avLst/>
+          </a:prstGeom>
+          <a:gradFill flip="none" rotWithShape="1">
+            <a:gsLst>
+              <a:gs pos="0">
+                <a:schemeClr val="bg2">
+                  <a:alpha val="0"/>
+                </a:schemeClr>
+              </a:gs>
+              <a:gs pos="100000">
+                <a:schemeClr val="bg2"/>
+              </a:gs>
+            </a:gsLst>
+            <a:lin ang="5400000" scaled="0"/>
+            <a:tileRect/>
+          </a:gradFill>
+          <a:ln>
+            <a:noFill/>
           </a:ln>
         </p:spPr>
-        <p:txBody>
-          <a:bodyPr vert="horz" lIns="91440" tIns="45720" rIns="91440" bIns="45720" rtlCol="0" anchor="ctr">
-            <a:normAutofit fontScale="90000"/>
+        <p:style>
+          <a:lnRef idx="2">
+            <a:schemeClr val="accent1">
+              <a:shade val="50000"/>
+            </a:schemeClr>
+          </a:lnRef>
+          <a:fillRef idx="1">
+            <a:schemeClr val="accent1"/>
+          </a:fillRef>
+          <a:effectRef idx="0">
+            <a:schemeClr val="accent1"/>
+          </a:effectRef>
+          <a:fontRef idx="minor">
+            <a:schemeClr val="lt1"/>
+          </a:fontRef>
+        </p:style>
+        <p:txBody>
+          <a:bodyPr rtlCol="0" anchor="ctr"/>
+          <a:lstStyle/>
+          <a:p>
+            <a:pPr lvl="0" algn="ctr"/>
+            <a:endParaRPr lang="en-US"/>
+          </a:p>
+        </p:txBody>
+      </p:sp>
+      <p:sp>
+        <p:nvSpPr>
+          <p:cNvPr id="3" name="Content Placeholder 2">
+            <a:extLst>
+              <a:ext uri="{FF2B5EF4-FFF2-40B4-BE49-F238E27FC236}">
+                <a16:creationId xmlns:a16="http://schemas.microsoft.com/office/drawing/2014/main" id="{A583EE77-72E2-47AD-BEF7-AC10D6229B7E}"/>
+              </a:ext>
+            </a:extLst>
+          </p:cNvPr>
+          <p:cNvSpPr>
+            <a:spLocks noGrp="1"/>
+          </p:cNvSpPr>
+          <p:nvPr>
+            <p:ph idx="1"/>
+          </p:nvPr>
+        </p:nvSpPr>
+        <p:spPr>
+          <a:xfrm>
+            <a:off x="1451579" y="2015732"/>
+            <a:ext cx="4325113" cy="4074172"/>
+          </a:xfrm>
+        </p:spPr>
+        <p:txBody>
+          <a:bodyPr>
+            <a:normAutofit/>
           </a:bodyPr>
           <a:lstStyle/>
           <a:p>
-            <a:pPr algn="ctr"/>
-            <a:br>
-              <a:rPr lang="en-US" sz="1600" kern="1200" dirty="0">
-                <a:solidFill>
-                  <a:srgbClr val="FFFFFF"/>
-                </a:solidFill>
-                <a:latin typeface="+mj-lt"/>
-                <a:ea typeface="+mj-ea"/>
-                <a:cs typeface="+mj-cs"/>
-              </a:rPr>
-            </a:br>
-            <a:r>
-              <a:rPr lang="en-US" sz="1600" kern="1200" dirty="0">
-                <a:solidFill>
-                  <a:srgbClr val="FFFFFF"/>
-                </a:solidFill>
-                <a:latin typeface="+mj-lt"/>
-                <a:ea typeface="+mj-ea"/>
-                <a:cs typeface="+mj-cs"/>
-              </a:rPr>
-              <a:t>Database Testing and full coverage report</a:t>
-            </a:r>
-            <a:br>
-              <a:rPr lang="en-US" sz="1600" kern="1200" dirty="0">
-                <a:solidFill>
-                  <a:srgbClr val="FFFFFF"/>
-                </a:solidFill>
-                <a:latin typeface="+mj-lt"/>
-                <a:ea typeface="+mj-ea"/>
-                <a:cs typeface="+mj-cs"/>
-              </a:rPr>
-            </a:br>
-            <a:r>
-              <a:rPr lang="en-US" sz="1600" kern="1200" dirty="0">
-                <a:solidFill>
-                  <a:srgbClr val="FFFFFF"/>
-                </a:solidFill>
-                <a:latin typeface="+mj-lt"/>
-                <a:ea typeface="+mj-ea"/>
-                <a:cs typeface="+mj-cs"/>
-              </a:rPr>
-              <a:t>Test coverage for the coverage report passed at 39%</a:t>
-            </a:r>
-            <a:br>
-              <a:rPr lang="en-US" sz="1600" kern="1200" dirty="0">
-                <a:solidFill>
-                  <a:srgbClr val="FFFFFF"/>
-                </a:solidFill>
-                <a:latin typeface="+mj-lt"/>
-                <a:ea typeface="+mj-ea"/>
-                <a:cs typeface="+mj-cs"/>
-              </a:rPr>
-            </a:br>
-            <a:br>
-              <a:rPr lang="en-US" sz="1600" kern="1200" dirty="0">
-                <a:solidFill>
-                  <a:srgbClr val="FFFFFF"/>
-                </a:solidFill>
-                <a:latin typeface="+mj-lt"/>
-                <a:ea typeface="+mj-ea"/>
-                <a:cs typeface="+mj-cs"/>
-              </a:rPr>
-            </a:br>
-            <a:endParaRPr lang="en-US" sz="1600" kern="1200" dirty="0">
-              <a:solidFill>
-                <a:srgbClr val="FFFFFF"/>
-              </a:solidFill>
-              <a:latin typeface="+mj-lt"/>
-              <a:ea typeface="+mj-ea"/>
-              <a:cs typeface="+mj-cs"/>
-            </a:endParaRPr>
-          </a:p>
-        </p:txBody>
-      </p:sp>
+            <a:pPr marL="0" indent="0">
+              <a:buNone/>
+            </a:pPr>
+            <a:r>
+              <a:rPr lang="en-GB" dirty="0"/>
+              <a:t>The project is now in the completion stage, where all are moved to the 'Done' as all tasks was complete along with other optional features and functionality. </a:t>
+            </a:r>
+          </a:p>
+        </p:txBody>
+      </p:sp>
+      <p:grpSp>
+        <p:nvGrpSpPr>
+          <p:cNvPr id="8" name="Group 7">
+            <a:extLst>
+              <a:ext uri="{FF2B5EF4-FFF2-40B4-BE49-F238E27FC236}">
+                <a16:creationId xmlns:a16="http://schemas.microsoft.com/office/drawing/2014/main" id="{7C491196-A10D-40FE-A08E-542C6A2CE5E7}"/>
+              </a:ext>
+            </a:extLst>
+          </p:cNvPr>
+          <p:cNvGrpSpPr/>
+          <p:nvPr/>
+        </p:nvGrpSpPr>
+        <p:grpSpPr>
+          <a:xfrm>
+            <a:off x="7318532" y="114709"/>
+            <a:ext cx="2748400" cy="6320679"/>
+            <a:chOff x="7318532" y="114709"/>
+            <a:chExt cx="2748400" cy="6320679"/>
+          </a:xfrm>
+        </p:grpSpPr>
+        <p:pic>
+          <p:nvPicPr>
+            <p:cNvPr id="5" name="Picture 4" descr="A screenshot of a cell phone&#10;&#10;Description automatically generated">
+              <a:extLst>
+                <a:ext uri="{FF2B5EF4-FFF2-40B4-BE49-F238E27FC236}">
+                  <a16:creationId xmlns:a16="http://schemas.microsoft.com/office/drawing/2014/main" id="{DD4F1C31-D270-4CA7-B659-CCD8C931ADE5}"/>
+                </a:ext>
+              </a:extLst>
+            </p:cNvPr>
+            <p:cNvPicPr>
+              <a:picLocks noChangeAspect="1"/>
+            </p:cNvPicPr>
+            <p:nvPr/>
+          </p:nvPicPr>
+          <p:blipFill>
+            <a:blip r:embed="rId3">
+              <a:extLst>
+                <a:ext uri="{28A0092B-C50C-407E-A947-70E740481C1C}">
+                  <a14:useLocalDpi xmlns:a14="http://schemas.microsoft.com/office/drawing/2010/main" val="0"/>
+                </a:ext>
+              </a:extLst>
+            </a:blip>
+            <a:stretch>
+              <a:fillRect/>
+            </a:stretch>
+          </p:blipFill>
+          <p:spPr>
+            <a:xfrm>
+              <a:off x="7318532" y="114709"/>
+              <a:ext cx="2748400" cy="5285385"/>
+            </a:xfrm>
+            <a:prstGeom prst="rect">
+              <a:avLst/>
+            </a:prstGeom>
+          </p:spPr>
+        </p:pic>
+        <p:pic>
+          <p:nvPicPr>
+            <p:cNvPr id="7" name="Picture 6" descr="A screenshot of a cell phone&#10;&#10;Description automatically generated">
+              <a:extLst>
+                <a:ext uri="{FF2B5EF4-FFF2-40B4-BE49-F238E27FC236}">
+                  <a16:creationId xmlns:a16="http://schemas.microsoft.com/office/drawing/2014/main" id="{C471986C-8225-423D-A82A-5EBE271F2BCD}"/>
+                </a:ext>
+              </a:extLst>
+            </p:cNvPr>
+            <p:cNvPicPr>
+              <a:picLocks noChangeAspect="1"/>
+            </p:cNvPicPr>
+            <p:nvPr/>
+          </p:nvPicPr>
+          <p:blipFill>
+            <a:blip r:embed="rId4">
+              <a:extLst>
+                <a:ext uri="{28A0092B-C50C-407E-A947-70E740481C1C}">
+                  <a14:useLocalDpi xmlns:a14="http://schemas.microsoft.com/office/drawing/2010/main" val="0"/>
+                </a:ext>
+              </a:extLst>
+            </a:blip>
+            <a:stretch>
+              <a:fillRect/>
+            </a:stretch>
+          </p:blipFill>
+          <p:spPr>
+            <a:xfrm>
+              <a:off x="7318532" y="5416213"/>
+              <a:ext cx="2748400" cy="1019175"/>
+            </a:xfrm>
+            <a:prstGeom prst="rect">
+              <a:avLst/>
+            </a:prstGeom>
+          </p:spPr>
+        </p:pic>
+      </p:grpSp>
     </p:spTree>
     <p:extLst>
       <p:ext uri="{BB962C8B-B14F-4D97-AF65-F5344CB8AC3E}">
-        <p14:creationId xmlns:p14="http://schemas.microsoft.com/office/powerpoint/2010/main" val="3976633582"/>
+        <p14:creationId xmlns:p14="http://schemas.microsoft.com/office/powerpoint/2010/main" val="1908194492"/>
       </p:ext>
     </p:extLst>
   </p:cSld>
@@ -5100,7 +6784,7 @@
           <p:cNvPr id="2" name="Title 1">
             <a:extLst>
               <a:ext uri="{FF2B5EF4-FFF2-40B4-BE49-F238E27FC236}">
-                <a16:creationId xmlns:a16="http://schemas.microsoft.com/office/drawing/2014/main" id="{7B7EDAE8-30FC-46DB-BF0A-5EAA71CC7153}"/>
+                <a16:creationId xmlns:a16="http://schemas.microsoft.com/office/drawing/2014/main" id="{9B325DC8-A6CD-4605-B0A6-2A3B6022098C}"/>
               </a:ext>
             </a:extLst>
           </p:cNvPr>
@@ -5113,33 +6797,36 @@
         </p:nvSpPr>
         <p:spPr>
           <a:xfrm>
-            <a:off x="733507" y="3130041"/>
-            <a:ext cx="4416637" cy="2387600"/>
+            <a:off x="804672" y="1586597"/>
+            <a:ext cx="3308130" cy="2387600"/>
           </a:xfrm>
           <a:prstGeom prst="ellipse">
             <a:avLst/>
           </a:prstGeom>
         </p:spPr>
         <p:txBody>
-          <a:bodyPr vert="horz" lIns="91440" tIns="45720" rIns="91440" bIns="45720" rtlCol="0" anchor="t">
-            <a:normAutofit fontScale="90000"/>
+          <a:bodyPr vert="horz" lIns="91440" tIns="45720" rIns="91440" bIns="45720" rtlCol="0" anchor="b">
+            <a:normAutofit/>
           </a:bodyPr>
           <a:lstStyle/>
           <a:p>
             <a:r>
-              <a:rPr lang="en-US" sz="3400" b="1" dirty="0"/>
-              <a:t>Registering and requesting a future author</a:t>
-            </a:r>
-            <a:endParaRPr lang="en-US" sz="3400" dirty="0"/>
+              <a:rPr lang="en-US" sz="3800" kern="1200" dirty="0">
+                <a:latin typeface="+mj-lt"/>
+                <a:ea typeface="+mj-ea"/>
+                <a:cs typeface="+mj-cs"/>
+              </a:rPr>
+              <a:t>Jenkins URL Testing</a:t>
+            </a:r>
           </a:p>
         </p:txBody>
       </p:sp>
       <p:pic>
         <p:nvPicPr>
-          <p:cNvPr id="5" name="Picture 4" descr="A screenshot of a cell phone&#10;&#10;Description automatically generated">
+          <p:cNvPr id="4" name="Picture 3">
             <a:extLst>
               <a:ext uri="{FF2B5EF4-FFF2-40B4-BE49-F238E27FC236}">
-                <a16:creationId xmlns:a16="http://schemas.microsoft.com/office/drawing/2014/main" id="{94962FFD-0944-4244-B0A8-5824F313FD63}"/>
+                <a16:creationId xmlns:a16="http://schemas.microsoft.com/office/drawing/2014/main" id="{111710AD-F1EC-49E4-9835-08611EBB17EC}"/>
               </a:ext>
             </a:extLst>
           </p:cNvPr>
@@ -5149,20 +6836,14 @@
           <p:nvPr/>
         </p:nvPicPr>
         <p:blipFill rotWithShape="1">
-          <a:blip r:embed="rId2">
-            <a:extLst>
-              <a:ext uri="{28A0092B-C50C-407E-A947-70E740481C1C}">
-                <a14:useLocalDpi xmlns:a14="http://schemas.microsoft.com/office/drawing/2010/main" val="0"/>
-              </a:ext>
-            </a:extLst>
-          </a:blip>
-          <a:srcRect l="24820" r="26310" b="-1"/>
+          <a:blip r:embed="rId3"/>
+          <a:srcRect l="20533" t="71352" r="51455" b="9165"/>
           <a:stretch/>
         </p:blipFill>
         <p:spPr>
           <a:xfrm>
-            <a:off x="5922492" y="666728"/>
-            <a:ext cx="5536001" cy="5465791"/>
+            <a:off x="4918474" y="1856935"/>
+            <a:ext cx="6676818" cy="2965359"/>
           </a:xfrm>
           <a:prstGeom prst="rect">
             <a:avLst/>
@@ -5172,7 +6853,7 @@
     </p:spTree>
     <p:extLst>
       <p:ext uri="{BB962C8B-B14F-4D97-AF65-F5344CB8AC3E}">
-        <p14:creationId xmlns:p14="http://schemas.microsoft.com/office/powerpoint/2010/main" val="840313417"/>
+        <p14:creationId xmlns:p14="http://schemas.microsoft.com/office/powerpoint/2010/main" val="2580642087"/>
       </p:ext>
     </p:extLst>
   </p:cSld>
@@ -5207,12 +6888,47 @@
           <a:chExt cx="0" cy="0"/>
         </a:xfrm>
       </p:grpSpPr>
+      <p:pic>
+        <p:nvPicPr>
+          <p:cNvPr id="7" name="Picture 6" descr="A screenshot of a social media post&#10;&#10;Description automatically generated">
+            <a:extLst>
+              <a:ext uri="{FF2B5EF4-FFF2-40B4-BE49-F238E27FC236}">
+                <a16:creationId xmlns:a16="http://schemas.microsoft.com/office/drawing/2014/main" id="{62868B7A-7F7A-4D03-ABBB-B5058DAF4E40}"/>
+              </a:ext>
+            </a:extLst>
+          </p:cNvPr>
+          <p:cNvPicPr>
+            <a:picLocks noChangeAspect="1"/>
+          </p:cNvPicPr>
+          <p:nvPr/>
+        </p:nvPicPr>
+        <p:blipFill rotWithShape="1">
+          <a:blip r:embed="rId3">
+            <a:extLst>
+              <a:ext uri="{28A0092B-C50C-407E-A947-70E740481C1C}">
+                <a14:useLocalDpi xmlns:a14="http://schemas.microsoft.com/office/drawing/2010/main" val="0"/>
+              </a:ext>
+            </a:extLst>
+          </a:blip>
+          <a:srcRect l="26855" t="46814" r="16653" b="9816"/>
+          <a:stretch/>
+        </p:blipFill>
+        <p:spPr>
+          <a:xfrm>
+            <a:off x="3128088" y="1381189"/>
+            <a:ext cx="8649678" cy="3402449"/>
+          </a:xfrm>
+          <a:prstGeom prst="rect">
+            <a:avLst/>
+          </a:prstGeom>
+        </p:spPr>
+      </p:pic>
       <p:sp>
         <p:nvSpPr>
           <p:cNvPr id="2" name="Title 1">
             <a:extLst>
               <a:ext uri="{FF2B5EF4-FFF2-40B4-BE49-F238E27FC236}">
-                <a16:creationId xmlns:a16="http://schemas.microsoft.com/office/drawing/2014/main" id="{A13FB9F5-3C8D-47E7-B955-D3E461B1240D}"/>
+                <a16:creationId xmlns:a16="http://schemas.microsoft.com/office/drawing/2014/main" id="{FABDFAA2-46B1-4068-8900-B18E952EAA60}"/>
               </a:ext>
             </a:extLst>
           </p:cNvPr>
@@ -5242,13 +6958,13 @@
         </p:spPr>
         <p:txBody>
           <a:bodyPr vert="horz" lIns="91440" tIns="45720" rIns="91440" bIns="45720" rtlCol="0" anchor="ctr">
-            <a:normAutofit/>
+            <a:normAutofit fontScale="90000"/>
           </a:bodyPr>
           <a:lstStyle/>
           <a:p>
             <a:pPr algn="ctr"/>
-            <a:r>
-              <a:rPr lang="en-US" sz="2600" b="1" kern="1200">
+            <a:br>
+              <a:rPr lang="en-US" sz="1600" kern="1200" dirty="0">
                 <a:solidFill>
                   <a:srgbClr val="FFFFFF"/>
                 </a:solidFill>
@@ -5256,9 +6972,60 @@
                 <a:ea typeface="+mj-ea"/>
                 <a:cs typeface="+mj-cs"/>
               </a:rPr>
-              <a:t>Requested author added</a:t>
-            </a:r>
-            <a:endParaRPr lang="en-US" sz="2600" kern="1200">
+            </a:br>
+            <a:r>
+              <a:rPr lang="en-US" sz="1600" kern="1200" dirty="0">
+                <a:solidFill>
+                  <a:srgbClr val="FFFFFF"/>
+                </a:solidFill>
+                <a:latin typeface="+mj-lt"/>
+                <a:ea typeface="+mj-ea"/>
+                <a:cs typeface="+mj-cs"/>
+              </a:rPr>
+              <a:t>Database Testing and full coverage report</a:t>
+            </a:r>
+            <a:br>
+              <a:rPr lang="en-US" sz="1600" kern="1200" dirty="0">
+                <a:solidFill>
+                  <a:srgbClr val="FFFFFF"/>
+                </a:solidFill>
+                <a:latin typeface="+mj-lt"/>
+                <a:ea typeface="+mj-ea"/>
+                <a:cs typeface="+mj-cs"/>
+              </a:rPr>
+            </a:br>
+            <a:r>
+              <a:rPr lang="en-US" sz="1600" kern="1200" dirty="0">
+                <a:solidFill>
+                  <a:srgbClr val="FFFFFF"/>
+                </a:solidFill>
+                <a:latin typeface="+mj-lt"/>
+                <a:ea typeface="+mj-ea"/>
+                <a:cs typeface="+mj-cs"/>
+              </a:rPr>
+              <a:t>Test coverage for the coverage report passed at 39%</a:t>
+            </a:r>
+            <a:br>
+              <a:rPr lang="en-US" sz="1600" kern="1200" dirty="0">
+                <a:solidFill>
+                  <a:srgbClr val="FFFFFF"/>
+                </a:solidFill>
+                <a:latin typeface="+mj-lt"/>
+                <a:ea typeface="+mj-ea"/>
+                <a:cs typeface="+mj-cs"/>
+              </a:rPr>
+            </a:br>
+            <a:br>
+              <a:rPr lang="en-US" sz="1600" kern="1200" dirty="0">
+                <a:solidFill>
+                  <a:srgbClr val="FFFFFF"/>
+                </a:solidFill>
+                <a:latin typeface="+mj-lt"/>
+                <a:ea typeface="+mj-ea"/>
+                <a:cs typeface="+mj-cs"/>
+              </a:rPr>
+            </a:br>
+            <a:endParaRPr lang="en-US" sz="1600" kern="1200" dirty="0">
               <a:solidFill>
                 <a:srgbClr val="FFFFFF"/>
               </a:solidFill>
@@ -5269,46 +7036,10 @@
           </a:p>
         </p:txBody>
       </p:sp>
-      <p:pic>
-        <p:nvPicPr>
-          <p:cNvPr id="5" name="Picture 4" descr="A screenshot of a cell phone&#10;&#10;Description automatically generated">
-            <a:extLst>
-              <a:ext uri="{FF2B5EF4-FFF2-40B4-BE49-F238E27FC236}">
-                <a16:creationId xmlns:a16="http://schemas.microsoft.com/office/drawing/2014/main" id="{6AE76127-1705-4219-9EBB-F2CCFABF1B06}"/>
-              </a:ext>
-            </a:extLst>
-          </p:cNvPr>
-          <p:cNvPicPr>
-            <a:picLocks noChangeAspect="1"/>
-          </p:cNvPicPr>
-          <p:nvPr/>
-        </p:nvPicPr>
-        <p:blipFill>
-          <a:blip r:embed="rId2">
-            <a:extLst>
-              <a:ext uri="{28A0092B-C50C-407E-A947-70E740481C1C}">
-                <a14:useLocalDpi xmlns:a14="http://schemas.microsoft.com/office/drawing/2010/main" val="0"/>
-              </a:ext>
-            </a:extLst>
-          </a:blip>
-          <a:stretch>
-            <a:fillRect/>
-          </a:stretch>
-        </p:blipFill>
-        <p:spPr>
-          <a:xfrm>
-            <a:off x="4367145" y="961812"/>
-            <a:ext cx="6531108" cy="4930987"/>
-          </a:xfrm>
-          <a:prstGeom prst="rect">
-            <a:avLst/>
-          </a:prstGeom>
-        </p:spPr>
-      </p:pic>
     </p:spTree>
     <p:extLst>
       <p:ext uri="{BB962C8B-B14F-4D97-AF65-F5344CB8AC3E}">
-        <p14:creationId xmlns:p14="http://schemas.microsoft.com/office/powerpoint/2010/main" val="118071906"/>
+        <p14:creationId xmlns:p14="http://schemas.microsoft.com/office/powerpoint/2010/main" val="3976633582"/>
       </p:ext>
     </p:extLst>
   </p:cSld>
@@ -5321,10 +7052,238 @@
 <file path=ppt/slides/slide15.xml><?xml version="1.0" encoding="utf-8"?>
 <p:sld xmlns:a="http://schemas.openxmlformats.org/drawingml/2006/main" xmlns:r="http://schemas.openxmlformats.org/officeDocument/2006/relationships" xmlns:p="http://schemas.openxmlformats.org/presentationml/2006/main">
   <p:cSld>
+    <p:spTree>
+      <p:nvGrpSpPr>
+        <p:cNvPr id="1" name=""/>
+        <p:cNvGrpSpPr/>
+        <p:nvPr/>
+      </p:nvGrpSpPr>
+      <p:grpSpPr>
+        <a:xfrm>
+          <a:off x="0" y="0"/>
+          <a:ext cx="0" cy="0"/>
+          <a:chOff x="0" y="0"/>
+          <a:chExt cx="0" cy="0"/>
+        </a:xfrm>
+      </p:grpSpPr>
+      <p:sp>
+        <p:nvSpPr>
+          <p:cNvPr id="2" name="Title 1">
+            <a:extLst>
+              <a:ext uri="{FF2B5EF4-FFF2-40B4-BE49-F238E27FC236}">
+                <a16:creationId xmlns:a16="http://schemas.microsoft.com/office/drawing/2014/main" id="{9531B963-5E1C-4FD3-8691-B47D57DD0420}"/>
+              </a:ext>
+            </a:extLst>
+          </p:cNvPr>
+          <p:cNvSpPr>
+            <a:spLocks noGrp="1"/>
+          </p:cNvSpPr>
+          <p:nvPr>
+            <p:ph type="title"/>
+          </p:nvPr>
+        </p:nvSpPr>
+        <p:spPr/>
+        <p:txBody>
+          <a:bodyPr/>
+          <a:lstStyle/>
+          <a:p>
+            <a:r>
+              <a:rPr lang="en-GB" dirty="0"/>
+              <a:t>DEPLOYMENT</a:t>
+            </a:r>
+          </a:p>
+        </p:txBody>
+      </p:sp>
+      <p:sp>
+        <p:nvSpPr>
+          <p:cNvPr id="3" name="Content Placeholder 2">
+            <a:extLst>
+              <a:ext uri="{FF2B5EF4-FFF2-40B4-BE49-F238E27FC236}">
+                <a16:creationId xmlns:a16="http://schemas.microsoft.com/office/drawing/2014/main" id="{4579F95A-898B-4729-9B3E-323441BA7D44}"/>
+              </a:ext>
+            </a:extLst>
+          </p:cNvPr>
+          <p:cNvSpPr>
+            <a:spLocks noGrp="1"/>
+          </p:cNvSpPr>
+          <p:nvPr>
+            <p:ph idx="1"/>
+          </p:nvPr>
+        </p:nvSpPr>
+        <p:spPr/>
+        <p:txBody>
+          <a:bodyPr/>
+          <a:lstStyle/>
+          <a:p>
+            <a:pPr marL="0" indent="0">
+              <a:buNone/>
+            </a:pPr>
+            <a:r>
+              <a:rPr lang="en-GB" dirty="0"/>
+              <a:t>The automated build, test and deployment process was done by Jenkins, via a webhook to GitHub which was triggered with every push event. </a:t>
+            </a:r>
+          </a:p>
+        </p:txBody>
+      </p:sp>
+    </p:spTree>
+    <p:extLst>
+      <p:ext uri="{BB962C8B-B14F-4D97-AF65-F5344CB8AC3E}">
+        <p14:creationId xmlns:p14="http://schemas.microsoft.com/office/powerpoint/2010/main" val="1829766592"/>
+      </p:ext>
+    </p:extLst>
+  </p:cSld>
+  <p:clrMapOvr>
+    <a:masterClrMapping/>
+  </p:clrMapOvr>
+</p:sld>
+</file>
+
+<file path=ppt/slides/slide16.xml><?xml version="1.0" encoding="utf-8"?>
+<p:sld xmlns:a="http://schemas.openxmlformats.org/drawingml/2006/main" xmlns:r="http://schemas.openxmlformats.org/officeDocument/2006/relationships" xmlns:p="http://schemas.openxmlformats.org/presentationml/2006/main">
+  <p:cSld>
+    <p:spTree>
+      <p:nvGrpSpPr>
+        <p:cNvPr id="1" name=""/>
+        <p:cNvGrpSpPr/>
+        <p:nvPr/>
+      </p:nvGrpSpPr>
+      <p:grpSpPr>
+        <a:xfrm>
+          <a:off x="0" y="0"/>
+          <a:ext cx="0" cy="0"/>
+          <a:chOff x="0" y="0"/>
+          <a:chExt cx="0" cy="0"/>
+        </a:xfrm>
+      </p:grpSpPr>
+      <p:sp>
+        <p:nvSpPr>
+          <p:cNvPr id="2" name="Title 1">
+            <a:extLst>
+              <a:ext uri="{FF2B5EF4-FFF2-40B4-BE49-F238E27FC236}">
+                <a16:creationId xmlns:a16="http://schemas.microsoft.com/office/drawing/2014/main" id="{DB1E0E56-2470-4AA8-BC30-6B9CF2349D98}"/>
+              </a:ext>
+            </a:extLst>
+          </p:cNvPr>
+          <p:cNvSpPr>
+            <a:spLocks noGrp="1"/>
+          </p:cNvSpPr>
+          <p:nvPr>
+            <p:ph type="title"/>
+          </p:nvPr>
+        </p:nvSpPr>
+        <p:spPr/>
+        <p:txBody>
+          <a:bodyPr/>
+          <a:lstStyle/>
+          <a:p>
+            <a:r>
+              <a:rPr lang="en-GB" dirty="0"/>
+              <a:t>Technologies Used</a:t>
+            </a:r>
+            <a:br>
+              <a:rPr lang="en-GB" dirty="0"/>
+            </a:br>
+            <a:endParaRPr lang="en-GB" dirty="0"/>
+          </a:p>
+        </p:txBody>
+      </p:sp>
+      <p:sp>
+        <p:nvSpPr>
+          <p:cNvPr id="3" name="Content Placeholder 2">
+            <a:extLst>
+              <a:ext uri="{FF2B5EF4-FFF2-40B4-BE49-F238E27FC236}">
+                <a16:creationId xmlns:a16="http://schemas.microsoft.com/office/drawing/2014/main" id="{8AA37BA9-4B7E-4ECC-8416-64A1D1CA68D1}"/>
+              </a:ext>
+            </a:extLst>
+          </p:cNvPr>
+          <p:cNvSpPr>
+            <a:spLocks noGrp="1"/>
+          </p:cNvSpPr>
+          <p:nvPr>
+            <p:ph idx="1"/>
+          </p:nvPr>
+        </p:nvSpPr>
+        <p:spPr>
+          <a:xfrm>
+            <a:off x="1451579" y="2015733"/>
+            <a:ext cx="4403789" cy="2796900"/>
+          </a:xfrm>
+        </p:spPr>
+        <p:txBody>
+          <a:bodyPr/>
+          <a:lstStyle/>
+          <a:p>
+            <a:pPr>
+              <a:buFont typeface="Wingdings" panose="05000000000000000000" pitchFamily="2" charset="2"/>
+              <a:buChar char="§"/>
+            </a:pPr>
+            <a:r>
+              <a:rPr lang="en-GB" dirty="0"/>
+              <a:t>GCP Database Engine - Database</a:t>
+            </a:r>
+          </a:p>
+          <a:p>
+            <a:pPr>
+              <a:buFont typeface="Wingdings" panose="05000000000000000000" pitchFamily="2" charset="2"/>
+              <a:buChar char="§"/>
+            </a:pPr>
+            <a:r>
+              <a:rPr lang="en-GB" dirty="0"/>
+              <a:t>Python - Logic</a:t>
+            </a:r>
+          </a:p>
+          <a:p>
+            <a:pPr>
+              <a:buFont typeface="Wingdings" panose="05000000000000000000" pitchFamily="2" charset="2"/>
+              <a:buChar char="§"/>
+            </a:pPr>
+            <a:r>
+              <a:rPr lang="en-GB" dirty="0"/>
+              <a:t>Jenkins - CI Server</a:t>
+            </a:r>
+          </a:p>
+          <a:p>
+            <a:pPr>
+              <a:buFont typeface="Wingdings" panose="05000000000000000000" pitchFamily="2" charset="2"/>
+              <a:buChar char="§"/>
+            </a:pPr>
+            <a:r>
+              <a:rPr lang="en-GB" dirty="0"/>
+              <a:t>Git - VCS</a:t>
+            </a:r>
+          </a:p>
+          <a:p>
+            <a:pPr>
+              <a:buFont typeface="Wingdings" panose="05000000000000000000" pitchFamily="2" charset="2"/>
+              <a:buChar char="§"/>
+            </a:pPr>
+            <a:r>
+              <a:rPr lang="en-GB" dirty="0"/>
+              <a:t>Trello - Project Tracking</a:t>
+            </a:r>
+          </a:p>
+        </p:txBody>
+      </p:sp>
+    </p:spTree>
+    <p:extLst>
+      <p:ext uri="{BB962C8B-B14F-4D97-AF65-F5344CB8AC3E}">
+        <p14:creationId xmlns:p14="http://schemas.microsoft.com/office/powerpoint/2010/main" val="3685369448"/>
+      </p:ext>
+    </p:extLst>
+  </p:cSld>
+  <p:clrMapOvr>
+    <a:masterClrMapping/>
+  </p:clrMapOvr>
+</p:sld>
+</file>
+
+<file path=ppt/slides/slide17.xml><?xml version="1.0" encoding="utf-8"?>
+<p:sld xmlns:a="http://schemas.openxmlformats.org/drawingml/2006/main" xmlns:r="http://schemas.openxmlformats.org/officeDocument/2006/relationships" xmlns:p="http://schemas.openxmlformats.org/presentationml/2006/main">
+  <p:cSld>
     <p:bg>
       <p:bgPr>
         <a:solidFill>
-          <a:schemeClr val="bg1"/>
+          <a:schemeClr val="accent3"/>
         </a:solidFill>
         <a:effectLst/>
       </p:bgPr>
@@ -5348,7 +7307,7 @@
           <p:cNvPr id="2" name="Title 1">
             <a:extLst>
               <a:ext uri="{FF2B5EF4-FFF2-40B4-BE49-F238E27FC236}">
-                <a16:creationId xmlns:a16="http://schemas.microsoft.com/office/drawing/2014/main" id="{FA2B7782-EF03-4573-BAE1-C176CF439AC1}"/>
+                <a16:creationId xmlns:a16="http://schemas.microsoft.com/office/drawing/2014/main" id="{9DFE58E9-E3A3-4087-ACDF-8962C016DF5F}"/>
               </a:ext>
             </a:extLst>
           </p:cNvPr>
@@ -5361,63 +7320,28 @@
         </p:nvSpPr>
         <p:spPr>
           <a:xfrm>
-            <a:off x="1113810" y="3130041"/>
-            <a:ext cx="4036334" cy="2387600"/>
-          </a:xfrm>
-        </p:spPr>
-        <p:txBody>
-          <a:bodyPr vert="horz" lIns="91440" tIns="45720" rIns="91440" bIns="45720" rtlCol="0" anchor="t">
-            <a:normAutofit/>
+            <a:off x="1435537" y="2456856"/>
+            <a:ext cx="9603275" cy="2624481"/>
+          </a:xfrm>
+        </p:spPr>
+        <p:txBody>
+          <a:bodyPr>
+            <a:noAutofit/>
           </a:bodyPr>
           <a:lstStyle/>
           <a:p>
-            <a:r>
-              <a:rPr lang="en-US" sz="5400" b="1"/>
-              <a:t>Entering a quote</a:t>
-            </a:r>
-            <a:endParaRPr lang="en-US" sz="5400"/>
-          </a:p>
-        </p:txBody>
-      </p:sp>
-      <p:pic>
-        <p:nvPicPr>
-          <p:cNvPr id="5" name="Picture 4" descr="A screenshot of a cell phone&#10;&#10;Description automatically generated">
-            <a:extLst>
-              <a:ext uri="{FF2B5EF4-FFF2-40B4-BE49-F238E27FC236}">
-                <a16:creationId xmlns:a16="http://schemas.microsoft.com/office/drawing/2014/main" id="{1BEDC1C6-F443-4115-960D-69FCEF8D6DE7}"/>
-              </a:ext>
-            </a:extLst>
-          </p:cNvPr>
-          <p:cNvPicPr>
-            <a:picLocks noChangeAspect="1"/>
-          </p:cNvPicPr>
-          <p:nvPr/>
-        </p:nvPicPr>
-        <p:blipFill rotWithShape="1">
-          <a:blip r:embed="rId2">
-            <a:extLst>
-              <a:ext uri="{28A0092B-C50C-407E-A947-70E740481C1C}">
-                <a14:useLocalDpi xmlns:a14="http://schemas.microsoft.com/office/drawing/2010/main" val="0"/>
-              </a:ext>
-            </a:extLst>
-          </a:blip>
-          <a:srcRect l="25412" r="25718" b="-1"/>
-          <a:stretch/>
-        </p:blipFill>
-        <p:spPr>
-          <a:xfrm>
-            <a:off x="5922492" y="666728"/>
-            <a:ext cx="5536001" cy="5465791"/>
-          </a:xfrm>
-          <a:prstGeom prst="rect">
-            <a:avLst/>
-          </a:prstGeom>
-        </p:spPr>
-      </p:pic>
+            <a:pPr algn="ctr"/>
+            <a:r>
+              <a:rPr lang="en-GB" sz="4800" dirty="0"/>
+              <a:t>Front End Visual Representation of my Solution</a:t>
+            </a:r>
+          </a:p>
+        </p:txBody>
+      </p:sp>
     </p:spTree>
     <p:extLst>
       <p:ext uri="{BB962C8B-B14F-4D97-AF65-F5344CB8AC3E}">
-        <p14:creationId xmlns:p14="http://schemas.microsoft.com/office/powerpoint/2010/main" val="1167658897"/>
+        <p14:creationId xmlns:p14="http://schemas.microsoft.com/office/powerpoint/2010/main" val="1419271020"/>
       </p:ext>
     </p:extLst>
   </p:cSld>
@@ -5427,14 +7351,30 @@
 </p:sld>
 </file>
 
-<file path=ppt/slides/slide16.xml><?xml version="1.0" encoding="utf-8"?>
+<file path=ppt/slides/slide18.xml><?xml version="1.0" encoding="utf-8"?>
 <p:sld xmlns:a="http://schemas.openxmlformats.org/drawingml/2006/main" xmlns:r="http://schemas.openxmlformats.org/officeDocument/2006/relationships" xmlns:p="http://schemas.openxmlformats.org/presentationml/2006/main">
   <p:cSld>
     <p:bg>
       <p:bgPr>
-        <a:solidFill>
-          <a:schemeClr val="bg1"/>
-        </a:solidFill>
+        <a:gradFill rotWithShape="1">
+          <a:gsLst>
+            <a:gs pos="0">
+              <a:schemeClr val="bg2">
+                <a:tint val="94000"/>
+                <a:satMod val="80000"/>
+                <a:lumMod val="106000"/>
+              </a:schemeClr>
+            </a:gs>
+            <a:gs pos="100000">
+              <a:schemeClr val="bg2">
+                <a:shade val="80000"/>
+              </a:schemeClr>
+            </a:gs>
+          </a:gsLst>
+          <a:path path="circle">
+            <a:fillToRect l="43000" r="43000" b="100000"/>
+          </a:path>
+        </a:gradFill>
         <a:effectLst/>
       </p:bgPr>
     </p:bg>
@@ -5454,45 +7394,222 @@
       </p:grpSpPr>
       <p:sp>
         <p:nvSpPr>
-          <p:cNvPr id="2" name="Title 1">
+          <p:cNvPr id="24" name="Rectangle 11">
             <a:extLst>
               <a:ext uri="{FF2B5EF4-FFF2-40B4-BE49-F238E27FC236}">
-                <a16:creationId xmlns:a16="http://schemas.microsoft.com/office/drawing/2014/main" id="{217399ED-E874-4CFD-A2FE-BCBC64ED5A55}"/>
+                <a16:creationId xmlns:a16="http://schemas.microsoft.com/office/drawing/2014/main" id="{C63C853E-3842-4594-86A9-051FFAF4D343}"/>
+              </a:ext>
+              <a:ext uri="{C183D7F6-B498-43B3-948B-1728B52AA6E4}">
+                <adec:decorative xmlns:adec="http://schemas.microsoft.com/office/drawing/2017/decorative" val="1"/>
               </a:ext>
             </a:extLst>
           </p:cNvPr>
           <p:cNvSpPr>
-            <a:spLocks noGrp="1"/>
-          </p:cNvSpPr>
-          <p:nvPr>
-            <p:ph type="title"/>
-          </p:nvPr>
-        </p:nvSpPr>
-        <p:spPr>
-          <a:xfrm>
-            <a:off x="1113810" y="3130041"/>
-            <a:ext cx="4036334" cy="2387600"/>
-          </a:xfrm>
-        </p:spPr>
-        <p:txBody>
-          <a:bodyPr vert="horz" lIns="91440" tIns="45720" rIns="91440" bIns="45720" rtlCol="0" anchor="t">
-            <a:normAutofit/>
-          </a:bodyPr>
-          <a:lstStyle/>
-          <a:p>
-            <a:r>
-              <a:rPr lang="en-US" sz="5400"/>
-              <a:t>Quote Added</a:t>
-            </a:r>
-          </a:p>
-        </p:txBody>
+            <a:spLocks noGrp="1" noRot="1" noChangeAspect="1" noMove="1" noResize="1" noEditPoints="1" noAdjustHandles="1" noChangeArrowheads="1" noChangeShapeType="1" noTextEdit="1"/>
+          </p:cNvSpPr>
+          <p:nvPr>
+            <p:extLst>
+              <p:ext uri="{386F3935-93C4-4BCD-93E2-E3B085C9AB24}">
+                <p16:designElem xmlns:p16="http://schemas.microsoft.com/office/powerpoint/2015/main" val="1"/>
+              </p:ext>
+            </p:extLst>
+          </p:nvPr>
+        </p:nvSpPr>
+        <p:spPr>
+          <a:xfrm>
+            <a:off x="0" y="2019476"/>
+            <a:ext cx="12192000" cy="4105941"/>
+          </a:xfrm>
+          <a:prstGeom prst="rect">
+            <a:avLst/>
+          </a:prstGeom>
+          <a:gradFill flip="none" rotWithShape="1">
+            <a:gsLst>
+              <a:gs pos="0">
+                <a:schemeClr val="bg2">
+                  <a:alpha val="0"/>
+                </a:schemeClr>
+              </a:gs>
+              <a:gs pos="100000">
+                <a:schemeClr val="bg2"/>
+              </a:gs>
+            </a:gsLst>
+            <a:lin ang="5400000" scaled="0"/>
+            <a:tileRect/>
+          </a:gradFill>
+          <a:ln>
+            <a:noFill/>
+          </a:ln>
+        </p:spPr>
+        <p:style>
+          <a:lnRef idx="2">
+            <a:schemeClr val="accent1">
+              <a:shade val="50000"/>
+            </a:schemeClr>
+          </a:lnRef>
+          <a:fillRef idx="1">
+            <a:schemeClr val="accent1"/>
+          </a:fillRef>
+          <a:effectRef idx="0">
+            <a:schemeClr val="accent1"/>
+          </a:effectRef>
+          <a:fontRef idx="minor">
+            <a:schemeClr val="lt1"/>
+          </a:fontRef>
+        </p:style>
       </p:sp>
       <p:pic>
         <p:nvPicPr>
-          <p:cNvPr id="5" name="Picture 4" descr="A close up of a piece of paper&#10;&#10;Description automatically generated">
+          <p:cNvPr id="25" name="Picture 13">
             <a:extLst>
               <a:ext uri="{FF2B5EF4-FFF2-40B4-BE49-F238E27FC236}">
-                <a16:creationId xmlns:a16="http://schemas.microsoft.com/office/drawing/2014/main" id="{501CD721-C5AE-4FF8-9B03-72B924817154}"/>
+                <a16:creationId xmlns:a16="http://schemas.microsoft.com/office/drawing/2014/main" id="{B591CDC5-6B61-4116-B3B5-0FF42B6E606D}"/>
+              </a:ext>
+              <a:ext uri="{C183D7F6-B498-43B3-948B-1728B52AA6E4}">
+                <adec:decorative xmlns:adec="http://schemas.microsoft.com/office/drawing/2017/decorative" val="1"/>
+              </a:ext>
+            </a:extLst>
+          </p:cNvPr>
+          <p:cNvPicPr>
+            <a:picLocks noGrp="1" noRot="1" noChangeAspect="1" noMove="1" noResize="1" noEditPoints="1" noAdjustHandles="1" noChangeArrowheads="1" noChangeShapeType="1" noCrop="1"/>
+          </p:cNvPicPr>
+          <p:nvPr>
+            <p:extLst>
+              <p:ext uri="{386F3935-93C4-4BCD-93E2-E3B085C9AB24}">
+                <p16:designElem xmlns:p16="http://schemas.microsoft.com/office/powerpoint/2015/main" val="1"/>
+              </p:ext>
+            </p:extLst>
+          </p:nvPr>
+        </p:nvPicPr>
+        <p:blipFill rotWithShape="1">
+          <a:blip r:embed="rId3">
+            <a:extLst>
+              <a:ext uri="{28A0092B-C50C-407E-A947-70E740481C1C}">
+                <a14:useLocalDpi xmlns:a14="http://schemas.microsoft.com/office/drawing/2010/main" val="0"/>
+              </a:ext>
+            </a:extLst>
+          </a:blip>
+          <a:srcRect t="1538" b="-1538"/>
+          <a:stretch/>
+        </p:blipFill>
+        <p:spPr bwMode="black">
+          <a:xfrm>
+            <a:off x="0" y="6126480"/>
+            <a:ext cx="12192000" cy="742950"/>
+          </a:xfrm>
+          <a:prstGeom prst="rect">
+            <a:avLst/>
+          </a:prstGeom>
+        </p:spPr>
+      </p:pic>
+      <p:cxnSp>
+        <p:nvCxnSpPr>
+          <p:cNvPr id="26" name="Straight Connector 15">
+            <a:extLst>
+              <a:ext uri="{FF2B5EF4-FFF2-40B4-BE49-F238E27FC236}">
+                <a16:creationId xmlns:a16="http://schemas.microsoft.com/office/drawing/2014/main" id="{25B08984-5BEB-422F-A364-2B41E6A516EB}"/>
+              </a:ext>
+              <a:ext uri="{C183D7F6-B498-43B3-948B-1728B52AA6E4}">
+                <adec:decorative xmlns:adec="http://schemas.microsoft.com/office/drawing/2017/decorative" val="1"/>
+              </a:ext>
+            </a:extLst>
+          </p:cNvPr>
+          <p:cNvCxnSpPr>
+            <a:cxnSpLocks noGrp="1" noRot="1" noChangeAspect="1" noMove="1" noResize="1" noEditPoints="1" noAdjustHandles="1" noChangeArrowheads="1" noChangeShapeType="1"/>
+          </p:cNvCxnSpPr>
+          <p:nvPr>
+            <p:extLst>
+              <p:ext uri="{386F3935-93C4-4BCD-93E2-E3B085C9AB24}">
+                <p16:designElem xmlns:p16="http://schemas.microsoft.com/office/powerpoint/2015/main" val="1"/>
+              </p:ext>
+            </p:extLst>
+          </p:nvPr>
+        </p:nvCxnSpPr>
+        <p:spPr>
+          <a:xfrm>
+            <a:off x="0" y="6128413"/>
+            <a:ext cx="12192000" cy="0"/>
+          </a:xfrm>
+          <a:prstGeom prst="line">
+            <a:avLst/>
+          </a:prstGeom>
+          <a:ln w="12700">
+            <a:solidFill>
+              <a:srgbClr val="000001">
+                <a:alpha val="20000"/>
+              </a:srgbClr>
+            </a:solidFill>
+          </a:ln>
+        </p:spPr>
+        <p:style>
+          <a:lnRef idx="1">
+            <a:schemeClr val="accent1"/>
+          </a:lnRef>
+          <a:fillRef idx="0">
+            <a:schemeClr val="accent1"/>
+          </a:fillRef>
+          <a:effectRef idx="0">
+            <a:schemeClr val="accent1"/>
+          </a:effectRef>
+          <a:fontRef idx="minor">
+            <a:schemeClr val="tx1"/>
+          </a:fontRef>
+        </p:style>
+      </p:cxnSp>
+      <p:cxnSp>
+        <p:nvCxnSpPr>
+          <p:cNvPr id="27" name="Straight Connector 17">
+            <a:extLst>
+              <a:ext uri="{FF2B5EF4-FFF2-40B4-BE49-F238E27FC236}">
+                <a16:creationId xmlns:a16="http://schemas.microsoft.com/office/drawing/2014/main" id="{A8F413B1-54E0-4B16-92AB-1CC5C7D645BC}"/>
+              </a:ext>
+              <a:ext uri="{C183D7F6-B498-43B3-948B-1728B52AA6E4}">
+                <adec:decorative xmlns:adec="http://schemas.microsoft.com/office/drawing/2017/decorative" val="1"/>
+              </a:ext>
+            </a:extLst>
+          </p:cNvPr>
+          <p:cNvCxnSpPr>
+            <a:cxnSpLocks noGrp="1" noRot="1" noChangeAspect="1" noMove="1" noResize="1" noEditPoints="1" noAdjustHandles="1" noChangeArrowheads="1" noChangeShapeType="1"/>
+          </p:cNvCxnSpPr>
+          <p:nvPr>
+            <p:extLst>
+              <p:ext uri="{386F3935-93C4-4BCD-93E2-E3B085C9AB24}">
+                <p16:designElem xmlns:p16="http://schemas.microsoft.com/office/powerpoint/2015/main" val="1"/>
+              </p:ext>
+            </p:extLst>
+          </p:nvPr>
+        </p:nvCxnSpPr>
+        <p:spPr>
+          <a:xfrm>
+            <a:off x="1453896" y="1847088"/>
+            <a:ext cx="9607522" cy="0"/>
+          </a:xfrm>
+          <a:prstGeom prst="line">
+            <a:avLst/>
+          </a:prstGeom>
+          <a:ln w="31750"/>
+        </p:spPr>
+        <p:style>
+          <a:lnRef idx="3">
+            <a:schemeClr val="accent1"/>
+          </a:lnRef>
+          <a:fillRef idx="0">
+            <a:schemeClr val="accent1"/>
+          </a:fillRef>
+          <a:effectRef idx="2">
+            <a:schemeClr val="accent1"/>
+          </a:effectRef>
+          <a:fontRef idx="minor">
+            <a:schemeClr val="tx1"/>
+          </a:fontRef>
+        </p:style>
+      </p:cxnSp>
+      <p:pic>
+        <p:nvPicPr>
+          <p:cNvPr id="7" name="Picture 6">
+            <a:extLst>
+              <a:ext uri="{FF2B5EF4-FFF2-40B4-BE49-F238E27FC236}">
+                <a16:creationId xmlns:a16="http://schemas.microsoft.com/office/drawing/2014/main" id="{20D7DA87-C1FE-4C60-AD70-967D5C4801D3}"/>
               </a:ext>
             </a:extLst>
           </p:cNvPr>
@@ -5502,30 +7619,184 @@
           <p:nvPr/>
         </p:nvPicPr>
         <p:blipFill rotWithShape="1">
-          <a:blip r:embed="rId2">
+          <a:blip r:embed="rId4">
             <a:extLst>
               <a:ext uri="{28A0092B-C50C-407E-A947-70E740481C1C}">
                 <a14:useLocalDpi xmlns:a14="http://schemas.microsoft.com/office/drawing/2010/main" val="0"/>
               </a:ext>
             </a:extLst>
           </a:blip>
-          <a:srcRect r="52903"/>
+          <a:srcRect r="14670" b="1"/>
           <a:stretch/>
         </p:blipFill>
         <p:spPr>
           <a:xfrm>
-            <a:off x="5922492" y="666728"/>
-            <a:ext cx="5536001" cy="5465791"/>
+            <a:off x="20" y="10"/>
+            <a:ext cx="12191675" cy="6857990"/>
           </a:xfrm>
           <a:prstGeom prst="rect">
             <a:avLst/>
           </a:prstGeom>
         </p:spPr>
       </p:pic>
+      <p:sp>
+        <p:nvSpPr>
+          <p:cNvPr id="28" name="Rectangle 19">
+            <a:extLst>
+              <a:ext uri="{FF2B5EF4-FFF2-40B4-BE49-F238E27FC236}">
+                <a16:creationId xmlns:a16="http://schemas.microsoft.com/office/drawing/2014/main" id="{2E67E8BF-E4B2-4098-9FB3-9E400BD86935}"/>
+              </a:ext>
+              <a:ext uri="{C183D7F6-B498-43B3-948B-1728B52AA6E4}">
+                <adec:decorative xmlns:adec="http://schemas.microsoft.com/office/drawing/2017/decorative" val="1"/>
+              </a:ext>
+            </a:extLst>
+          </p:cNvPr>
+          <p:cNvSpPr>
+            <a:spLocks noGrp="1" noRot="1" noChangeAspect="1" noMove="1" noResize="1" noEditPoints="1" noAdjustHandles="1" noChangeArrowheads="1" noChangeShapeType="1" noTextEdit="1"/>
+          </p:cNvSpPr>
+          <p:nvPr>
+            <p:extLst>
+              <p:ext uri="{386F3935-93C4-4BCD-93E2-E3B085C9AB24}">
+                <p16:designElem xmlns:p16="http://schemas.microsoft.com/office/powerpoint/2015/main" val="1"/>
+              </p:ext>
+            </p:extLst>
+          </p:nvPr>
+        </p:nvSpPr>
+        <p:spPr>
+          <a:xfrm>
+            <a:off x="5930686" y="4905349"/>
+            <a:ext cx="5610646" cy="1450464"/>
+          </a:xfrm>
+          <a:prstGeom prst="rect">
+            <a:avLst/>
+          </a:prstGeom>
+          <a:solidFill>
+            <a:srgbClr val="000001">
+              <a:alpha val="75000"/>
+            </a:srgbClr>
+          </a:solidFill>
+          <a:ln>
+            <a:noFill/>
+          </a:ln>
+        </p:spPr>
+        <p:style>
+          <a:lnRef idx="1">
+            <a:schemeClr val="accent1"/>
+          </a:lnRef>
+          <a:fillRef idx="3">
+            <a:schemeClr val="accent1"/>
+          </a:fillRef>
+          <a:effectRef idx="2">
+            <a:schemeClr val="accent1"/>
+          </a:effectRef>
+          <a:fontRef idx="minor">
+            <a:schemeClr val="lt1"/>
+          </a:fontRef>
+        </p:style>
+        <p:txBody>
+          <a:bodyPr rtlCol="0" anchor="ctr"/>
+          <a:lstStyle/>
+          <a:p>
+            <a:pPr algn="ctr"/>
+            <a:endParaRPr lang="en-US"/>
+          </a:p>
+        </p:txBody>
+      </p:sp>
+      <p:sp>
+        <p:nvSpPr>
+          <p:cNvPr id="2" name="Title 1">
+            <a:extLst>
+              <a:ext uri="{FF2B5EF4-FFF2-40B4-BE49-F238E27FC236}">
+                <a16:creationId xmlns:a16="http://schemas.microsoft.com/office/drawing/2014/main" id="{DF5138D3-F360-48E6-8B76-F9BDBF29CA45}"/>
+              </a:ext>
+            </a:extLst>
+          </p:cNvPr>
+          <p:cNvSpPr>
+            <a:spLocks noGrp="1"/>
+          </p:cNvSpPr>
+          <p:nvPr>
+            <p:ph type="title"/>
+          </p:nvPr>
+        </p:nvSpPr>
+        <p:spPr>
+          <a:xfrm>
+            <a:off x="6094412" y="5239131"/>
+            <a:ext cx="5279490" cy="960087"/>
+          </a:xfrm>
+        </p:spPr>
+        <p:txBody>
+          <a:bodyPr vert="horz" lIns="91440" tIns="45720" rIns="91440" bIns="45720" rtlCol="0" anchor="t">
+            <a:normAutofit/>
+          </a:bodyPr>
+          <a:lstStyle/>
+          <a:p>
+            <a:r>
+              <a:rPr lang="en-US">
+                <a:solidFill>
+                  <a:srgbClr val="FFFFFE"/>
+                </a:solidFill>
+              </a:rPr>
+              <a:t>HOMEPAGE</a:t>
+            </a:r>
+          </a:p>
+        </p:txBody>
+      </p:sp>
+      <p:cxnSp>
+        <p:nvCxnSpPr>
+          <p:cNvPr id="29" name="Straight Connector 21">
+            <a:extLst>
+              <a:ext uri="{FF2B5EF4-FFF2-40B4-BE49-F238E27FC236}">
+                <a16:creationId xmlns:a16="http://schemas.microsoft.com/office/drawing/2014/main" id="{3781A10F-5DF6-4C9B-AE0B-5249E4399D26}"/>
+              </a:ext>
+              <a:ext uri="{C183D7F6-B498-43B3-948B-1728B52AA6E4}">
+                <adec:decorative xmlns:adec="http://schemas.microsoft.com/office/drawing/2017/decorative" val="1"/>
+              </a:ext>
+            </a:extLst>
+          </p:cNvPr>
+          <p:cNvCxnSpPr>
+            <a:cxnSpLocks noGrp="1" noRot="1" noChangeAspect="1" noMove="1" noResize="1" noEditPoints="1" noAdjustHandles="1" noChangeArrowheads="1" noChangeShapeType="1"/>
+          </p:cNvCxnSpPr>
+          <p:nvPr>
+            <p:extLst>
+              <p:ext uri="{386F3935-93C4-4BCD-93E2-E3B085C9AB24}">
+                <p16:designElem xmlns:p16="http://schemas.microsoft.com/office/powerpoint/2015/main" val="1"/>
+              </p:ext>
+            </p:extLst>
+          </p:nvPr>
+        </p:nvCxnSpPr>
+        <p:spPr>
+          <a:xfrm>
+            <a:off x="6094411" y="5073596"/>
+            <a:ext cx="5283196" cy="0"/>
+          </a:xfrm>
+          <a:prstGeom prst="line">
+            <a:avLst/>
+          </a:prstGeom>
+          <a:ln w="31750">
+            <a:solidFill>
+              <a:srgbClr val="6AD9E7"/>
+            </a:solidFill>
+          </a:ln>
+        </p:spPr>
+        <p:style>
+          <a:lnRef idx="3">
+            <a:schemeClr val="accent1"/>
+          </a:lnRef>
+          <a:fillRef idx="0">
+            <a:schemeClr val="accent1"/>
+          </a:fillRef>
+          <a:effectRef idx="2">
+            <a:schemeClr val="accent1"/>
+          </a:effectRef>
+          <a:fontRef idx="minor">
+            <a:schemeClr val="tx1"/>
+          </a:fontRef>
+        </p:style>
+      </p:cxnSp>
     </p:spTree>
     <p:extLst>
       <p:ext uri="{BB962C8B-B14F-4D97-AF65-F5344CB8AC3E}">
-        <p14:creationId xmlns:p14="http://schemas.microsoft.com/office/powerpoint/2010/main" val="2137456072"/>
+        <p14:creationId xmlns:p14="http://schemas.microsoft.com/office/powerpoint/2010/main" val="352532855"/>
       </p:ext>
     </p:extLst>
   </p:cSld>
@@ -5535,14 +7806,30 @@
 </p:sld>
 </file>
 
-<file path=ppt/slides/slide17.xml><?xml version="1.0" encoding="utf-8"?>
+<file path=ppt/slides/slide19.xml><?xml version="1.0" encoding="utf-8"?>
 <p:sld xmlns:a="http://schemas.openxmlformats.org/drawingml/2006/main" xmlns:r="http://schemas.openxmlformats.org/officeDocument/2006/relationships" xmlns:p="http://schemas.openxmlformats.org/presentationml/2006/main">
   <p:cSld>
     <p:bg>
       <p:bgPr>
-        <a:solidFill>
-          <a:schemeClr val="bg1"/>
-        </a:solidFill>
+        <a:gradFill rotWithShape="1">
+          <a:gsLst>
+            <a:gs pos="0">
+              <a:schemeClr val="bg2">
+                <a:tint val="94000"/>
+                <a:satMod val="80000"/>
+                <a:lumMod val="106000"/>
+              </a:schemeClr>
+            </a:gs>
+            <a:gs pos="100000">
+              <a:schemeClr val="bg2">
+                <a:shade val="80000"/>
+              </a:schemeClr>
+            </a:gs>
+          </a:gsLst>
+          <a:path path="circle">
+            <a:fillToRect l="43000" r="43000" b="100000"/>
+          </a:path>
+        </a:gradFill>
         <a:effectLst/>
       </p:bgPr>
     </p:bg>
@@ -5562,46 +7849,222 @@
       </p:grpSpPr>
       <p:sp>
         <p:nvSpPr>
-          <p:cNvPr id="2" name="Title 1">
+          <p:cNvPr id="10" name="Rectangle 9">
             <a:extLst>
               <a:ext uri="{FF2B5EF4-FFF2-40B4-BE49-F238E27FC236}">
-                <a16:creationId xmlns:a16="http://schemas.microsoft.com/office/drawing/2014/main" id="{5FA8E18E-6953-4D69-974D-C4847F9FEBC8}"/>
+                <a16:creationId xmlns:a16="http://schemas.microsoft.com/office/drawing/2014/main" id="{C63C853E-3842-4594-86A9-051FFAF4D343}"/>
+              </a:ext>
+              <a:ext uri="{C183D7F6-B498-43B3-948B-1728B52AA6E4}">
+                <adec:decorative xmlns:adec="http://schemas.microsoft.com/office/drawing/2017/decorative" val="1"/>
               </a:ext>
             </a:extLst>
           </p:cNvPr>
           <p:cNvSpPr>
-            <a:spLocks noGrp="1"/>
-          </p:cNvSpPr>
-          <p:nvPr>
-            <p:ph type="title"/>
-          </p:nvPr>
-        </p:nvSpPr>
-        <p:spPr>
-          <a:xfrm>
-            <a:off x="1113810" y="3130041"/>
-            <a:ext cx="4036334" cy="2387600"/>
-          </a:xfrm>
-        </p:spPr>
-        <p:txBody>
-          <a:bodyPr vert="horz" lIns="91440" tIns="45720" rIns="91440" bIns="45720" rtlCol="0" anchor="t">
-            <a:normAutofit/>
-          </a:bodyPr>
-          <a:lstStyle/>
-          <a:p>
-            <a:r>
-              <a:rPr lang="en-US" sz="5400" b="1"/>
-              <a:t>Updating my quote</a:t>
-            </a:r>
-            <a:endParaRPr lang="en-US" sz="5400"/>
-          </a:p>
-        </p:txBody>
-      </p:sp>
+            <a:spLocks noGrp="1" noRot="1" noChangeAspect="1" noMove="1" noResize="1" noEditPoints="1" noAdjustHandles="1" noChangeArrowheads="1" noChangeShapeType="1" noTextEdit="1"/>
+          </p:cNvSpPr>
+          <p:nvPr>
+            <p:extLst>
+              <p:ext uri="{386F3935-93C4-4BCD-93E2-E3B085C9AB24}">
+                <p16:designElem xmlns:p16="http://schemas.microsoft.com/office/powerpoint/2015/main" val="1"/>
+              </p:ext>
+            </p:extLst>
+          </p:nvPr>
+        </p:nvSpPr>
+        <p:spPr>
+          <a:xfrm>
+            <a:off x="0" y="2019476"/>
+            <a:ext cx="12192000" cy="4105941"/>
+          </a:xfrm>
+          <a:prstGeom prst="rect">
+            <a:avLst/>
+          </a:prstGeom>
+          <a:gradFill flip="none" rotWithShape="1">
+            <a:gsLst>
+              <a:gs pos="0">
+                <a:schemeClr val="bg2">
+                  <a:alpha val="0"/>
+                </a:schemeClr>
+              </a:gs>
+              <a:gs pos="100000">
+                <a:schemeClr val="bg2"/>
+              </a:gs>
+            </a:gsLst>
+            <a:lin ang="5400000" scaled="0"/>
+            <a:tileRect/>
+          </a:gradFill>
+          <a:ln>
+            <a:noFill/>
+          </a:ln>
+        </p:spPr>
+        <p:style>
+          <a:lnRef idx="2">
+            <a:schemeClr val="accent1">
+              <a:shade val="50000"/>
+            </a:schemeClr>
+          </a:lnRef>
+          <a:fillRef idx="1">
+            <a:schemeClr val="accent1"/>
+          </a:fillRef>
+          <a:effectRef idx="0">
+            <a:schemeClr val="accent1"/>
+          </a:effectRef>
+          <a:fontRef idx="minor">
+            <a:schemeClr val="lt1"/>
+          </a:fontRef>
+        </p:style>
+      </p:sp>
+      <p:pic>
+        <p:nvPicPr>
+          <p:cNvPr id="12" name="Picture 11">
+            <a:extLst>
+              <a:ext uri="{FF2B5EF4-FFF2-40B4-BE49-F238E27FC236}">
+                <a16:creationId xmlns:a16="http://schemas.microsoft.com/office/drawing/2014/main" id="{B591CDC5-6B61-4116-B3B5-0FF42B6E606D}"/>
+              </a:ext>
+              <a:ext uri="{C183D7F6-B498-43B3-948B-1728B52AA6E4}">
+                <adec:decorative xmlns:adec="http://schemas.microsoft.com/office/drawing/2017/decorative" val="1"/>
+              </a:ext>
+            </a:extLst>
+          </p:cNvPr>
+          <p:cNvPicPr>
+            <a:picLocks noGrp="1" noRot="1" noChangeAspect="1" noMove="1" noResize="1" noEditPoints="1" noAdjustHandles="1" noChangeArrowheads="1" noChangeShapeType="1" noCrop="1"/>
+          </p:cNvPicPr>
+          <p:nvPr>
+            <p:extLst>
+              <p:ext uri="{386F3935-93C4-4BCD-93E2-E3B085C9AB24}">
+                <p16:designElem xmlns:p16="http://schemas.microsoft.com/office/powerpoint/2015/main" val="1"/>
+              </p:ext>
+            </p:extLst>
+          </p:nvPr>
+        </p:nvPicPr>
+        <p:blipFill rotWithShape="1">
+          <a:blip r:embed="rId3">
+            <a:extLst>
+              <a:ext uri="{28A0092B-C50C-407E-A947-70E740481C1C}">
+                <a14:useLocalDpi xmlns:a14="http://schemas.microsoft.com/office/drawing/2010/main" val="0"/>
+              </a:ext>
+            </a:extLst>
+          </a:blip>
+          <a:srcRect t="1538" b="-1538"/>
+          <a:stretch/>
+        </p:blipFill>
+        <p:spPr bwMode="black">
+          <a:xfrm>
+            <a:off x="0" y="6126480"/>
+            <a:ext cx="12192000" cy="742950"/>
+          </a:xfrm>
+          <a:prstGeom prst="rect">
+            <a:avLst/>
+          </a:prstGeom>
+        </p:spPr>
+      </p:pic>
+      <p:cxnSp>
+        <p:nvCxnSpPr>
+          <p:cNvPr id="14" name="Straight Connector 13">
+            <a:extLst>
+              <a:ext uri="{FF2B5EF4-FFF2-40B4-BE49-F238E27FC236}">
+                <a16:creationId xmlns:a16="http://schemas.microsoft.com/office/drawing/2014/main" id="{25B08984-5BEB-422F-A364-2B41E6A516EB}"/>
+              </a:ext>
+              <a:ext uri="{C183D7F6-B498-43B3-948B-1728B52AA6E4}">
+                <adec:decorative xmlns:adec="http://schemas.microsoft.com/office/drawing/2017/decorative" val="1"/>
+              </a:ext>
+            </a:extLst>
+          </p:cNvPr>
+          <p:cNvCxnSpPr>
+            <a:cxnSpLocks noGrp="1" noRot="1" noChangeAspect="1" noMove="1" noResize="1" noEditPoints="1" noAdjustHandles="1" noChangeArrowheads="1" noChangeShapeType="1"/>
+          </p:cNvCxnSpPr>
+          <p:nvPr>
+            <p:extLst>
+              <p:ext uri="{386F3935-93C4-4BCD-93E2-E3B085C9AB24}">
+                <p16:designElem xmlns:p16="http://schemas.microsoft.com/office/powerpoint/2015/main" val="1"/>
+              </p:ext>
+            </p:extLst>
+          </p:nvPr>
+        </p:nvCxnSpPr>
+        <p:spPr>
+          <a:xfrm>
+            <a:off x="0" y="6128413"/>
+            <a:ext cx="12192000" cy="0"/>
+          </a:xfrm>
+          <a:prstGeom prst="line">
+            <a:avLst/>
+          </a:prstGeom>
+          <a:ln w="12700">
+            <a:solidFill>
+              <a:srgbClr val="000001">
+                <a:alpha val="20000"/>
+              </a:srgbClr>
+            </a:solidFill>
+          </a:ln>
+        </p:spPr>
+        <p:style>
+          <a:lnRef idx="1">
+            <a:schemeClr val="accent1"/>
+          </a:lnRef>
+          <a:fillRef idx="0">
+            <a:schemeClr val="accent1"/>
+          </a:fillRef>
+          <a:effectRef idx="0">
+            <a:schemeClr val="accent1"/>
+          </a:effectRef>
+          <a:fontRef idx="minor">
+            <a:schemeClr val="tx1"/>
+          </a:fontRef>
+        </p:style>
+      </p:cxnSp>
+      <p:cxnSp>
+        <p:nvCxnSpPr>
+          <p:cNvPr id="16" name="Straight Connector 15">
+            <a:extLst>
+              <a:ext uri="{FF2B5EF4-FFF2-40B4-BE49-F238E27FC236}">
+                <a16:creationId xmlns:a16="http://schemas.microsoft.com/office/drawing/2014/main" id="{A8F413B1-54E0-4B16-92AB-1CC5C7D645BC}"/>
+              </a:ext>
+              <a:ext uri="{C183D7F6-B498-43B3-948B-1728B52AA6E4}">
+                <adec:decorative xmlns:adec="http://schemas.microsoft.com/office/drawing/2017/decorative" val="1"/>
+              </a:ext>
+            </a:extLst>
+          </p:cNvPr>
+          <p:cNvCxnSpPr>
+            <a:cxnSpLocks noGrp="1" noRot="1" noChangeAspect="1" noMove="1" noResize="1" noEditPoints="1" noAdjustHandles="1" noChangeArrowheads="1" noChangeShapeType="1"/>
+          </p:cNvCxnSpPr>
+          <p:nvPr>
+            <p:extLst>
+              <p:ext uri="{386F3935-93C4-4BCD-93E2-E3B085C9AB24}">
+                <p16:designElem xmlns:p16="http://schemas.microsoft.com/office/powerpoint/2015/main" val="1"/>
+              </p:ext>
+            </p:extLst>
+          </p:nvPr>
+        </p:nvCxnSpPr>
+        <p:spPr>
+          <a:xfrm>
+            <a:off x="1453896" y="1847088"/>
+            <a:ext cx="9607522" cy="0"/>
+          </a:xfrm>
+          <a:prstGeom prst="line">
+            <a:avLst/>
+          </a:prstGeom>
+          <a:ln w="31750"/>
+        </p:spPr>
+        <p:style>
+          <a:lnRef idx="3">
+            <a:schemeClr val="accent1"/>
+          </a:lnRef>
+          <a:fillRef idx="0">
+            <a:schemeClr val="accent1"/>
+          </a:fillRef>
+          <a:effectRef idx="2">
+            <a:schemeClr val="accent1"/>
+          </a:effectRef>
+          <a:fontRef idx="minor">
+            <a:schemeClr val="tx1"/>
+          </a:fontRef>
+        </p:style>
+      </p:cxnSp>
       <p:pic>
         <p:nvPicPr>
           <p:cNvPr id="5" name="Picture 4" descr="A screenshot of a cell phone&#10;&#10;Description automatically generated">
             <a:extLst>
               <a:ext uri="{FF2B5EF4-FFF2-40B4-BE49-F238E27FC236}">
-                <a16:creationId xmlns:a16="http://schemas.microsoft.com/office/drawing/2014/main" id="{CA869786-DC37-45AD-B287-D19D26B5C45D}"/>
+                <a16:creationId xmlns:a16="http://schemas.microsoft.com/office/drawing/2014/main" id="{C559C4B3-3A5D-4187-9C7C-380F4E24F098}"/>
               </a:ext>
             </a:extLst>
           </p:cNvPr>
@@ -5611,246 +8074,184 @@
           <p:nvPr/>
         </p:nvPicPr>
         <p:blipFill rotWithShape="1">
-          <a:blip r:embed="rId2">
+          <a:blip r:embed="rId4">
             <a:extLst>
               <a:ext uri="{28A0092B-C50C-407E-A947-70E740481C1C}">
                 <a14:useLocalDpi xmlns:a14="http://schemas.microsoft.com/office/drawing/2010/main" val="0"/>
               </a:ext>
             </a:extLst>
           </a:blip>
-          <a:srcRect l="14874" r="13719" b="-1"/>
+          <a:srcRect l="2807" r="11418" b="1"/>
           <a:stretch/>
         </p:blipFill>
         <p:spPr>
           <a:xfrm>
-            <a:off x="5922492" y="666728"/>
-            <a:ext cx="5536001" cy="5465791"/>
+            <a:off x="20" y="10"/>
+            <a:ext cx="12191675" cy="6857990"/>
           </a:xfrm>
           <a:prstGeom prst="rect">
             <a:avLst/>
           </a:prstGeom>
         </p:spPr>
       </p:pic>
+      <p:sp>
+        <p:nvSpPr>
+          <p:cNvPr id="18" name="Rectangle 17">
+            <a:extLst>
+              <a:ext uri="{FF2B5EF4-FFF2-40B4-BE49-F238E27FC236}">
+                <a16:creationId xmlns:a16="http://schemas.microsoft.com/office/drawing/2014/main" id="{2E67E8BF-E4B2-4098-9FB3-9E400BD86935}"/>
+              </a:ext>
+              <a:ext uri="{C183D7F6-B498-43B3-948B-1728B52AA6E4}">
+                <adec:decorative xmlns:adec="http://schemas.microsoft.com/office/drawing/2017/decorative" val="1"/>
+              </a:ext>
+            </a:extLst>
+          </p:cNvPr>
+          <p:cNvSpPr>
+            <a:spLocks noGrp="1" noRot="1" noChangeAspect="1" noMove="1" noResize="1" noEditPoints="1" noAdjustHandles="1" noChangeArrowheads="1" noChangeShapeType="1" noTextEdit="1"/>
+          </p:cNvSpPr>
+          <p:nvPr>
+            <p:extLst>
+              <p:ext uri="{386F3935-93C4-4BCD-93E2-E3B085C9AB24}">
+                <p16:designElem xmlns:p16="http://schemas.microsoft.com/office/powerpoint/2015/main" val="1"/>
+              </p:ext>
+            </p:extLst>
+          </p:nvPr>
+        </p:nvSpPr>
+        <p:spPr>
+          <a:xfrm>
+            <a:off x="5930686" y="4905349"/>
+            <a:ext cx="5610646" cy="1450464"/>
+          </a:xfrm>
+          <a:prstGeom prst="rect">
+            <a:avLst/>
+          </a:prstGeom>
+          <a:solidFill>
+            <a:srgbClr val="000001">
+              <a:alpha val="75000"/>
+            </a:srgbClr>
+          </a:solidFill>
+          <a:ln>
+            <a:noFill/>
+          </a:ln>
+        </p:spPr>
+        <p:style>
+          <a:lnRef idx="1">
+            <a:schemeClr val="accent1"/>
+          </a:lnRef>
+          <a:fillRef idx="3">
+            <a:schemeClr val="accent1"/>
+          </a:fillRef>
+          <a:effectRef idx="2">
+            <a:schemeClr val="accent1"/>
+          </a:effectRef>
+          <a:fontRef idx="minor">
+            <a:schemeClr val="lt1"/>
+          </a:fontRef>
+        </p:style>
+        <p:txBody>
+          <a:bodyPr rtlCol="0" anchor="ctr"/>
+          <a:lstStyle/>
+          <a:p>
+            <a:pPr algn="ctr"/>
+            <a:endParaRPr lang="en-US"/>
+          </a:p>
+        </p:txBody>
+      </p:sp>
+      <p:sp>
+        <p:nvSpPr>
+          <p:cNvPr id="2" name="Title 1">
+            <a:extLst>
+              <a:ext uri="{FF2B5EF4-FFF2-40B4-BE49-F238E27FC236}">
+                <a16:creationId xmlns:a16="http://schemas.microsoft.com/office/drawing/2014/main" id="{296D792C-6600-43AC-87FB-A382B662BDB4}"/>
+              </a:ext>
+            </a:extLst>
+          </p:cNvPr>
+          <p:cNvSpPr>
+            <a:spLocks noGrp="1"/>
+          </p:cNvSpPr>
+          <p:nvPr>
+            <p:ph type="title"/>
+          </p:nvPr>
+        </p:nvSpPr>
+        <p:spPr>
+          <a:xfrm>
+            <a:off x="6094412" y="5239131"/>
+            <a:ext cx="5279490" cy="960087"/>
+          </a:xfrm>
+        </p:spPr>
+        <p:txBody>
+          <a:bodyPr vert="horz" lIns="91440" tIns="45720" rIns="91440" bIns="45720" rtlCol="0" anchor="t">
+            <a:normAutofit/>
+          </a:bodyPr>
+          <a:lstStyle/>
+          <a:p>
+            <a:r>
+              <a:rPr lang="en-US">
+                <a:solidFill>
+                  <a:srgbClr val="FFFFFE"/>
+                </a:solidFill>
+              </a:rPr>
+              <a:t>ABOUT</a:t>
+            </a:r>
+          </a:p>
+        </p:txBody>
+      </p:sp>
+      <p:cxnSp>
+        <p:nvCxnSpPr>
+          <p:cNvPr id="20" name="Straight Connector 19">
+            <a:extLst>
+              <a:ext uri="{FF2B5EF4-FFF2-40B4-BE49-F238E27FC236}">
+                <a16:creationId xmlns:a16="http://schemas.microsoft.com/office/drawing/2014/main" id="{3781A10F-5DF6-4C9B-AE0B-5249E4399D26}"/>
+              </a:ext>
+              <a:ext uri="{C183D7F6-B498-43B3-948B-1728B52AA6E4}">
+                <adec:decorative xmlns:adec="http://schemas.microsoft.com/office/drawing/2017/decorative" val="1"/>
+              </a:ext>
+            </a:extLst>
+          </p:cNvPr>
+          <p:cNvCxnSpPr>
+            <a:cxnSpLocks noGrp="1" noRot="1" noChangeAspect="1" noMove="1" noResize="1" noEditPoints="1" noAdjustHandles="1" noChangeArrowheads="1" noChangeShapeType="1"/>
+          </p:cNvCxnSpPr>
+          <p:nvPr>
+            <p:extLst>
+              <p:ext uri="{386F3935-93C4-4BCD-93E2-E3B085C9AB24}">
+                <p16:designElem xmlns:p16="http://schemas.microsoft.com/office/powerpoint/2015/main" val="1"/>
+              </p:ext>
+            </p:extLst>
+          </p:nvPr>
+        </p:nvCxnSpPr>
+        <p:spPr>
+          <a:xfrm>
+            <a:off x="6094411" y="5073596"/>
+            <a:ext cx="5283196" cy="0"/>
+          </a:xfrm>
+          <a:prstGeom prst="line">
+            <a:avLst/>
+          </a:prstGeom>
+          <a:ln w="31750">
+            <a:solidFill>
+              <a:srgbClr val="FFF567"/>
+            </a:solidFill>
+          </a:ln>
+        </p:spPr>
+        <p:style>
+          <a:lnRef idx="3">
+            <a:schemeClr val="accent1"/>
+          </a:lnRef>
+          <a:fillRef idx="0">
+            <a:schemeClr val="accent1"/>
+          </a:fillRef>
+          <a:effectRef idx="2">
+            <a:schemeClr val="accent1"/>
+          </a:effectRef>
+          <a:fontRef idx="minor">
+            <a:schemeClr val="tx1"/>
+          </a:fontRef>
+        </p:style>
+      </p:cxnSp>
     </p:spTree>
     <p:extLst>
       <p:ext uri="{BB962C8B-B14F-4D97-AF65-F5344CB8AC3E}">
-        <p14:creationId xmlns:p14="http://schemas.microsoft.com/office/powerpoint/2010/main" val="1661782944"/>
-      </p:ext>
-    </p:extLst>
-  </p:cSld>
-  <p:clrMapOvr>
-    <a:masterClrMapping/>
-  </p:clrMapOvr>
-</p:sld>
-</file>
-
-<file path=ppt/slides/slide18.xml><?xml version="1.0" encoding="utf-8"?>
-<p:sld xmlns:a="http://schemas.openxmlformats.org/drawingml/2006/main" xmlns:r="http://schemas.openxmlformats.org/officeDocument/2006/relationships" xmlns:p="http://schemas.openxmlformats.org/presentationml/2006/main">
-  <p:cSld>
-    <p:bg>
-      <p:bgPr>
-        <a:solidFill>
-          <a:schemeClr val="bg1"/>
-        </a:solidFill>
-        <a:effectLst/>
-      </p:bgPr>
-    </p:bg>
-    <p:spTree>
-      <p:nvGrpSpPr>
-        <p:cNvPr id="1" name=""/>
-        <p:cNvGrpSpPr/>
-        <p:nvPr/>
-      </p:nvGrpSpPr>
-      <p:grpSpPr>
-        <a:xfrm>
-          <a:off x="0" y="0"/>
-          <a:ext cx="0" cy="0"/>
-          <a:chOff x="0" y="0"/>
-          <a:chExt cx="0" cy="0"/>
-        </a:xfrm>
-      </p:grpSpPr>
-      <p:sp>
-        <p:nvSpPr>
-          <p:cNvPr id="2" name="Title 1">
-            <a:extLst>
-              <a:ext uri="{FF2B5EF4-FFF2-40B4-BE49-F238E27FC236}">
-                <a16:creationId xmlns:a16="http://schemas.microsoft.com/office/drawing/2014/main" id="{8971597A-9250-4D58-81A1-3450F2A1C62C}"/>
-              </a:ext>
-            </a:extLst>
-          </p:cNvPr>
-          <p:cNvSpPr>
-            <a:spLocks noGrp="1"/>
-          </p:cNvSpPr>
-          <p:nvPr>
-            <p:ph type="title"/>
-          </p:nvPr>
-        </p:nvSpPr>
-        <p:spPr>
-          <a:xfrm>
-            <a:off x="1113810" y="3130041"/>
-            <a:ext cx="4036334" cy="2387600"/>
-          </a:xfrm>
-        </p:spPr>
-        <p:txBody>
-          <a:bodyPr vert="horz" lIns="91440" tIns="45720" rIns="91440" bIns="45720" rtlCol="0" anchor="t">
-            <a:normAutofit/>
-          </a:bodyPr>
-          <a:lstStyle/>
-          <a:p>
-            <a:r>
-              <a:rPr lang="en-US" sz="5400"/>
-              <a:t>Quote Updated</a:t>
-            </a:r>
-          </a:p>
-        </p:txBody>
-      </p:sp>
-      <p:pic>
-        <p:nvPicPr>
-          <p:cNvPr id="7" name="Picture 6" descr="A picture containing shirt&#10;&#10;Description automatically generated">
-            <a:extLst>
-              <a:ext uri="{FF2B5EF4-FFF2-40B4-BE49-F238E27FC236}">
-                <a16:creationId xmlns:a16="http://schemas.microsoft.com/office/drawing/2014/main" id="{092D2CC8-1DEA-4435-B60A-9B584A535C07}"/>
-              </a:ext>
-            </a:extLst>
-          </p:cNvPr>
-          <p:cNvPicPr>
-            <a:picLocks noChangeAspect="1"/>
-          </p:cNvPicPr>
-          <p:nvPr/>
-        </p:nvPicPr>
-        <p:blipFill rotWithShape="1">
-          <a:blip r:embed="rId2">
-            <a:extLst>
-              <a:ext uri="{28A0092B-C50C-407E-A947-70E740481C1C}">
-                <a14:useLocalDpi xmlns:a14="http://schemas.microsoft.com/office/drawing/2010/main" val="0"/>
-              </a:ext>
-            </a:extLst>
-          </a:blip>
-          <a:srcRect b="3786"/>
-          <a:stretch/>
-        </p:blipFill>
-        <p:spPr>
-          <a:xfrm>
-            <a:off x="5922492" y="928201"/>
-            <a:ext cx="5536001" cy="4926942"/>
-          </a:xfrm>
-          <a:prstGeom prst="rect">
-            <a:avLst/>
-          </a:prstGeom>
-        </p:spPr>
-      </p:pic>
-    </p:spTree>
-    <p:extLst>
-      <p:ext uri="{BB962C8B-B14F-4D97-AF65-F5344CB8AC3E}">
-        <p14:creationId xmlns:p14="http://schemas.microsoft.com/office/powerpoint/2010/main" val="1312205494"/>
-      </p:ext>
-    </p:extLst>
-  </p:cSld>
-  <p:clrMapOvr>
-    <a:masterClrMapping/>
-  </p:clrMapOvr>
-</p:sld>
-</file>
-
-<file path=ppt/slides/slide19.xml><?xml version="1.0" encoding="utf-8"?>
-<p:sld xmlns:a="http://schemas.openxmlformats.org/drawingml/2006/main" xmlns:r="http://schemas.openxmlformats.org/officeDocument/2006/relationships" xmlns:p="http://schemas.openxmlformats.org/presentationml/2006/main">
-  <p:cSld>
-    <p:bg>
-      <p:bgPr>
-        <a:solidFill>
-          <a:schemeClr val="bg1"/>
-        </a:solidFill>
-        <a:effectLst/>
-      </p:bgPr>
-    </p:bg>
-    <p:spTree>
-      <p:nvGrpSpPr>
-        <p:cNvPr id="1" name=""/>
-        <p:cNvGrpSpPr/>
-        <p:nvPr/>
-      </p:nvGrpSpPr>
-      <p:grpSpPr>
-        <a:xfrm>
-          <a:off x="0" y="0"/>
-          <a:ext cx="0" cy="0"/>
-          <a:chOff x="0" y="0"/>
-          <a:chExt cx="0" cy="0"/>
-        </a:xfrm>
-      </p:grpSpPr>
-      <p:sp>
-        <p:nvSpPr>
-          <p:cNvPr id="2" name="Title 1">
-            <a:extLst>
-              <a:ext uri="{FF2B5EF4-FFF2-40B4-BE49-F238E27FC236}">
-                <a16:creationId xmlns:a16="http://schemas.microsoft.com/office/drawing/2014/main" id="{F230501E-A8CA-424C-ABF6-EAB980382B76}"/>
-              </a:ext>
-            </a:extLst>
-          </p:cNvPr>
-          <p:cNvSpPr>
-            <a:spLocks noGrp="1"/>
-          </p:cNvSpPr>
-          <p:nvPr>
-            <p:ph type="title"/>
-          </p:nvPr>
-        </p:nvSpPr>
-        <p:spPr>
-          <a:xfrm>
-            <a:off x="1113810" y="3130041"/>
-            <a:ext cx="4036334" cy="2387600"/>
-          </a:xfrm>
-        </p:spPr>
-        <p:txBody>
-          <a:bodyPr vert="horz" lIns="91440" tIns="45720" rIns="91440" bIns="45720" rtlCol="0" anchor="t">
-            <a:normAutofit/>
-          </a:bodyPr>
-          <a:lstStyle/>
-          <a:p>
-            <a:r>
-              <a:rPr lang="en-US" sz="5400"/>
-              <a:t>Delete a quote</a:t>
-            </a:r>
-          </a:p>
-        </p:txBody>
-      </p:sp>
-      <p:pic>
-        <p:nvPicPr>
-          <p:cNvPr id="5" name="Picture 4" descr="A picture containing drawing, clock&#10;&#10;Description automatically generated">
-            <a:extLst>
-              <a:ext uri="{FF2B5EF4-FFF2-40B4-BE49-F238E27FC236}">
-                <a16:creationId xmlns:a16="http://schemas.microsoft.com/office/drawing/2014/main" id="{9B7B2945-F1CC-496C-A056-26CB10968778}"/>
-              </a:ext>
-            </a:extLst>
-          </p:cNvPr>
-          <p:cNvPicPr>
-            <a:picLocks noChangeAspect="1"/>
-          </p:cNvPicPr>
-          <p:nvPr/>
-        </p:nvPicPr>
-        <p:blipFill rotWithShape="1">
-          <a:blip r:embed="rId2">
-            <a:extLst>
-              <a:ext uri="{28A0092B-C50C-407E-A947-70E740481C1C}">
-                <a14:useLocalDpi xmlns:a14="http://schemas.microsoft.com/office/drawing/2010/main" val="0"/>
-              </a:ext>
-            </a:extLst>
-          </a:blip>
-          <a:srcRect l="25484" r="21595"/>
-          <a:stretch/>
-        </p:blipFill>
-        <p:spPr>
-          <a:xfrm>
-            <a:off x="5922492" y="666728"/>
-            <a:ext cx="5536001" cy="5465791"/>
-          </a:xfrm>
-          <a:prstGeom prst="rect">
-            <a:avLst/>
-          </a:prstGeom>
-        </p:spPr>
-      </p:pic>
-    </p:spTree>
-    <p:extLst>
-      <p:ext uri="{BB962C8B-B14F-4D97-AF65-F5344CB8AC3E}">
-        <p14:creationId xmlns:p14="http://schemas.microsoft.com/office/powerpoint/2010/main" val="514232547"/>
+        <p14:creationId xmlns:p14="http://schemas.microsoft.com/office/powerpoint/2010/main" val="1663162325"/>
       </p:ext>
     </p:extLst>
   </p:cSld>
@@ -5951,6 +8352,1799 @@
   <p:cSld>
     <p:bg>
       <p:bgPr>
+        <a:gradFill rotWithShape="1">
+          <a:gsLst>
+            <a:gs pos="0">
+              <a:schemeClr val="bg2">
+                <a:tint val="94000"/>
+                <a:satMod val="80000"/>
+                <a:lumMod val="106000"/>
+              </a:schemeClr>
+            </a:gs>
+            <a:gs pos="100000">
+              <a:schemeClr val="bg2">
+                <a:shade val="80000"/>
+              </a:schemeClr>
+            </a:gs>
+          </a:gsLst>
+          <a:path path="circle">
+            <a:fillToRect l="43000" r="43000" b="100000"/>
+          </a:path>
+        </a:gradFill>
+        <a:effectLst/>
+      </p:bgPr>
+    </p:bg>
+    <p:spTree>
+      <p:nvGrpSpPr>
+        <p:cNvPr id="1" name=""/>
+        <p:cNvGrpSpPr/>
+        <p:nvPr/>
+      </p:nvGrpSpPr>
+      <p:grpSpPr>
+        <a:xfrm>
+          <a:off x="0" y="0"/>
+          <a:ext cx="0" cy="0"/>
+          <a:chOff x="0" y="0"/>
+          <a:chExt cx="0" cy="0"/>
+        </a:xfrm>
+      </p:grpSpPr>
+      <p:sp>
+        <p:nvSpPr>
+          <p:cNvPr id="10" name="Rectangle 9">
+            <a:extLst>
+              <a:ext uri="{FF2B5EF4-FFF2-40B4-BE49-F238E27FC236}">
+                <a16:creationId xmlns:a16="http://schemas.microsoft.com/office/drawing/2014/main" id="{1CE580D1-F917-4567-AFB4-99AA9B52ADF0}"/>
+              </a:ext>
+              <a:ext uri="{C183D7F6-B498-43B3-948B-1728B52AA6E4}">
+                <adec:decorative xmlns:adec="http://schemas.microsoft.com/office/drawing/2017/decorative" val="1"/>
+              </a:ext>
+            </a:extLst>
+          </p:cNvPr>
+          <p:cNvSpPr>
+            <a:spLocks noGrp="1" noRot="1" noChangeAspect="1" noMove="1" noResize="1" noEditPoints="1" noAdjustHandles="1" noChangeArrowheads="1" noChangeShapeType="1" noTextEdit="1"/>
+          </p:cNvSpPr>
+          <p:nvPr>
+            <p:extLst>
+              <p:ext uri="{386F3935-93C4-4BCD-93E2-E3B085C9AB24}">
+                <p16:designElem xmlns:p16="http://schemas.microsoft.com/office/powerpoint/2015/main" val="1"/>
+              </p:ext>
+            </p:extLst>
+          </p:nvPr>
+        </p:nvSpPr>
+        <p:spPr>
+          <a:xfrm>
+            <a:off x="0" y="2019476"/>
+            <a:ext cx="12192000" cy="4105941"/>
+          </a:xfrm>
+          <a:prstGeom prst="rect">
+            <a:avLst/>
+          </a:prstGeom>
+          <a:gradFill flip="none" rotWithShape="1">
+            <a:gsLst>
+              <a:gs pos="0">
+                <a:schemeClr val="bg2">
+                  <a:alpha val="0"/>
+                </a:schemeClr>
+              </a:gs>
+              <a:gs pos="100000">
+                <a:schemeClr val="bg2"/>
+              </a:gs>
+            </a:gsLst>
+            <a:lin ang="5400000" scaled="0"/>
+            <a:tileRect/>
+          </a:gradFill>
+          <a:ln>
+            <a:noFill/>
+          </a:ln>
+        </p:spPr>
+        <p:style>
+          <a:lnRef idx="2">
+            <a:schemeClr val="accent1">
+              <a:shade val="50000"/>
+            </a:schemeClr>
+          </a:lnRef>
+          <a:fillRef idx="1">
+            <a:schemeClr val="accent1"/>
+          </a:fillRef>
+          <a:effectRef idx="0">
+            <a:schemeClr val="accent1"/>
+          </a:effectRef>
+          <a:fontRef idx="minor">
+            <a:schemeClr val="lt1"/>
+          </a:fontRef>
+        </p:style>
+      </p:sp>
+      <p:pic>
+        <p:nvPicPr>
+          <p:cNvPr id="12" name="Picture 11">
+            <a:extLst>
+              <a:ext uri="{FF2B5EF4-FFF2-40B4-BE49-F238E27FC236}">
+                <a16:creationId xmlns:a16="http://schemas.microsoft.com/office/drawing/2014/main" id="{1F5620B8-A2D8-4568-B566-F0453A0D9167}"/>
+              </a:ext>
+              <a:ext uri="{C183D7F6-B498-43B3-948B-1728B52AA6E4}">
+                <adec:decorative xmlns:adec="http://schemas.microsoft.com/office/drawing/2017/decorative" val="1"/>
+              </a:ext>
+            </a:extLst>
+          </p:cNvPr>
+          <p:cNvPicPr>
+            <a:picLocks noGrp="1" noRot="1" noChangeAspect="1" noMove="1" noResize="1" noEditPoints="1" noAdjustHandles="1" noChangeArrowheads="1" noChangeShapeType="1" noCrop="1"/>
+          </p:cNvPicPr>
+          <p:nvPr>
+            <p:extLst>
+              <p:ext uri="{386F3935-93C4-4BCD-93E2-E3B085C9AB24}">
+                <p16:designElem xmlns:p16="http://schemas.microsoft.com/office/powerpoint/2015/main" val="1"/>
+              </p:ext>
+            </p:extLst>
+          </p:nvPr>
+        </p:nvPicPr>
+        <p:blipFill rotWithShape="1">
+          <a:blip r:embed="rId3">
+            <a:extLst>
+              <a:ext uri="{28A0092B-C50C-407E-A947-70E740481C1C}">
+                <a14:useLocalDpi xmlns:a14="http://schemas.microsoft.com/office/drawing/2010/main" val="0"/>
+              </a:ext>
+            </a:extLst>
+          </a:blip>
+          <a:srcRect t="1538" b="-1538"/>
+          <a:stretch/>
+        </p:blipFill>
+        <p:spPr bwMode="black">
+          <a:xfrm>
+            <a:off x="0" y="6126480"/>
+            <a:ext cx="12192000" cy="742950"/>
+          </a:xfrm>
+          <a:prstGeom prst="rect">
+            <a:avLst/>
+          </a:prstGeom>
+        </p:spPr>
+      </p:pic>
+      <p:cxnSp>
+        <p:nvCxnSpPr>
+          <p:cNvPr id="14" name="Straight Connector 13">
+            <a:extLst>
+              <a:ext uri="{FF2B5EF4-FFF2-40B4-BE49-F238E27FC236}">
+                <a16:creationId xmlns:a16="http://schemas.microsoft.com/office/drawing/2014/main" id="{1C7D2BA4-4B7A-4596-8BCC-5CF715423894}"/>
+              </a:ext>
+              <a:ext uri="{C183D7F6-B498-43B3-948B-1728B52AA6E4}">
+                <adec:decorative xmlns:adec="http://schemas.microsoft.com/office/drawing/2017/decorative" val="1"/>
+              </a:ext>
+            </a:extLst>
+          </p:cNvPr>
+          <p:cNvCxnSpPr>
+            <a:cxnSpLocks noGrp="1" noRot="1" noChangeAspect="1" noMove="1" noResize="1" noEditPoints="1" noAdjustHandles="1" noChangeArrowheads="1" noChangeShapeType="1"/>
+          </p:cNvCxnSpPr>
+          <p:nvPr>
+            <p:extLst>
+              <p:ext uri="{386F3935-93C4-4BCD-93E2-E3B085C9AB24}">
+                <p16:designElem xmlns:p16="http://schemas.microsoft.com/office/powerpoint/2015/main" val="1"/>
+              </p:ext>
+            </p:extLst>
+          </p:nvPr>
+        </p:nvCxnSpPr>
+        <p:spPr>
+          <a:xfrm>
+            <a:off x="0" y="6128413"/>
+            <a:ext cx="12192000" cy="0"/>
+          </a:xfrm>
+          <a:prstGeom prst="line">
+            <a:avLst/>
+          </a:prstGeom>
+          <a:ln w="12700">
+            <a:solidFill>
+              <a:srgbClr val="000001">
+                <a:alpha val="20000"/>
+              </a:srgbClr>
+            </a:solidFill>
+          </a:ln>
+        </p:spPr>
+        <p:style>
+          <a:lnRef idx="1">
+            <a:schemeClr val="accent1"/>
+          </a:lnRef>
+          <a:fillRef idx="0">
+            <a:schemeClr val="accent1"/>
+          </a:fillRef>
+          <a:effectRef idx="0">
+            <a:schemeClr val="accent1"/>
+          </a:effectRef>
+          <a:fontRef idx="minor">
+            <a:schemeClr val="tx1"/>
+          </a:fontRef>
+        </p:style>
+      </p:cxnSp>
+      <p:cxnSp>
+        <p:nvCxnSpPr>
+          <p:cNvPr id="16" name="Straight Connector 15">
+            <a:extLst>
+              <a:ext uri="{FF2B5EF4-FFF2-40B4-BE49-F238E27FC236}">
+                <a16:creationId xmlns:a16="http://schemas.microsoft.com/office/drawing/2014/main" id="{4977F1E1-2B6F-4BB6-899F-67D8764D83C5}"/>
+              </a:ext>
+              <a:ext uri="{C183D7F6-B498-43B3-948B-1728B52AA6E4}">
+                <adec:decorative xmlns:adec="http://schemas.microsoft.com/office/drawing/2017/decorative" val="1"/>
+              </a:ext>
+            </a:extLst>
+          </p:cNvPr>
+          <p:cNvCxnSpPr>
+            <a:cxnSpLocks noGrp="1" noRot="1" noChangeAspect="1" noMove="1" noResize="1" noEditPoints="1" noAdjustHandles="1" noChangeArrowheads="1" noChangeShapeType="1"/>
+          </p:cNvCxnSpPr>
+          <p:nvPr>
+            <p:extLst>
+              <p:ext uri="{386F3935-93C4-4BCD-93E2-E3B085C9AB24}">
+                <p16:designElem xmlns:p16="http://schemas.microsoft.com/office/powerpoint/2015/main" val="1"/>
+              </p:ext>
+            </p:extLst>
+          </p:nvPr>
+        </p:nvCxnSpPr>
+        <p:spPr>
+          <a:xfrm>
+            <a:off x="2417780" y="3528542"/>
+            <a:ext cx="8637072" cy="0"/>
+          </a:xfrm>
+          <a:prstGeom prst="line">
+            <a:avLst/>
+          </a:prstGeom>
+          <a:ln w="31750"/>
+        </p:spPr>
+        <p:style>
+          <a:lnRef idx="3">
+            <a:schemeClr val="accent1"/>
+          </a:lnRef>
+          <a:fillRef idx="0">
+            <a:schemeClr val="accent1"/>
+          </a:fillRef>
+          <a:effectRef idx="2">
+            <a:schemeClr val="accent1"/>
+          </a:effectRef>
+          <a:fontRef idx="minor">
+            <a:schemeClr val="tx1"/>
+          </a:fontRef>
+        </p:style>
+      </p:cxnSp>
+      <p:sp useBgFill="1">
+        <p:nvSpPr>
+          <p:cNvPr id="18" name="Rectangle 17">
+            <a:extLst>
+              <a:ext uri="{FF2B5EF4-FFF2-40B4-BE49-F238E27FC236}">
+                <a16:creationId xmlns:a16="http://schemas.microsoft.com/office/drawing/2014/main" id="{4F6621CF-F493-40D5-98AE-24A9D3AD43C4}"/>
+              </a:ext>
+              <a:ext uri="{C183D7F6-B498-43B3-948B-1728B52AA6E4}">
+                <adec:decorative xmlns:adec="http://schemas.microsoft.com/office/drawing/2017/decorative" val="1"/>
+              </a:ext>
+            </a:extLst>
+          </p:cNvPr>
+          <p:cNvSpPr>
+            <a:spLocks noGrp="1" noRot="1" noChangeAspect="1" noMove="1" noResize="1" noEditPoints="1" noAdjustHandles="1" noChangeArrowheads="1" noChangeShapeType="1" noTextEdit="1"/>
+          </p:cNvSpPr>
+          <p:nvPr>
+            <p:extLst>
+              <p:ext uri="{386F3935-93C4-4BCD-93E2-E3B085C9AB24}">
+                <p16:designElem xmlns:p16="http://schemas.microsoft.com/office/powerpoint/2015/main" val="1"/>
+              </p:ext>
+            </p:extLst>
+          </p:nvPr>
+        </p:nvSpPr>
+        <p:spPr>
+          <a:xfrm>
+            <a:off x="-3178" y="0"/>
+            <a:ext cx="12194875" cy="4950268"/>
+          </a:xfrm>
+          <a:prstGeom prst="rect">
+            <a:avLst/>
+          </a:prstGeom>
+          <a:ln>
+            <a:noFill/>
+          </a:ln>
+        </p:spPr>
+        <p:style>
+          <a:lnRef idx="1">
+            <a:schemeClr val="accent1"/>
+          </a:lnRef>
+          <a:fillRef idx="3">
+            <a:schemeClr val="accent1"/>
+          </a:fillRef>
+          <a:effectRef idx="2">
+            <a:schemeClr val="accent1"/>
+          </a:effectRef>
+          <a:fontRef idx="minor">
+            <a:schemeClr val="lt1"/>
+          </a:fontRef>
+        </p:style>
+        <p:txBody>
+          <a:bodyPr rtlCol="0" anchor="ctr"/>
+          <a:lstStyle/>
+          <a:p>
+            <a:pPr algn="ctr"/>
+            <a:endParaRPr lang="en-US"/>
+          </a:p>
+        </p:txBody>
+      </p:sp>
+      <p:sp>
+        <p:nvSpPr>
+          <p:cNvPr id="2" name="Title 1">
+            <a:extLst>
+              <a:ext uri="{FF2B5EF4-FFF2-40B4-BE49-F238E27FC236}">
+                <a16:creationId xmlns:a16="http://schemas.microsoft.com/office/drawing/2014/main" id="{35A4485D-5E01-4610-9983-35D53A76E154}"/>
+              </a:ext>
+            </a:extLst>
+          </p:cNvPr>
+          <p:cNvSpPr>
+            <a:spLocks noGrp="1"/>
+          </p:cNvSpPr>
+          <p:nvPr>
+            <p:ph type="title"/>
+          </p:nvPr>
+        </p:nvSpPr>
+        <p:spPr>
+          <a:xfrm>
+            <a:off x="5078896" y="643467"/>
+            <a:ext cx="5975956" cy="4127545"/>
+          </a:xfrm>
+        </p:spPr>
+        <p:txBody>
+          <a:bodyPr vert="horz" lIns="91440" tIns="45720" rIns="91440" bIns="0" rtlCol="0" anchor="ctr">
+            <a:normAutofit/>
+          </a:bodyPr>
+          <a:lstStyle/>
+          <a:p>
+            <a:r>
+              <a:rPr lang="en-US" sz="4800"/>
+              <a:t>REGISTER</a:t>
+            </a:r>
+          </a:p>
+        </p:txBody>
+      </p:sp>
+      <p:sp>
+        <p:nvSpPr>
+          <p:cNvPr id="20" name="Rectangle 19">
+            <a:extLst>
+              <a:ext uri="{FF2B5EF4-FFF2-40B4-BE49-F238E27FC236}">
+                <a16:creationId xmlns:a16="http://schemas.microsoft.com/office/drawing/2014/main" id="{CADEE02A-D296-42EA-88F5-7803F69CEE29}"/>
+              </a:ext>
+              <a:ext uri="{C183D7F6-B498-43B3-948B-1728B52AA6E4}">
+                <adec:decorative xmlns:adec="http://schemas.microsoft.com/office/drawing/2017/decorative" val="1"/>
+              </a:ext>
+            </a:extLst>
+          </p:cNvPr>
+          <p:cNvSpPr>
+            <a:spLocks noGrp="1" noRot="1" noChangeAspect="1" noMove="1" noResize="1" noEditPoints="1" noAdjustHandles="1" noChangeArrowheads="1" noChangeShapeType="1" noTextEdit="1"/>
+          </p:cNvSpPr>
+          <p:nvPr>
+            <p:extLst>
+              <p:ext uri="{386F3935-93C4-4BCD-93E2-E3B085C9AB24}">
+                <p16:designElem xmlns:p16="http://schemas.microsoft.com/office/powerpoint/2015/main" val="1"/>
+              </p:ext>
+            </p:extLst>
+          </p:nvPr>
+        </p:nvSpPr>
+        <p:spPr>
+          <a:xfrm>
+            <a:off x="305" y="4950269"/>
+            <a:ext cx="12191695" cy="1907732"/>
+          </a:xfrm>
+          <a:prstGeom prst="rect">
+            <a:avLst/>
+          </a:prstGeom>
+          <a:solidFill>
+            <a:schemeClr val="accent1"/>
+          </a:solidFill>
+          <a:ln>
+            <a:noFill/>
+          </a:ln>
+        </p:spPr>
+        <p:style>
+          <a:lnRef idx="2">
+            <a:schemeClr val="accent1">
+              <a:shade val="50000"/>
+            </a:schemeClr>
+          </a:lnRef>
+          <a:fillRef idx="1002">
+            <a:schemeClr val="dk2"/>
+          </a:fillRef>
+          <a:effectRef idx="0">
+            <a:schemeClr val="accent1"/>
+          </a:effectRef>
+          <a:fontRef idx="minor">
+            <a:schemeClr val="lt1"/>
+          </a:fontRef>
+        </p:style>
+        <p:txBody>
+          <a:bodyPr rtlCol="0" anchor="ctr"/>
+          <a:lstStyle/>
+          <a:p>
+            <a:pPr algn="ctr"/>
+            <a:endParaRPr lang="en-US"/>
+          </a:p>
+        </p:txBody>
+      </p:sp>
+      <p:pic>
+        <p:nvPicPr>
+          <p:cNvPr id="5" name="Picture 4" descr="A screenshot of a cell phone&#10;&#10;Description automatically generated">
+            <a:extLst>
+              <a:ext uri="{FF2B5EF4-FFF2-40B4-BE49-F238E27FC236}">
+                <a16:creationId xmlns:a16="http://schemas.microsoft.com/office/drawing/2014/main" id="{BCC8DEDC-A78E-447D-96FA-73336C84D438}"/>
+              </a:ext>
+            </a:extLst>
+          </p:cNvPr>
+          <p:cNvPicPr>
+            <a:picLocks noChangeAspect="1"/>
+          </p:cNvPicPr>
+          <p:nvPr/>
+        </p:nvPicPr>
+        <p:blipFill rotWithShape="1">
+          <a:blip r:embed="rId4">
+            <a:extLst>
+              <a:ext uri="{28A0092B-C50C-407E-A947-70E740481C1C}">
+                <a14:useLocalDpi xmlns:a14="http://schemas.microsoft.com/office/drawing/2010/main" val="0"/>
+              </a:ext>
+            </a:extLst>
+          </a:blip>
+          <a:srcRect l="33561" r="33547" b="1"/>
+          <a:stretch/>
+        </p:blipFill>
+        <p:spPr>
+          <a:xfrm>
+            <a:off x="3179" y="-2"/>
+            <a:ext cx="4651117" cy="6858002"/>
+          </a:xfrm>
+          <a:prstGeom prst="rect">
+            <a:avLst/>
+          </a:prstGeom>
+        </p:spPr>
+      </p:pic>
+    </p:spTree>
+    <p:extLst>
+      <p:ext uri="{BB962C8B-B14F-4D97-AF65-F5344CB8AC3E}">
+        <p14:creationId xmlns:p14="http://schemas.microsoft.com/office/powerpoint/2010/main" val="2444133228"/>
+      </p:ext>
+    </p:extLst>
+  </p:cSld>
+  <p:clrMapOvr>
+    <a:masterClrMapping/>
+  </p:clrMapOvr>
+</p:sld>
+</file>
+
+<file path=ppt/slides/slide21.xml><?xml version="1.0" encoding="utf-8"?>
+<p:sld xmlns:a="http://schemas.openxmlformats.org/drawingml/2006/main" xmlns:r="http://schemas.openxmlformats.org/officeDocument/2006/relationships" xmlns:p="http://schemas.openxmlformats.org/presentationml/2006/main">
+  <p:cSld>
+    <p:bg>
+      <p:bgPr>
+        <a:gradFill rotWithShape="1">
+          <a:gsLst>
+            <a:gs pos="0">
+              <a:schemeClr val="bg2">
+                <a:tint val="94000"/>
+                <a:satMod val="80000"/>
+                <a:lumMod val="106000"/>
+              </a:schemeClr>
+            </a:gs>
+            <a:gs pos="100000">
+              <a:schemeClr val="bg2">
+                <a:shade val="80000"/>
+              </a:schemeClr>
+            </a:gs>
+          </a:gsLst>
+          <a:path path="circle">
+            <a:fillToRect l="43000" r="43000" b="100000"/>
+          </a:path>
+        </a:gradFill>
+        <a:effectLst/>
+      </p:bgPr>
+    </p:bg>
+    <p:spTree>
+      <p:nvGrpSpPr>
+        <p:cNvPr id="1" name=""/>
+        <p:cNvGrpSpPr/>
+        <p:nvPr/>
+      </p:nvGrpSpPr>
+      <p:grpSpPr>
+        <a:xfrm>
+          <a:off x="0" y="0"/>
+          <a:ext cx="0" cy="0"/>
+          <a:chOff x="0" y="0"/>
+          <a:chExt cx="0" cy="0"/>
+        </a:xfrm>
+      </p:grpSpPr>
+      <p:sp>
+        <p:nvSpPr>
+          <p:cNvPr id="10" name="Rectangle 9">
+            <a:extLst>
+              <a:ext uri="{FF2B5EF4-FFF2-40B4-BE49-F238E27FC236}">
+                <a16:creationId xmlns:a16="http://schemas.microsoft.com/office/drawing/2014/main" id="{1CE580D1-F917-4567-AFB4-99AA9B52ADF0}"/>
+              </a:ext>
+              <a:ext uri="{C183D7F6-B498-43B3-948B-1728B52AA6E4}">
+                <adec:decorative xmlns:adec="http://schemas.microsoft.com/office/drawing/2017/decorative" val="1"/>
+              </a:ext>
+            </a:extLst>
+          </p:cNvPr>
+          <p:cNvSpPr>
+            <a:spLocks noGrp="1" noRot="1" noChangeAspect="1" noMove="1" noResize="1" noEditPoints="1" noAdjustHandles="1" noChangeArrowheads="1" noChangeShapeType="1" noTextEdit="1"/>
+          </p:cNvSpPr>
+          <p:nvPr>
+            <p:extLst>
+              <p:ext uri="{386F3935-93C4-4BCD-93E2-E3B085C9AB24}">
+                <p16:designElem xmlns:p16="http://schemas.microsoft.com/office/powerpoint/2015/main" val="1"/>
+              </p:ext>
+            </p:extLst>
+          </p:nvPr>
+        </p:nvSpPr>
+        <p:spPr>
+          <a:xfrm>
+            <a:off x="0" y="2019476"/>
+            <a:ext cx="12192000" cy="4105941"/>
+          </a:xfrm>
+          <a:prstGeom prst="rect">
+            <a:avLst/>
+          </a:prstGeom>
+          <a:gradFill flip="none" rotWithShape="1">
+            <a:gsLst>
+              <a:gs pos="0">
+                <a:schemeClr val="bg2">
+                  <a:alpha val="0"/>
+                </a:schemeClr>
+              </a:gs>
+              <a:gs pos="100000">
+                <a:schemeClr val="bg2"/>
+              </a:gs>
+            </a:gsLst>
+            <a:lin ang="5400000" scaled="0"/>
+            <a:tileRect/>
+          </a:gradFill>
+          <a:ln>
+            <a:noFill/>
+          </a:ln>
+        </p:spPr>
+        <p:style>
+          <a:lnRef idx="2">
+            <a:schemeClr val="accent1">
+              <a:shade val="50000"/>
+            </a:schemeClr>
+          </a:lnRef>
+          <a:fillRef idx="1">
+            <a:schemeClr val="accent1"/>
+          </a:fillRef>
+          <a:effectRef idx="0">
+            <a:schemeClr val="accent1"/>
+          </a:effectRef>
+          <a:fontRef idx="minor">
+            <a:schemeClr val="lt1"/>
+          </a:fontRef>
+        </p:style>
+      </p:sp>
+      <p:pic>
+        <p:nvPicPr>
+          <p:cNvPr id="12" name="Picture 11">
+            <a:extLst>
+              <a:ext uri="{FF2B5EF4-FFF2-40B4-BE49-F238E27FC236}">
+                <a16:creationId xmlns:a16="http://schemas.microsoft.com/office/drawing/2014/main" id="{1F5620B8-A2D8-4568-B566-F0453A0D9167}"/>
+              </a:ext>
+              <a:ext uri="{C183D7F6-B498-43B3-948B-1728B52AA6E4}">
+                <adec:decorative xmlns:adec="http://schemas.microsoft.com/office/drawing/2017/decorative" val="1"/>
+              </a:ext>
+            </a:extLst>
+          </p:cNvPr>
+          <p:cNvPicPr>
+            <a:picLocks noGrp="1" noRot="1" noChangeAspect="1" noMove="1" noResize="1" noEditPoints="1" noAdjustHandles="1" noChangeArrowheads="1" noChangeShapeType="1" noCrop="1"/>
+          </p:cNvPicPr>
+          <p:nvPr>
+            <p:extLst>
+              <p:ext uri="{386F3935-93C4-4BCD-93E2-E3B085C9AB24}">
+                <p16:designElem xmlns:p16="http://schemas.microsoft.com/office/powerpoint/2015/main" val="1"/>
+              </p:ext>
+            </p:extLst>
+          </p:nvPr>
+        </p:nvPicPr>
+        <p:blipFill rotWithShape="1">
+          <a:blip r:embed="rId3">
+            <a:extLst>
+              <a:ext uri="{28A0092B-C50C-407E-A947-70E740481C1C}">
+                <a14:useLocalDpi xmlns:a14="http://schemas.microsoft.com/office/drawing/2010/main" val="0"/>
+              </a:ext>
+            </a:extLst>
+          </a:blip>
+          <a:srcRect t="1538" b="-1538"/>
+          <a:stretch/>
+        </p:blipFill>
+        <p:spPr bwMode="black">
+          <a:xfrm>
+            <a:off x="0" y="6126480"/>
+            <a:ext cx="12192000" cy="742950"/>
+          </a:xfrm>
+          <a:prstGeom prst="rect">
+            <a:avLst/>
+          </a:prstGeom>
+        </p:spPr>
+      </p:pic>
+      <p:cxnSp>
+        <p:nvCxnSpPr>
+          <p:cNvPr id="14" name="Straight Connector 13">
+            <a:extLst>
+              <a:ext uri="{FF2B5EF4-FFF2-40B4-BE49-F238E27FC236}">
+                <a16:creationId xmlns:a16="http://schemas.microsoft.com/office/drawing/2014/main" id="{1C7D2BA4-4B7A-4596-8BCC-5CF715423894}"/>
+              </a:ext>
+              <a:ext uri="{C183D7F6-B498-43B3-948B-1728B52AA6E4}">
+                <adec:decorative xmlns:adec="http://schemas.microsoft.com/office/drawing/2017/decorative" val="1"/>
+              </a:ext>
+            </a:extLst>
+          </p:cNvPr>
+          <p:cNvCxnSpPr>
+            <a:cxnSpLocks noGrp="1" noRot="1" noChangeAspect="1" noMove="1" noResize="1" noEditPoints="1" noAdjustHandles="1" noChangeArrowheads="1" noChangeShapeType="1"/>
+          </p:cNvCxnSpPr>
+          <p:nvPr>
+            <p:extLst>
+              <p:ext uri="{386F3935-93C4-4BCD-93E2-E3B085C9AB24}">
+                <p16:designElem xmlns:p16="http://schemas.microsoft.com/office/powerpoint/2015/main" val="1"/>
+              </p:ext>
+            </p:extLst>
+          </p:nvPr>
+        </p:nvCxnSpPr>
+        <p:spPr>
+          <a:xfrm>
+            <a:off x="0" y="6128413"/>
+            <a:ext cx="12192000" cy="0"/>
+          </a:xfrm>
+          <a:prstGeom prst="line">
+            <a:avLst/>
+          </a:prstGeom>
+          <a:ln w="12700">
+            <a:solidFill>
+              <a:srgbClr val="000001">
+                <a:alpha val="20000"/>
+              </a:srgbClr>
+            </a:solidFill>
+          </a:ln>
+        </p:spPr>
+        <p:style>
+          <a:lnRef idx="1">
+            <a:schemeClr val="accent1"/>
+          </a:lnRef>
+          <a:fillRef idx="0">
+            <a:schemeClr val="accent1"/>
+          </a:fillRef>
+          <a:effectRef idx="0">
+            <a:schemeClr val="accent1"/>
+          </a:effectRef>
+          <a:fontRef idx="minor">
+            <a:schemeClr val="tx1"/>
+          </a:fontRef>
+        </p:style>
+      </p:cxnSp>
+      <p:cxnSp>
+        <p:nvCxnSpPr>
+          <p:cNvPr id="16" name="Straight Connector 15">
+            <a:extLst>
+              <a:ext uri="{FF2B5EF4-FFF2-40B4-BE49-F238E27FC236}">
+                <a16:creationId xmlns:a16="http://schemas.microsoft.com/office/drawing/2014/main" id="{4977F1E1-2B6F-4BB6-899F-67D8764D83C5}"/>
+              </a:ext>
+              <a:ext uri="{C183D7F6-B498-43B3-948B-1728B52AA6E4}">
+                <adec:decorative xmlns:adec="http://schemas.microsoft.com/office/drawing/2017/decorative" val="1"/>
+              </a:ext>
+            </a:extLst>
+          </p:cNvPr>
+          <p:cNvCxnSpPr>
+            <a:cxnSpLocks noGrp="1" noRot="1" noChangeAspect="1" noMove="1" noResize="1" noEditPoints="1" noAdjustHandles="1" noChangeArrowheads="1" noChangeShapeType="1"/>
+          </p:cNvCxnSpPr>
+          <p:nvPr>
+            <p:extLst>
+              <p:ext uri="{386F3935-93C4-4BCD-93E2-E3B085C9AB24}">
+                <p16:designElem xmlns:p16="http://schemas.microsoft.com/office/powerpoint/2015/main" val="1"/>
+              </p:ext>
+            </p:extLst>
+          </p:nvPr>
+        </p:nvCxnSpPr>
+        <p:spPr>
+          <a:xfrm>
+            <a:off x="2417780" y="3528542"/>
+            <a:ext cx="8637072" cy="0"/>
+          </a:xfrm>
+          <a:prstGeom prst="line">
+            <a:avLst/>
+          </a:prstGeom>
+          <a:ln w="31750"/>
+        </p:spPr>
+        <p:style>
+          <a:lnRef idx="3">
+            <a:schemeClr val="accent1"/>
+          </a:lnRef>
+          <a:fillRef idx="0">
+            <a:schemeClr val="accent1"/>
+          </a:fillRef>
+          <a:effectRef idx="2">
+            <a:schemeClr val="accent1"/>
+          </a:effectRef>
+          <a:fontRef idx="minor">
+            <a:schemeClr val="tx1"/>
+          </a:fontRef>
+        </p:style>
+      </p:cxnSp>
+      <p:sp useBgFill="1">
+        <p:nvSpPr>
+          <p:cNvPr id="18" name="Rectangle 17">
+            <a:extLst>
+              <a:ext uri="{FF2B5EF4-FFF2-40B4-BE49-F238E27FC236}">
+                <a16:creationId xmlns:a16="http://schemas.microsoft.com/office/drawing/2014/main" id="{4F6621CF-F493-40D5-98AE-24A9D3AD43C4}"/>
+              </a:ext>
+              <a:ext uri="{C183D7F6-B498-43B3-948B-1728B52AA6E4}">
+                <adec:decorative xmlns:adec="http://schemas.microsoft.com/office/drawing/2017/decorative" val="1"/>
+              </a:ext>
+            </a:extLst>
+          </p:cNvPr>
+          <p:cNvSpPr>
+            <a:spLocks noGrp="1" noRot="1" noChangeAspect="1" noMove="1" noResize="1" noEditPoints="1" noAdjustHandles="1" noChangeArrowheads="1" noChangeShapeType="1" noTextEdit="1"/>
+          </p:cNvSpPr>
+          <p:nvPr>
+            <p:extLst>
+              <p:ext uri="{386F3935-93C4-4BCD-93E2-E3B085C9AB24}">
+                <p16:designElem xmlns:p16="http://schemas.microsoft.com/office/powerpoint/2015/main" val="1"/>
+              </p:ext>
+            </p:extLst>
+          </p:nvPr>
+        </p:nvSpPr>
+        <p:spPr>
+          <a:xfrm>
+            <a:off x="-3178" y="0"/>
+            <a:ext cx="12194875" cy="4950268"/>
+          </a:xfrm>
+          <a:prstGeom prst="rect">
+            <a:avLst/>
+          </a:prstGeom>
+          <a:ln>
+            <a:noFill/>
+          </a:ln>
+        </p:spPr>
+        <p:style>
+          <a:lnRef idx="1">
+            <a:schemeClr val="accent1"/>
+          </a:lnRef>
+          <a:fillRef idx="3">
+            <a:schemeClr val="accent1"/>
+          </a:fillRef>
+          <a:effectRef idx="2">
+            <a:schemeClr val="accent1"/>
+          </a:effectRef>
+          <a:fontRef idx="minor">
+            <a:schemeClr val="lt1"/>
+          </a:fontRef>
+        </p:style>
+        <p:txBody>
+          <a:bodyPr rtlCol="0" anchor="ctr"/>
+          <a:lstStyle/>
+          <a:p>
+            <a:pPr algn="ctr"/>
+            <a:endParaRPr lang="en-US"/>
+          </a:p>
+        </p:txBody>
+      </p:sp>
+      <p:sp>
+        <p:nvSpPr>
+          <p:cNvPr id="2" name="Title 1">
+            <a:extLst>
+              <a:ext uri="{FF2B5EF4-FFF2-40B4-BE49-F238E27FC236}">
+                <a16:creationId xmlns:a16="http://schemas.microsoft.com/office/drawing/2014/main" id="{133B8E05-B471-48E2-B908-2CF2A234BD64}"/>
+              </a:ext>
+            </a:extLst>
+          </p:cNvPr>
+          <p:cNvSpPr>
+            <a:spLocks noGrp="1"/>
+          </p:cNvSpPr>
+          <p:nvPr>
+            <p:ph type="title"/>
+          </p:nvPr>
+        </p:nvSpPr>
+        <p:spPr>
+          <a:xfrm>
+            <a:off x="5078896" y="643467"/>
+            <a:ext cx="5975956" cy="4127545"/>
+          </a:xfrm>
+        </p:spPr>
+        <p:txBody>
+          <a:bodyPr vert="horz" lIns="91440" tIns="45720" rIns="91440" bIns="0" rtlCol="0" anchor="ctr">
+            <a:normAutofit/>
+          </a:bodyPr>
+          <a:lstStyle/>
+          <a:p>
+            <a:r>
+              <a:rPr lang="en-US" sz="4800"/>
+              <a:t>CREATE A QUOTE</a:t>
+            </a:r>
+          </a:p>
+        </p:txBody>
+      </p:sp>
+      <p:sp>
+        <p:nvSpPr>
+          <p:cNvPr id="20" name="Rectangle 19">
+            <a:extLst>
+              <a:ext uri="{FF2B5EF4-FFF2-40B4-BE49-F238E27FC236}">
+                <a16:creationId xmlns:a16="http://schemas.microsoft.com/office/drawing/2014/main" id="{CADEE02A-D296-42EA-88F5-7803F69CEE29}"/>
+              </a:ext>
+              <a:ext uri="{C183D7F6-B498-43B3-948B-1728B52AA6E4}">
+                <adec:decorative xmlns:adec="http://schemas.microsoft.com/office/drawing/2017/decorative" val="1"/>
+              </a:ext>
+            </a:extLst>
+          </p:cNvPr>
+          <p:cNvSpPr>
+            <a:spLocks noGrp="1" noRot="1" noChangeAspect="1" noMove="1" noResize="1" noEditPoints="1" noAdjustHandles="1" noChangeArrowheads="1" noChangeShapeType="1" noTextEdit="1"/>
+          </p:cNvSpPr>
+          <p:nvPr>
+            <p:extLst>
+              <p:ext uri="{386F3935-93C4-4BCD-93E2-E3B085C9AB24}">
+                <p16:designElem xmlns:p16="http://schemas.microsoft.com/office/powerpoint/2015/main" val="1"/>
+              </p:ext>
+            </p:extLst>
+          </p:nvPr>
+        </p:nvSpPr>
+        <p:spPr>
+          <a:xfrm>
+            <a:off x="305" y="4950269"/>
+            <a:ext cx="12191695" cy="1907732"/>
+          </a:xfrm>
+          <a:prstGeom prst="rect">
+            <a:avLst/>
+          </a:prstGeom>
+          <a:solidFill>
+            <a:schemeClr val="accent1"/>
+          </a:solidFill>
+          <a:ln>
+            <a:noFill/>
+          </a:ln>
+        </p:spPr>
+        <p:style>
+          <a:lnRef idx="2">
+            <a:schemeClr val="accent1">
+              <a:shade val="50000"/>
+            </a:schemeClr>
+          </a:lnRef>
+          <a:fillRef idx="1002">
+            <a:schemeClr val="dk2"/>
+          </a:fillRef>
+          <a:effectRef idx="0">
+            <a:schemeClr val="accent1"/>
+          </a:effectRef>
+          <a:fontRef idx="minor">
+            <a:schemeClr val="lt1"/>
+          </a:fontRef>
+        </p:style>
+        <p:txBody>
+          <a:bodyPr rtlCol="0" anchor="ctr"/>
+          <a:lstStyle/>
+          <a:p>
+            <a:pPr algn="ctr"/>
+            <a:endParaRPr lang="en-US"/>
+          </a:p>
+        </p:txBody>
+      </p:sp>
+      <p:pic>
+        <p:nvPicPr>
+          <p:cNvPr id="5" name="Picture 4" descr="A screenshot of a cell phone&#10;&#10;Description automatically generated">
+            <a:extLst>
+              <a:ext uri="{FF2B5EF4-FFF2-40B4-BE49-F238E27FC236}">
+                <a16:creationId xmlns:a16="http://schemas.microsoft.com/office/drawing/2014/main" id="{AC617C99-72DE-4349-B796-161567DED2E9}"/>
+              </a:ext>
+            </a:extLst>
+          </p:cNvPr>
+          <p:cNvPicPr>
+            <a:picLocks noChangeAspect="1"/>
+          </p:cNvPicPr>
+          <p:nvPr/>
+        </p:nvPicPr>
+        <p:blipFill rotWithShape="1">
+          <a:blip r:embed="rId4">
+            <a:extLst>
+              <a:ext uri="{28A0092B-C50C-407E-A947-70E740481C1C}">
+                <a14:useLocalDpi xmlns:a14="http://schemas.microsoft.com/office/drawing/2010/main" val="0"/>
+              </a:ext>
+            </a:extLst>
+          </a:blip>
+          <a:srcRect l="33124" r="33814" b="-1"/>
+          <a:stretch/>
+        </p:blipFill>
+        <p:spPr>
+          <a:xfrm>
+            <a:off x="3179" y="-2"/>
+            <a:ext cx="4651117" cy="6858002"/>
+          </a:xfrm>
+          <a:prstGeom prst="rect">
+            <a:avLst/>
+          </a:prstGeom>
+        </p:spPr>
+      </p:pic>
+    </p:spTree>
+    <p:extLst>
+      <p:ext uri="{BB962C8B-B14F-4D97-AF65-F5344CB8AC3E}">
+        <p14:creationId xmlns:p14="http://schemas.microsoft.com/office/powerpoint/2010/main" val="1241802425"/>
+      </p:ext>
+    </p:extLst>
+  </p:cSld>
+  <p:clrMapOvr>
+    <a:masterClrMapping/>
+  </p:clrMapOvr>
+</p:sld>
+</file>
+
+<file path=ppt/slides/slide22.xml><?xml version="1.0" encoding="utf-8"?>
+<p:sld xmlns:a="http://schemas.openxmlformats.org/drawingml/2006/main" xmlns:r="http://schemas.openxmlformats.org/officeDocument/2006/relationships" xmlns:p="http://schemas.openxmlformats.org/presentationml/2006/main">
+  <p:cSld>
+    <p:bg>
+      <p:bgPr>
+        <a:gradFill rotWithShape="1">
+          <a:gsLst>
+            <a:gs pos="0">
+              <a:schemeClr val="bg2">
+                <a:tint val="94000"/>
+                <a:satMod val="80000"/>
+                <a:lumMod val="106000"/>
+              </a:schemeClr>
+            </a:gs>
+            <a:gs pos="100000">
+              <a:schemeClr val="bg2">
+                <a:shade val="80000"/>
+              </a:schemeClr>
+            </a:gs>
+          </a:gsLst>
+          <a:path path="circle">
+            <a:fillToRect l="43000" r="43000" b="100000"/>
+          </a:path>
+        </a:gradFill>
+        <a:effectLst/>
+      </p:bgPr>
+    </p:bg>
+    <p:spTree>
+      <p:nvGrpSpPr>
+        <p:cNvPr id="1" name=""/>
+        <p:cNvGrpSpPr/>
+        <p:nvPr/>
+      </p:nvGrpSpPr>
+      <p:grpSpPr>
+        <a:xfrm>
+          <a:off x="0" y="0"/>
+          <a:ext cx="0" cy="0"/>
+          <a:chOff x="0" y="0"/>
+          <a:chExt cx="0" cy="0"/>
+        </a:xfrm>
+      </p:grpSpPr>
+      <p:sp>
+        <p:nvSpPr>
+          <p:cNvPr id="43" name="Rectangle 9">
+            <a:extLst>
+              <a:ext uri="{FF2B5EF4-FFF2-40B4-BE49-F238E27FC236}">
+                <a16:creationId xmlns:a16="http://schemas.microsoft.com/office/drawing/2014/main" id="{0CABCAE3-64FC-4149-819F-2C1812824154}"/>
+              </a:ext>
+              <a:ext uri="{C183D7F6-B498-43B3-948B-1728B52AA6E4}">
+                <adec:decorative xmlns:adec="http://schemas.microsoft.com/office/drawing/2017/decorative" val="1"/>
+              </a:ext>
+            </a:extLst>
+          </p:cNvPr>
+          <p:cNvSpPr>
+            <a:spLocks noGrp="1" noRot="1" noChangeAspect="1" noMove="1" noResize="1" noEditPoints="1" noAdjustHandles="1" noChangeArrowheads="1" noChangeShapeType="1" noTextEdit="1"/>
+          </p:cNvSpPr>
+          <p:nvPr>
+            <p:extLst>
+              <p:ext uri="{386F3935-93C4-4BCD-93E2-E3B085C9AB24}">
+                <p16:designElem xmlns:p16="http://schemas.microsoft.com/office/powerpoint/2015/main" val="1"/>
+              </p:ext>
+            </p:extLst>
+          </p:nvPr>
+        </p:nvSpPr>
+        <p:spPr>
+          <a:xfrm>
+            <a:off x="0" y="2019476"/>
+            <a:ext cx="12192000" cy="4105941"/>
+          </a:xfrm>
+          <a:prstGeom prst="rect">
+            <a:avLst/>
+          </a:prstGeom>
+          <a:gradFill flip="none" rotWithShape="1">
+            <a:gsLst>
+              <a:gs pos="0">
+                <a:schemeClr val="bg2">
+                  <a:alpha val="0"/>
+                </a:schemeClr>
+              </a:gs>
+              <a:gs pos="100000">
+                <a:schemeClr val="bg2"/>
+              </a:gs>
+            </a:gsLst>
+            <a:lin ang="5400000" scaled="0"/>
+            <a:tileRect/>
+          </a:gradFill>
+          <a:ln>
+            <a:noFill/>
+          </a:ln>
+        </p:spPr>
+        <p:style>
+          <a:lnRef idx="2">
+            <a:schemeClr val="accent1">
+              <a:shade val="50000"/>
+            </a:schemeClr>
+          </a:lnRef>
+          <a:fillRef idx="1">
+            <a:schemeClr val="accent1"/>
+          </a:fillRef>
+          <a:effectRef idx="0">
+            <a:schemeClr val="accent1"/>
+          </a:effectRef>
+          <a:fontRef idx="minor">
+            <a:schemeClr val="lt1"/>
+          </a:fontRef>
+        </p:style>
+      </p:sp>
+      <p:pic>
+        <p:nvPicPr>
+          <p:cNvPr id="44" name="Picture 11">
+            <a:extLst>
+              <a:ext uri="{FF2B5EF4-FFF2-40B4-BE49-F238E27FC236}">
+                <a16:creationId xmlns:a16="http://schemas.microsoft.com/office/drawing/2014/main" id="{012FDCFE-9AD2-4D8A-8CBF-B3AA37EBF6DD}"/>
+              </a:ext>
+              <a:ext uri="{C183D7F6-B498-43B3-948B-1728B52AA6E4}">
+                <adec:decorative xmlns:adec="http://schemas.microsoft.com/office/drawing/2017/decorative" val="1"/>
+              </a:ext>
+            </a:extLst>
+          </p:cNvPr>
+          <p:cNvPicPr>
+            <a:picLocks noGrp="1" noRot="1" noChangeAspect="1" noMove="1" noResize="1" noEditPoints="1" noAdjustHandles="1" noChangeArrowheads="1" noChangeShapeType="1" noCrop="1"/>
+          </p:cNvPicPr>
+          <p:nvPr>
+            <p:extLst>
+              <p:ext uri="{386F3935-93C4-4BCD-93E2-E3B085C9AB24}">
+                <p16:designElem xmlns:p16="http://schemas.microsoft.com/office/powerpoint/2015/main" val="1"/>
+              </p:ext>
+            </p:extLst>
+          </p:nvPr>
+        </p:nvPicPr>
+        <p:blipFill rotWithShape="1">
+          <a:blip r:embed="rId3">
+            <a:extLst>
+              <a:ext uri="{28A0092B-C50C-407E-A947-70E740481C1C}">
+                <a14:useLocalDpi xmlns:a14="http://schemas.microsoft.com/office/drawing/2010/main" val="0"/>
+              </a:ext>
+            </a:extLst>
+          </a:blip>
+          <a:srcRect t="1538" b="-1538"/>
+          <a:stretch/>
+        </p:blipFill>
+        <p:spPr bwMode="black">
+          <a:xfrm>
+            <a:off x="0" y="6126480"/>
+            <a:ext cx="12192000" cy="742950"/>
+          </a:xfrm>
+          <a:prstGeom prst="rect">
+            <a:avLst/>
+          </a:prstGeom>
+        </p:spPr>
+      </p:pic>
+      <p:cxnSp>
+        <p:nvCxnSpPr>
+          <p:cNvPr id="45" name="Straight Connector 13">
+            <a:extLst>
+              <a:ext uri="{FF2B5EF4-FFF2-40B4-BE49-F238E27FC236}">
+                <a16:creationId xmlns:a16="http://schemas.microsoft.com/office/drawing/2014/main" id="{FBD463FC-4CA8-4FF4-85A3-AF9F4B98D210}"/>
+              </a:ext>
+              <a:ext uri="{C183D7F6-B498-43B3-948B-1728B52AA6E4}">
+                <adec:decorative xmlns:adec="http://schemas.microsoft.com/office/drawing/2017/decorative" val="1"/>
+              </a:ext>
+            </a:extLst>
+          </p:cNvPr>
+          <p:cNvCxnSpPr>
+            <a:cxnSpLocks noGrp="1" noRot="1" noChangeAspect="1" noMove="1" noResize="1" noEditPoints="1" noAdjustHandles="1" noChangeArrowheads="1" noChangeShapeType="1"/>
+          </p:cNvCxnSpPr>
+          <p:nvPr>
+            <p:extLst>
+              <p:ext uri="{386F3935-93C4-4BCD-93E2-E3B085C9AB24}">
+                <p16:designElem xmlns:p16="http://schemas.microsoft.com/office/powerpoint/2015/main" val="1"/>
+              </p:ext>
+            </p:extLst>
+          </p:nvPr>
+        </p:nvCxnSpPr>
+        <p:spPr>
+          <a:xfrm>
+            <a:off x="0" y="6128413"/>
+            <a:ext cx="12192000" cy="0"/>
+          </a:xfrm>
+          <a:prstGeom prst="line">
+            <a:avLst/>
+          </a:prstGeom>
+          <a:ln w="12700">
+            <a:solidFill>
+              <a:srgbClr val="000001">
+                <a:alpha val="20000"/>
+              </a:srgbClr>
+            </a:solidFill>
+          </a:ln>
+        </p:spPr>
+        <p:style>
+          <a:lnRef idx="1">
+            <a:schemeClr val="accent1"/>
+          </a:lnRef>
+          <a:fillRef idx="0">
+            <a:schemeClr val="accent1"/>
+          </a:fillRef>
+          <a:effectRef idx="0">
+            <a:schemeClr val="accent1"/>
+          </a:effectRef>
+          <a:fontRef idx="minor">
+            <a:schemeClr val="tx1"/>
+          </a:fontRef>
+        </p:style>
+      </p:cxnSp>
+      <p:cxnSp>
+        <p:nvCxnSpPr>
+          <p:cNvPr id="46" name="Straight Connector 15">
+            <a:extLst>
+              <a:ext uri="{FF2B5EF4-FFF2-40B4-BE49-F238E27FC236}">
+                <a16:creationId xmlns:a16="http://schemas.microsoft.com/office/drawing/2014/main" id="{BECF35C3-8B44-4F4B-BD25-4C01823DB22A}"/>
+              </a:ext>
+              <a:ext uri="{C183D7F6-B498-43B3-948B-1728B52AA6E4}">
+                <adec:decorative xmlns:adec="http://schemas.microsoft.com/office/drawing/2017/decorative" val="1"/>
+              </a:ext>
+            </a:extLst>
+          </p:cNvPr>
+          <p:cNvCxnSpPr>
+            <a:cxnSpLocks noGrp="1" noRot="1" noChangeAspect="1" noMove="1" noResize="1" noEditPoints="1" noAdjustHandles="1" noChangeArrowheads="1" noChangeShapeType="1"/>
+          </p:cNvCxnSpPr>
+          <p:nvPr>
+            <p:extLst>
+              <p:ext uri="{386F3935-93C4-4BCD-93E2-E3B085C9AB24}">
+                <p16:designElem xmlns:p16="http://schemas.microsoft.com/office/powerpoint/2015/main" val="1"/>
+              </p:ext>
+            </p:extLst>
+          </p:nvPr>
+        </p:nvCxnSpPr>
+        <p:spPr>
+          <a:xfrm>
+            <a:off x="2417780" y="3528542"/>
+            <a:ext cx="8637072" cy="0"/>
+          </a:xfrm>
+          <a:prstGeom prst="line">
+            <a:avLst/>
+          </a:prstGeom>
+          <a:ln w="31750"/>
+        </p:spPr>
+        <p:style>
+          <a:lnRef idx="3">
+            <a:schemeClr val="accent1"/>
+          </a:lnRef>
+          <a:fillRef idx="0">
+            <a:schemeClr val="accent1"/>
+          </a:fillRef>
+          <a:effectRef idx="2">
+            <a:schemeClr val="accent1"/>
+          </a:effectRef>
+          <a:fontRef idx="minor">
+            <a:schemeClr val="tx1"/>
+          </a:fontRef>
+        </p:style>
+      </p:cxnSp>
+      <p:sp useBgFill="1">
+        <p:nvSpPr>
+          <p:cNvPr id="18" name="Rectangle 17">
+            <a:extLst>
+              <a:ext uri="{FF2B5EF4-FFF2-40B4-BE49-F238E27FC236}">
+                <a16:creationId xmlns:a16="http://schemas.microsoft.com/office/drawing/2014/main" id="{2FA7AD0A-1871-4DF8-9235-F49D0513B9C1}"/>
+              </a:ext>
+              <a:ext uri="{C183D7F6-B498-43B3-948B-1728B52AA6E4}">
+                <adec:decorative xmlns:adec="http://schemas.microsoft.com/office/drawing/2017/decorative" val="1"/>
+              </a:ext>
+            </a:extLst>
+          </p:cNvPr>
+          <p:cNvSpPr>
+            <a:spLocks noGrp="1" noRot="1" noChangeAspect="1" noMove="1" noResize="1" noEditPoints="1" noAdjustHandles="1" noChangeArrowheads="1" noChangeShapeType="1" noTextEdit="1"/>
+          </p:cNvSpPr>
+          <p:nvPr>
+            <p:extLst>
+              <p:ext uri="{386F3935-93C4-4BCD-93E2-E3B085C9AB24}">
+                <p16:designElem xmlns:p16="http://schemas.microsoft.com/office/powerpoint/2015/main" val="1"/>
+              </p:ext>
+            </p:extLst>
+          </p:nvPr>
+        </p:nvSpPr>
+        <p:spPr>
+          <a:xfrm>
+            <a:off x="2" y="0"/>
+            <a:ext cx="12191695" cy="6858000"/>
+          </a:xfrm>
+          <a:prstGeom prst="rect">
+            <a:avLst/>
+          </a:prstGeom>
+          <a:ln>
+            <a:noFill/>
+          </a:ln>
+        </p:spPr>
+        <p:style>
+          <a:lnRef idx="2">
+            <a:schemeClr val="accent1">
+              <a:shade val="50000"/>
+            </a:schemeClr>
+          </a:lnRef>
+          <a:fillRef idx="1">
+            <a:schemeClr val="accent1"/>
+          </a:fillRef>
+          <a:effectRef idx="0">
+            <a:schemeClr val="accent1"/>
+          </a:effectRef>
+          <a:fontRef idx="minor">
+            <a:schemeClr val="lt1"/>
+          </a:fontRef>
+        </p:style>
+        <p:txBody>
+          <a:bodyPr rtlCol="0" anchor="ctr"/>
+          <a:lstStyle/>
+          <a:p>
+            <a:pPr algn="ctr"/>
+            <a:endParaRPr lang="en-US"/>
+          </a:p>
+        </p:txBody>
+      </p:sp>
+      <p:sp>
+        <p:nvSpPr>
+          <p:cNvPr id="20" name="Rectangle 19">
+            <a:extLst>
+              <a:ext uri="{FF2B5EF4-FFF2-40B4-BE49-F238E27FC236}">
+                <a16:creationId xmlns:a16="http://schemas.microsoft.com/office/drawing/2014/main" id="{36B04CFB-FAE5-47DD-9B3E-4E9BA7A89CC1}"/>
+              </a:ext>
+              <a:ext uri="{C183D7F6-B498-43B3-948B-1728B52AA6E4}">
+                <adec:decorative xmlns:adec="http://schemas.microsoft.com/office/drawing/2017/decorative" val="1"/>
+              </a:ext>
+            </a:extLst>
+          </p:cNvPr>
+          <p:cNvSpPr>
+            <a:spLocks noGrp="1" noRot="1" noChangeAspect="1" noMove="1" noResize="1" noEditPoints="1" noAdjustHandles="1" noChangeArrowheads="1" noChangeShapeType="1" noTextEdit="1"/>
+          </p:cNvSpPr>
+          <p:nvPr>
+            <p:extLst>
+              <p:ext uri="{386F3935-93C4-4BCD-93E2-E3B085C9AB24}">
+                <p16:designElem xmlns:p16="http://schemas.microsoft.com/office/powerpoint/2015/main" val="1"/>
+              </p:ext>
+            </p:extLst>
+          </p:nvPr>
+        </p:nvSpPr>
+        <p:spPr>
+          <a:xfrm>
+            <a:off x="0" y="2019476"/>
+            <a:ext cx="12192000" cy="4105941"/>
+          </a:xfrm>
+          <a:prstGeom prst="rect">
+            <a:avLst/>
+          </a:prstGeom>
+          <a:gradFill flip="none" rotWithShape="1">
+            <a:gsLst>
+              <a:gs pos="0">
+                <a:schemeClr val="bg2">
+                  <a:alpha val="0"/>
+                </a:schemeClr>
+              </a:gs>
+              <a:gs pos="100000">
+                <a:schemeClr val="bg2"/>
+              </a:gs>
+            </a:gsLst>
+            <a:lin ang="5400000" scaled="0"/>
+            <a:tileRect/>
+          </a:gradFill>
+          <a:ln>
+            <a:noFill/>
+          </a:ln>
+        </p:spPr>
+        <p:style>
+          <a:lnRef idx="2">
+            <a:schemeClr val="accent1">
+              <a:shade val="50000"/>
+            </a:schemeClr>
+          </a:lnRef>
+          <a:fillRef idx="1">
+            <a:schemeClr val="accent1"/>
+          </a:fillRef>
+          <a:effectRef idx="0">
+            <a:schemeClr val="accent1"/>
+          </a:effectRef>
+          <a:fontRef idx="minor">
+            <a:schemeClr val="lt1"/>
+          </a:fontRef>
+        </p:style>
+        <p:txBody>
+          <a:bodyPr rtlCol="0" anchor="ctr"/>
+          <a:lstStyle/>
+          <a:p>
+            <a:pPr lvl="0" algn="ctr"/>
+            <a:endParaRPr lang="en-US"/>
+          </a:p>
+        </p:txBody>
+      </p:sp>
+      <p:sp>
+        <p:nvSpPr>
+          <p:cNvPr id="2" name="Title 1">
+            <a:extLst>
+              <a:ext uri="{FF2B5EF4-FFF2-40B4-BE49-F238E27FC236}">
+                <a16:creationId xmlns:a16="http://schemas.microsoft.com/office/drawing/2014/main" id="{24B6E588-EC90-4C48-91CC-396A1FB92DF3}"/>
+              </a:ext>
+            </a:extLst>
+          </p:cNvPr>
+          <p:cNvSpPr>
+            <a:spLocks noGrp="1"/>
+          </p:cNvSpPr>
+          <p:nvPr>
+            <p:ph type="title"/>
+          </p:nvPr>
+        </p:nvSpPr>
+        <p:spPr>
+          <a:xfrm>
+            <a:off x="659301" y="1474969"/>
+            <a:ext cx="2823919" cy="1868760"/>
+          </a:xfrm>
+        </p:spPr>
+        <p:txBody>
+          <a:bodyPr vert="horz" lIns="91440" tIns="45720" rIns="91440" bIns="0" rtlCol="0" anchor="b">
+            <a:normAutofit/>
+          </a:bodyPr>
+          <a:lstStyle/>
+          <a:p>
+            <a:r>
+              <a:rPr lang="en-US" sz="3600"/>
+              <a:t>español</a:t>
+            </a:r>
+          </a:p>
+        </p:txBody>
+      </p:sp>
+      <p:cxnSp>
+        <p:nvCxnSpPr>
+          <p:cNvPr id="22" name="Straight Connector 21">
+            <a:extLst>
+              <a:ext uri="{FF2B5EF4-FFF2-40B4-BE49-F238E27FC236}">
+                <a16:creationId xmlns:a16="http://schemas.microsoft.com/office/drawing/2014/main" id="{EE68D41B-9286-479F-9AB7-678C8E348D71}"/>
+              </a:ext>
+              <a:ext uri="{C183D7F6-B498-43B3-948B-1728B52AA6E4}">
+                <adec:decorative xmlns:adec="http://schemas.microsoft.com/office/drawing/2017/decorative" val="1"/>
+              </a:ext>
+            </a:extLst>
+          </p:cNvPr>
+          <p:cNvCxnSpPr>
+            <a:cxnSpLocks noGrp="1" noRot="1" noChangeAspect="1" noMove="1" noResize="1" noEditPoints="1" noAdjustHandles="1" noChangeArrowheads="1" noChangeShapeType="1"/>
+          </p:cNvCxnSpPr>
+          <p:nvPr>
+            <p:extLst>
+              <p:ext uri="{386F3935-93C4-4BCD-93E2-E3B085C9AB24}">
+                <p16:designElem xmlns:p16="http://schemas.microsoft.com/office/powerpoint/2015/main" val="1"/>
+              </p:ext>
+            </p:extLst>
+          </p:nvPr>
+        </p:nvCxnSpPr>
+        <p:spPr>
+          <a:xfrm>
+            <a:off x="659301" y="3528543"/>
+            <a:ext cx="2823919" cy="0"/>
+          </a:xfrm>
+          <a:prstGeom prst="line">
+            <a:avLst/>
+          </a:prstGeom>
+          <a:ln w="31750"/>
+        </p:spPr>
+        <p:style>
+          <a:lnRef idx="3">
+            <a:schemeClr val="accent1"/>
+          </a:lnRef>
+          <a:fillRef idx="0">
+            <a:schemeClr val="accent1"/>
+          </a:fillRef>
+          <a:effectRef idx="2">
+            <a:schemeClr val="accent1"/>
+          </a:effectRef>
+          <a:fontRef idx="minor">
+            <a:schemeClr val="tx1"/>
+          </a:fontRef>
+        </p:style>
+      </p:cxnSp>
+      <p:grpSp>
+        <p:nvGrpSpPr>
+          <p:cNvPr id="24" name="Group 23">
+            <a:extLst>
+              <a:ext uri="{FF2B5EF4-FFF2-40B4-BE49-F238E27FC236}">
+                <a16:creationId xmlns:a16="http://schemas.microsoft.com/office/drawing/2014/main" id="{E8ACF89C-CFC3-4D68-B3C4-2BEFB7BBE5F7}"/>
+              </a:ext>
+              <a:ext uri="{C183D7F6-B498-43B3-948B-1728B52AA6E4}">
+                <adec:decorative xmlns:adec="http://schemas.microsoft.com/office/drawing/2017/decorative" val="1"/>
+              </a:ext>
+            </a:extLst>
+          </p:cNvPr>
+          <p:cNvGrpSpPr>
+            <a:grpSpLocks noGrp="1" noUngrp="1" noRot="1" noChangeAspect="1" noMove="1" noResize="1"/>
+          </p:cNvGrpSpPr>
+          <p:nvPr>
+            <p:extLst>
+              <p:ext uri="{386F3935-93C4-4BCD-93E2-E3B085C9AB24}">
+                <p16:designElem xmlns:p16="http://schemas.microsoft.com/office/powerpoint/2015/main" val="1"/>
+              </p:ext>
+            </p:extLst>
+          </p:nvPr>
+        </p:nvGrpSpPr>
+        <p:grpSpPr>
+          <a:xfrm>
+            <a:off x="3979389" y="482171"/>
+            <a:ext cx="7560115" cy="5149101"/>
+            <a:chOff x="3979389" y="482171"/>
+            <a:chExt cx="7560115" cy="5149101"/>
+          </a:xfrm>
+        </p:grpSpPr>
+        <p:sp>
+          <p:nvSpPr>
+            <p:cNvPr id="25" name="Rectangle 24">
+              <a:extLst>
+                <a:ext uri="{FF2B5EF4-FFF2-40B4-BE49-F238E27FC236}">
+                  <a16:creationId xmlns:a16="http://schemas.microsoft.com/office/drawing/2014/main" id="{3B770B7D-3C5C-4682-8DF0-20783592F3B6}"/>
+                </a:ext>
+                <a:ext uri="{C183D7F6-B498-43B3-948B-1728B52AA6E4}">
+                  <adec:decorative xmlns:adec="http://schemas.microsoft.com/office/drawing/2017/decorative" val="1"/>
+                </a:ext>
+              </a:extLst>
+            </p:cNvPr>
+            <p:cNvSpPr/>
+            <p:nvPr>
+              <p:extLst>
+                <p:ext uri="{386F3935-93C4-4BCD-93E2-E3B085C9AB24}">
+                  <p16:designElem xmlns:p16="http://schemas.microsoft.com/office/powerpoint/2015/main" val="1"/>
+                </p:ext>
+              </p:extLst>
+            </p:nvPr>
+          </p:nvSpPr>
+          <p:spPr>
+            <a:xfrm>
+              <a:off x="3979389" y="482171"/>
+              <a:ext cx="7560115" cy="5149101"/>
+            </a:xfrm>
+            <a:prstGeom prst="rect">
+              <a:avLst/>
+            </a:prstGeom>
+            <a:gradFill>
+              <a:gsLst>
+                <a:gs pos="0">
+                  <a:srgbClr val="000001"/>
+                </a:gs>
+                <a:gs pos="100000">
+                  <a:srgbClr val="191919"/>
+                </a:gs>
+              </a:gsLst>
+            </a:gradFill>
+            <a:ln w="76200" cmpd="sng">
+              <a:noFill/>
+              <a:miter lim="800000"/>
+            </a:ln>
+            <a:effectLst>
+              <a:outerShdw blurRad="127000" dist="228600" dir="4740000" sx="98000" sy="98000" algn="tl" rotWithShape="0">
+                <a:srgbClr val="000000">
+                  <a:alpha val="34000"/>
+                </a:srgbClr>
+              </a:outerShdw>
+            </a:effectLst>
+            <a:scene3d>
+              <a:camera prst="orthographicFront"/>
+              <a:lightRig rig="threePt" dir="t"/>
+            </a:scene3d>
+            <a:sp3d>
+              <a:bevelT w="152400" h="50800" prst="softRound"/>
+            </a:sp3d>
+          </p:spPr>
+          <p:style>
+            <a:lnRef idx="1">
+              <a:schemeClr val="accent1"/>
+            </a:lnRef>
+            <a:fillRef idx="3">
+              <a:schemeClr val="accent1"/>
+            </a:fillRef>
+            <a:effectRef idx="2">
+              <a:schemeClr val="accent1"/>
+            </a:effectRef>
+            <a:fontRef idx="minor">
+              <a:schemeClr val="lt1"/>
+            </a:fontRef>
+          </p:style>
+          <p:txBody>
+            <a:bodyPr rtlCol="0" anchor="ctr"/>
+            <a:lstStyle/>
+            <a:p>
+              <a:pPr algn="ctr"/>
+              <a:endParaRPr lang="en-US"/>
+            </a:p>
+          </p:txBody>
+        </p:sp>
+        <p:sp>
+          <p:nvSpPr>
+            <p:cNvPr id="47" name="Rectangle 25">
+              <a:extLst>
+                <a:ext uri="{FF2B5EF4-FFF2-40B4-BE49-F238E27FC236}">
+                  <a16:creationId xmlns:a16="http://schemas.microsoft.com/office/drawing/2014/main" id="{A6893E11-7EC1-4EB6-A2A8-0B693F8FE576}"/>
+                </a:ext>
+                <a:ext uri="{C183D7F6-B498-43B3-948B-1728B52AA6E4}">
+                  <adec:decorative xmlns:adec="http://schemas.microsoft.com/office/drawing/2017/decorative" val="1"/>
+                </a:ext>
+              </a:extLst>
+            </p:cNvPr>
+            <p:cNvSpPr/>
+            <p:nvPr>
+              <p:extLst>
+                <p:ext uri="{386F3935-93C4-4BCD-93E2-E3B085C9AB24}">
+                  <p16:designElem xmlns:p16="http://schemas.microsoft.com/office/powerpoint/2015/main" val="1"/>
+                </p:ext>
+              </p:extLst>
+            </p:nvPr>
+          </p:nvSpPr>
+          <p:spPr>
+            <a:xfrm>
+              <a:off x="4292448" y="812507"/>
+              <a:ext cx="6928279" cy="4466452"/>
+            </a:xfrm>
+            <a:prstGeom prst="rect">
+              <a:avLst/>
+            </a:prstGeom>
+            <a:gradFill>
+              <a:gsLst>
+                <a:gs pos="0">
+                  <a:srgbClr val="DADADA"/>
+                </a:gs>
+                <a:gs pos="100000">
+                  <a:srgbClr val="FFFFFE"/>
+                </a:gs>
+              </a:gsLst>
+              <a:lin ang="16200000" scaled="0"/>
+            </a:gradFill>
+            <a:ln w="50800" cmpd="sng">
+              <a:solidFill>
+                <a:srgbClr val="191919"/>
+              </a:solidFill>
+              <a:miter lim="800000"/>
+            </a:ln>
+            <a:effectLst>
+              <a:innerShdw blurRad="63500" dist="88900" dir="14100000">
+                <a:srgbClr val="000000">
+                  <a:alpha val="30000"/>
+                </a:srgbClr>
+              </a:innerShdw>
+            </a:effectLst>
+            <a:scene3d>
+              <a:camera prst="orthographicFront"/>
+              <a:lightRig rig="threePt" dir="t"/>
+            </a:scene3d>
+            <a:sp3d>
+              <a:bevelT prst="relaxedInset"/>
+            </a:sp3d>
+          </p:spPr>
+          <p:style>
+            <a:lnRef idx="1">
+              <a:schemeClr val="accent1"/>
+            </a:lnRef>
+            <a:fillRef idx="3">
+              <a:schemeClr val="accent1"/>
+            </a:fillRef>
+            <a:effectRef idx="2">
+              <a:schemeClr val="accent1"/>
+            </a:effectRef>
+            <a:fontRef idx="minor">
+              <a:schemeClr val="lt1"/>
+            </a:fontRef>
+          </p:style>
+          <p:txBody>
+            <a:bodyPr rtlCol="0" anchor="ctr"/>
+            <a:lstStyle/>
+            <a:p>
+              <a:pPr algn="ctr"/>
+              <a:endParaRPr lang="en-US"/>
+            </a:p>
+          </p:txBody>
+        </p:sp>
+      </p:grpSp>
+      <p:sp>
+        <p:nvSpPr>
+          <p:cNvPr id="28" name="Rectangle 27">
+            <a:extLst>
+              <a:ext uri="{FF2B5EF4-FFF2-40B4-BE49-F238E27FC236}">
+                <a16:creationId xmlns:a16="http://schemas.microsoft.com/office/drawing/2014/main" id="{622F7FD7-8884-4FD5-95AB-0B5C6033ADF7}"/>
+              </a:ext>
+              <a:ext uri="{C183D7F6-B498-43B3-948B-1728B52AA6E4}">
+                <adec:decorative xmlns:adec="http://schemas.microsoft.com/office/drawing/2017/decorative" val="1"/>
+              </a:ext>
+            </a:extLst>
+          </p:cNvPr>
+          <p:cNvSpPr>
+            <a:spLocks noGrp="1" noRot="1" noChangeAspect="1" noMove="1" noResize="1" noEditPoints="1" noAdjustHandles="1" noChangeArrowheads="1" noChangeShapeType="1" noTextEdit="1"/>
+          </p:cNvSpPr>
+          <p:nvPr>
+            <p:extLst>
+              <p:ext uri="{386F3935-93C4-4BCD-93E2-E3B085C9AB24}">
+                <p16:designElem xmlns:p16="http://schemas.microsoft.com/office/powerpoint/2015/main" val="1"/>
+              </p:ext>
+            </p:extLst>
+          </p:nvPr>
+        </p:nvSpPr>
+        <p:spPr>
+          <a:xfrm>
+            <a:off x="4455487" y="977965"/>
+            <a:ext cx="6615582" cy="4135339"/>
+          </a:xfrm>
+          <a:prstGeom prst="rect">
+            <a:avLst/>
+          </a:prstGeom>
+          <a:solidFill>
+            <a:schemeClr val="bg1"/>
+          </a:solidFill>
+          <a:ln w="6350">
+            <a:solidFill>
+              <a:schemeClr val="bg2"/>
+            </a:solidFill>
+          </a:ln>
+        </p:spPr>
+        <p:style>
+          <a:lnRef idx="2">
+            <a:schemeClr val="accent1">
+              <a:shade val="50000"/>
+            </a:schemeClr>
+          </a:lnRef>
+          <a:fillRef idx="1">
+            <a:schemeClr val="accent1"/>
+          </a:fillRef>
+          <a:effectRef idx="0">
+            <a:schemeClr val="accent1"/>
+          </a:effectRef>
+          <a:fontRef idx="minor">
+            <a:schemeClr val="lt1"/>
+          </a:fontRef>
+        </p:style>
+        <p:txBody>
+          <a:bodyPr rtlCol="0" anchor="ctr"/>
+          <a:lstStyle/>
+          <a:p>
+            <a:pPr algn="ctr"/>
+            <a:endParaRPr lang="en-US"/>
+          </a:p>
+        </p:txBody>
+      </p:sp>
+      <p:pic>
+        <p:nvPicPr>
+          <p:cNvPr id="5" name="Picture 4" descr="A screenshot of a social media post&#10;&#10;Description automatically generated">
+            <a:extLst>
+              <a:ext uri="{FF2B5EF4-FFF2-40B4-BE49-F238E27FC236}">
+                <a16:creationId xmlns:a16="http://schemas.microsoft.com/office/drawing/2014/main" id="{C2556E47-AF54-4B5D-A83F-D6CF7DB87E79}"/>
+              </a:ext>
+            </a:extLst>
+          </p:cNvPr>
+          <p:cNvPicPr>
+            <a:picLocks noChangeAspect="1"/>
+          </p:cNvPicPr>
+          <p:nvPr/>
+        </p:nvPicPr>
+        <p:blipFill>
+          <a:blip r:embed="rId4">
+            <a:extLst>
+              <a:ext uri="{28A0092B-C50C-407E-A947-70E740481C1C}">
+                <a14:useLocalDpi xmlns:a14="http://schemas.microsoft.com/office/drawing/2010/main" val="0"/>
+              </a:ext>
+            </a:extLst>
+          </a:blip>
+          <a:stretch>
+            <a:fillRect/>
+          </a:stretch>
+        </p:blipFill>
+        <p:spPr>
+          <a:xfrm>
+            <a:off x="4618374" y="1580799"/>
+            <a:ext cx="6282919" cy="2937264"/>
+          </a:xfrm>
+          <a:prstGeom prst="rect">
+            <a:avLst/>
+          </a:prstGeom>
+        </p:spPr>
+      </p:pic>
+      <p:pic>
+        <p:nvPicPr>
+          <p:cNvPr id="30" name="Picture 29">
+            <a:extLst>
+              <a:ext uri="{FF2B5EF4-FFF2-40B4-BE49-F238E27FC236}">
+                <a16:creationId xmlns:a16="http://schemas.microsoft.com/office/drawing/2014/main" id="{16EFE474-4FE0-4E8F-8F09-5ED2C9E76A84}"/>
+              </a:ext>
+              <a:ext uri="{C183D7F6-B498-43B3-948B-1728B52AA6E4}">
+                <adec:decorative xmlns:adec="http://schemas.microsoft.com/office/drawing/2017/decorative" val="1"/>
+              </a:ext>
+            </a:extLst>
+          </p:cNvPr>
+          <p:cNvPicPr>
+            <a:picLocks noGrp="1" noRot="1" noChangeAspect="1" noMove="1" noResize="1" noEditPoints="1" noAdjustHandles="1" noChangeArrowheads="1" noChangeShapeType="1" noCrop="1"/>
+          </p:cNvPicPr>
+          <p:nvPr>
+            <p:extLst>
+              <p:ext uri="{386F3935-93C4-4BCD-93E2-E3B085C9AB24}">
+                <p16:designElem xmlns:p16="http://schemas.microsoft.com/office/powerpoint/2015/main" val="1"/>
+              </p:ext>
+            </p:extLst>
+          </p:nvPr>
+        </p:nvPicPr>
+        <p:blipFill rotWithShape="1">
+          <a:blip r:embed="rId3">
+            <a:extLst>
+              <a:ext uri="{28A0092B-C50C-407E-A947-70E740481C1C}">
+                <a14:useLocalDpi xmlns:a14="http://schemas.microsoft.com/office/drawing/2010/main" val="0"/>
+              </a:ext>
+            </a:extLst>
+          </a:blip>
+          <a:srcRect t="1538" b="-1538"/>
+          <a:stretch/>
+        </p:blipFill>
+        <p:spPr bwMode="black">
+          <a:xfrm>
+            <a:off x="0" y="6126480"/>
+            <a:ext cx="12192000" cy="742950"/>
+          </a:xfrm>
+          <a:prstGeom prst="rect">
+            <a:avLst/>
+          </a:prstGeom>
+        </p:spPr>
+      </p:pic>
+      <p:cxnSp>
+        <p:nvCxnSpPr>
+          <p:cNvPr id="32" name="Straight Connector 31">
+            <a:extLst>
+              <a:ext uri="{FF2B5EF4-FFF2-40B4-BE49-F238E27FC236}">
+                <a16:creationId xmlns:a16="http://schemas.microsoft.com/office/drawing/2014/main" id="{CF8B8C81-54DC-4AF5-B682-3A2C70A6B55C}"/>
+              </a:ext>
+              <a:ext uri="{C183D7F6-B498-43B3-948B-1728B52AA6E4}">
+                <adec:decorative xmlns:adec="http://schemas.microsoft.com/office/drawing/2017/decorative" val="1"/>
+              </a:ext>
+            </a:extLst>
+          </p:cNvPr>
+          <p:cNvCxnSpPr>
+            <a:cxnSpLocks noGrp="1" noRot="1" noChangeAspect="1" noMove="1" noResize="1" noEditPoints="1" noAdjustHandles="1" noChangeArrowheads="1" noChangeShapeType="1"/>
+          </p:cNvCxnSpPr>
+          <p:nvPr>
+            <p:extLst>
+              <p:ext uri="{386F3935-93C4-4BCD-93E2-E3B085C9AB24}">
+                <p16:designElem xmlns:p16="http://schemas.microsoft.com/office/powerpoint/2015/main" val="1"/>
+              </p:ext>
+            </p:extLst>
+          </p:nvPr>
+        </p:nvCxnSpPr>
+        <p:spPr>
+          <a:xfrm>
+            <a:off x="0" y="6128413"/>
+            <a:ext cx="12192000" cy="0"/>
+          </a:xfrm>
+          <a:prstGeom prst="line">
+            <a:avLst/>
+          </a:prstGeom>
+          <a:ln w="12700">
+            <a:solidFill>
+              <a:srgbClr val="000001">
+                <a:alpha val="20000"/>
+              </a:srgbClr>
+            </a:solidFill>
+          </a:ln>
+        </p:spPr>
+        <p:style>
+          <a:lnRef idx="1">
+            <a:schemeClr val="accent1"/>
+          </a:lnRef>
+          <a:fillRef idx="0">
+            <a:schemeClr val="accent1"/>
+          </a:fillRef>
+          <a:effectRef idx="0">
+            <a:schemeClr val="accent1"/>
+          </a:effectRef>
+          <a:fontRef idx="minor">
+            <a:schemeClr val="tx1"/>
+          </a:fontRef>
+        </p:style>
+      </p:cxnSp>
+    </p:spTree>
+    <p:extLst>
+      <p:ext uri="{BB962C8B-B14F-4D97-AF65-F5344CB8AC3E}">
+        <p14:creationId xmlns:p14="http://schemas.microsoft.com/office/powerpoint/2010/main" val="523763468"/>
+      </p:ext>
+    </p:extLst>
+  </p:cSld>
+  <p:clrMapOvr>
+    <a:masterClrMapping/>
+  </p:clrMapOvr>
+</p:sld>
+</file>
+
+<file path=ppt/slides/slide23.xml><?xml version="1.0" encoding="utf-8"?>
+<p:sld xmlns:a="http://schemas.openxmlformats.org/drawingml/2006/main" xmlns:r="http://schemas.openxmlformats.org/officeDocument/2006/relationships" xmlns:p="http://schemas.openxmlformats.org/presentationml/2006/main">
+  <p:cSld>
+    <p:bg>
+      <p:bgPr>
         <a:solidFill>
           <a:schemeClr val="bg1"/>
         </a:solidFill>
@@ -5976,7 +10170,7 @@
           <p:cNvPr id="2" name="Title 1">
             <a:extLst>
               <a:ext uri="{FF2B5EF4-FFF2-40B4-BE49-F238E27FC236}">
-                <a16:creationId xmlns:a16="http://schemas.microsoft.com/office/drawing/2014/main" id="{0CF70B77-9B84-42CA-9E5F-860FC8245BA3}"/>
+                <a16:creationId xmlns:a16="http://schemas.microsoft.com/office/drawing/2014/main" id="{7B7EDAE8-30FC-46DB-BF0A-5EAA71CC7153}"/>
               </a:ext>
             </a:extLst>
           </p:cNvPr>
@@ -5989,29 +10183,33 @@
         </p:nvSpPr>
         <p:spPr>
           <a:xfrm>
-            <a:off x="7763256" y="1122363"/>
-            <a:ext cx="3834384" cy="2902882"/>
-          </a:xfrm>
-        </p:spPr>
-        <p:txBody>
-          <a:bodyPr vert="horz" lIns="91440" tIns="45720" rIns="91440" bIns="45720" rtlCol="0" anchor="b">
-            <a:normAutofit/>
+            <a:off x="733507" y="3130041"/>
+            <a:ext cx="4416637" cy="2387600"/>
+          </a:xfrm>
+          <a:prstGeom prst="ellipse">
+            <a:avLst/>
+          </a:prstGeom>
+        </p:spPr>
+        <p:txBody>
+          <a:bodyPr vert="horz" lIns="91440" tIns="45720" rIns="91440" bIns="45720" rtlCol="0" anchor="t">
+            <a:normAutofit fontScale="90000"/>
           </a:bodyPr>
           <a:lstStyle/>
           <a:p>
             <a:r>
-              <a:rPr lang="en-US" sz="4800"/>
-              <a:t>Quote Delete</a:t>
-            </a:r>
+              <a:rPr lang="en-US" sz="3400" b="1" dirty="0"/>
+              <a:t>Registering and requesting a future author</a:t>
+            </a:r>
+            <a:endParaRPr lang="en-US" sz="3400" dirty="0"/>
           </a:p>
         </p:txBody>
       </p:sp>
       <p:pic>
         <p:nvPicPr>
-          <p:cNvPr id="5" name="Picture 4">
+          <p:cNvPr id="5" name="Picture 4" descr="A screenshot of a cell phone&#10;&#10;Description automatically generated">
             <a:extLst>
               <a:ext uri="{FF2B5EF4-FFF2-40B4-BE49-F238E27FC236}">
-                <a16:creationId xmlns:a16="http://schemas.microsoft.com/office/drawing/2014/main" id="{D4BB82E2-52E1-4DB2-9971-ADB72F933BA1}"/>
+                <a16:creationId xmlns:a16="http://schemas.microsoft.com/office/drawing/2014/main" id="{94962FFD-0944-4244-B0A8-5824F313FD63}"/>
               </a:ext>
             </a:extLst>
           </p:cNvPr>
@@ -6028,13 +10226,13 @@
               </a:ext>
             </a:extLst>
           </a:blip>
-          <a:srcRect r="1846" b="-1"/>
+          <a:srcRect l="24820" r="26310" b="-1"/>
           <a:stretch/>
         </p:blipFill>
         <p:spPr>
           <a:xfrm>
-            <a:off x="509517" y="576072"/>
-            <a:ext cx="6692560" cy="5522976"/>
+            <a:off x="5922492" y="666728"/>
+            <a:ext cx="5536001" cy="5465791"/>
           </a:xfrm>
           <a:prstGeom prst="rect">
             <a:avLst/>
@@ -6044,7 +10242,685 @@
     </p:spTree>
     <p:extLst>
       <p:ext uri="{BB962C8B-B14F-4D97-AF65-F5344CB8AC3E}">
-        <p14:creationId xmlns:p14="http://schemas.microsoft.com/office/powerpoint/2010/main" val="1385879699"/>
+        <p14:creationId xmlns:p14="http://schemas.microsoft.com/office/powerpoint/2010/main" val="840313417"/>
+      </p:ext>
+    </p:extLst>
+  </p:cSld>
+  <p:clrMapOvr>
+    <a:masterClrMapping/>
+  </p:clrMapOvr>
+</p:sld>
+</file>
+
+<file path=ppt/slides/slide24.xml><?xml version="1.0" encoding="utf-8"?>
+<p:sld xmlns:a="http://schemas.openxmlformats.org/drawingml/2006/main" xmlns:r="http://schemas.openxmlformats.org/officeDocument/2006/relationships" xmlns:p="http://schemas.openxmlformats.org/presentationml/2006/main">
+  <p:cSld>
+    <p:bg>
+      <p:bgPr>
+        <a:solidFill>
+          <a:schemeClr val="bg1"/>
+        </a:solidFill>
+        <a:effectLst/>
+      </p:bgPr>
+    </p:bg>
+    <p:spTree>
+      <p:nvGrpSpPr>
+        <p:cNvPr id="1" name=""/>
+        <p:cNvGrpSpPr/>
+        <p:nvPr/>
+      </p:nvGrpSpPr>
+      <p:grpSpPr>
+        <a:xfrm>
+          <a:off x="0" y="0"/>
+          <a:ext cx="0" cy="0"/>
+          <a:chOff x="0" y="0"/>
+          <a:chExt cx="0" cy="0"/>
+        </a:xfrm>
+      </p:grpSpPr>
+      <p:sp>
+        <p:nvSpPr>
+          <p:cNvPr id="2" name="Title 1">
+            <a:extLst>
+              <a:ext uri="{FF2B5EF4-FFF2-40B4-BE49-F238E27FC236}">
+                <a16:creationId xmlns:a16="http://schemas.microsoft.com/office/drawing/2014/main" id="{A13FB9F5-3C8D-47E7-B955-D3E461B1240D}"/>
+              </a:ext>
+            </a:extLst>
+          </p:cNvPr>
+          <p:cNvSpPr>
+            <a:spLocks noGrp="1"/>
+          </p:cNvSpPr>
+          <p:nvPr>
+            <p:ph type="title"/>
+          </p:nvPr>
+        </p:nvSpPr>
+        <p:spPr>
+          <a:xfrm>
+            <a:off x="640080" y="2074363"/>
+            <a:ext cx="3370446" cy="3075153"/>
+          </a:xfrm>
+          <a:prstGeom prst="ellipse">
+            <a:avLst/>
+          </a:prstGeom>
+          <a:solidFill>
+            <a:srgbClr val="262626"/>
+          </a:solidFill>
+          <a:ln w="174625" cmpd="thinThick">
+            <a:solidFill>
+              <a:srgbClr val="262626"/>
+            </a:solidFill>
+          </a:ln>
+        </p:spPr>
+        <p:txBody>
+          <a:bodyPr vert="horz" lIns="91440" tIns="45720" rIns="91440" bIns="45720" rtlCol="0" anchor="ctr">
+            <a:normAutofit/>
+          </a:bodyPr>
+          <a:lstStyle/>
+          <a:p>
+            <a:pPr algn="ctr"/>
+            <a:r>
+              <a:rPr lang="en-US" sz="2600" b="1" kern="1200" dirty="0">
+                <a:solidFill>
+                  <a:srgbClr val="FFFFFF"/>
+                </a:solidFill>
+                <a:latin typeface="+mj-lt"/>
+                <a:ea typeface="+mj-ea"/>
+                <a:cs typeface="+mj-cs"/>
+              </a:rPr>
+              <a:t>Requested author added</a:t>
+            </a:r>
+            <a:endParaRPr lang="en-US" sz="2600" kern="1200" dirty="0">
+              <a:solidFill>
+                <a:srgbClr val="FFFFFF"/>
+              </a:solidFill>
+              <a:latin typeface="+mj-lt"/>
+              <a:ea typeface="+mj-ea"/>
+              <a:cs typeface="+mj-cs"/>
+            </a:endParaRPr>
+          </a:p>
+        </p:txBody>
+      </p:sp>
+      <p:pic>
+        <p:nvPicPr>
+          <p:cNvPr id="5" name="Picture 4" descr="A screenshot of a cell phone&#10;&#10;Description automatically generated">
+            <a:extLst>
+              <a:ext uri="{FF2B5EF4-FFF2-40B4-BE49-F238E27FC236}">
+                <a16:creationId xmlns:a16="http://schemas.microsoft.com/office/drawing/2014/main" id="{6AE76127-1705-4219-9EBB-F2CCFABF1B06}"/>
+              </a:ext>
+            </a:extLst>
+          </p:cNvPr>
+          <p:cNvPicPr>
+            <a:picLocks noChangeAspect="1"/>
+          </p:cNvPicPr>
+          <p:nvPr/>
+        </p:nvPicPr>
+        <p:blipFill>
+          <a:blip r:embed="rId2">
+            <a:extLst>
+              <a:ext uri="{28A0092B-C50C-407E-A947-70E740481C1C}">
+                <a14:useLocalDpi xmlns:a14="http://schemas.microsoft.com/office/drawing/2010/main" val="0"/>
+              </a:ext>
+            </a:extLst>
+          </a:blip>
+          <a:stretch>
+            <a:fillRect/>
+          </a:stretch>
+        </p:blipFill>
+        <p:spPr>
+          <a:xfrm>
+            <a:off x="4367145" y="961812"/>
+            <a:ext cx="6531108" cy="4930987"/>
+          </a:xfrm>
+          <a:prstGeom prst="rect">
+            <a:avLst/>
+          </a:prstGeom>
+        </p:spPr>
+      </p:pic>
+    </p:spTree>
+    <p:extLst>
+      <p:ext uri="{BB962C8B-B14F-4D97-AF65-F5344CB8AC3E}">
+        <p14:creationId xmlns:p14="http://schemas.microsoft.com/office/powerpoint/2010/main" val="118071906"/>
+      </p:ext>
+    </p:extLst>
+  </p:cSld>
+  <p:clrMapOvr>
+    <a:masterClrMapping/>
+  </p:clrMapOvr>
+</p:sld>
+</file>
+
+<file path=ppt/slides/slide25.xml><?xml version="1.0" encoding="utf-8"?>
+<p:sld xmlns:a="http://schemas.openxmlformats.org/drawingml/2006/main" xmlns:r="http://schemas.openxmlformats.org/officeDocument/2006/relationships" xmlns:p="http://schemas.openxmlformats.org/presentationml/2006/main">
+  <p:cSld>
+    <p:bg>
+      <p:bgPr>
+        <a:solidFill>
+          <a:schemeClr val="bg1"/>
+        </a:solidFill>
+        <a:effectLst/>
+      </p:bgPr>
+    </p:bg>
+    <p:spTree>
+      <p:nvGrpSpPr>
+        <p:cNvPr id="1" name=""/>
+        <p:cNvGrpSpPr/>
+        <p:nvPr/>
+      </p:nvGrpSpPr>
+      <p:grpSpPr>
+        <a:xfrm>
+          <a:off x="0" y="0"/>
+          <a:ext cx="0" cy="0"/>
+          <a:chOff x="0" y="0"/>
+          <a:chExt cx="0" cy="0"/>
+        </a:xfrm>
+      </p:grpSpPr>
+      <p:sp>
+        <p:nvSpPr>
+          <p:cNvPr id="2" name="Title 1">
+            <a:extLst>
+              <a:ext uri="{FF2B5EF4-FFF2-40B4-BE49-F238E27FC236}">
+                <a16:creationId xmlns:a16="http://schemas.microsoft.com/office/drawing/2014/main" id="{FA2B7782-EF03-4573-BAE1-C176CF439AC1}"/>
+              </a:ext>
+            </a:extLst>
+          </p:cNvPr>
+          <p:cNvSpPr>
+            <a:spLocks noGrp="1"/>
+          </p:cNvSpPr>
+          <p:nvPr>
+            <p:ph type="title"/>
+          </p:nvPr>
+        </p:nvSpPr>
+        <p:spPr>
+          <a:xfrm>
+            <a:off x="1113810" y="3130041"/>
+            <a:ext cx="4036334" cy="2387600"/>
+          </a:xfrm>
+        </p:spPr>
+        <p:txBody>
+          <a:bodyPr vert="horz" lIns="91440" tIns="45720" rIns="91440" bIns="45720" rtlCol="0" anchor="t">
+            <a:normAutofit/>
+          </a:bodyPr>
+          <a:lstStyle/>
+          <a:p>
+            <a:r>
+              <a:rPr lang="en-US" sz="5400" b="1"/>
+              <a:t>Entering a quote</a:t>
+            </a:r>
+            <a:endParaRPr lang="en-US" sz="5400"/>
+          </a:p>
+        </p:txBody>
+      </p:sp>
+      <p:pic>
+        <p:nvPicPr>
+          <p:cNvPr id="5" name="Picture 4" descr="A screenshot of a cell phone&#10;&#10;Description automatically generated">
+            <a:extLst>
+              <a:ext uri="{FF2B5EF4-FFF2-40B4-BE49-F238E27FC236}">
+                <a16:creationId xmlns:a16="http://schemas.microsoft.com/office/drawing/2014/main" id="{1BEDC1C6-F443-4115-960D-69FCEF8D6DE7}"/>
+              </a:ext>
+            </a:extLst>
+          </p:cNvPr>
+          <p:cNvPicPr>
+            <a:picLocks noChangeAspect="1"/>
+          </p:cNvPicPr>
+          <p:nvPr/>
+        </p:nvPicPr>
+        <p:blipFill rotWithShape="1">
+          <a:blip r:embed="rId2">
+            <a:extLst>
+              <a:ext uri="{28A0092B-C50C-407E-A947-70E740481C1C}">
+                <a14:useLocalDpi xmlns:a14="http://schemas.microsoft.com/office/drawing/2010/main" val="0"/>
+              </a:ext>
+            </a:extLst>
+          </a:blip>
+          <a:srcRect l="25412" r="25718" b="-1"/>
+          <a:stretch/>
+        </p:blipFill>
+        <p:spPr>
+          <a:xfrm>
+            <a:off x="5922492" y="666728"/>
+            <a:ext cx="5536001" cy="5465791"/>
+          </a:xfrm>
+          <a:prstGeom prst="rect">
+            <a:avLst/>
+          </a:prstGeom>
+        </p:spPr>
+      </p:pic>
+    </p:spTree>
+    <p:extLst>
+      <p:ext uri="{BB962C8B-B14F-4D97-AF65-F5344CB8AC3E}">
+        <p14:creationId xmlns:p14="http://schemas.microsoft.com/office/powerpoint/2010/main" val="1167658897"/>
+      </p:ext>
+    </p:extLst>
+  </p:cSld>
+  <p:clrMapOvr>
+    <a:masterClrMapping/>
+  </p:clrMapOvr>
+</p:sld>
+</file>
+
+<file path=ppt/slides/slide26.xml><?xml version="1.0" encoding="utf-8"?>
+<p:sld xmlns:a="http://schemas.openxmlformats.org/drawingml/2006/main" xmlns:r="http://schemas.openxmlformats.org/officeDocument/2006/relationships" xmlns:p="http://schemas.openxmlformats.org/presentationml/2006/main">
+  <p:cSld>
+    <p:bg>
+      <p:bgPr>
+        <a:solidFill>
+          <a:schemeClr val="bg1"/>
+        </a:solidFill>
+        <a:effectLst/>
+      </p:bgPr>
+    </p:bg>
+    <p:spTree>
+      <p:nvGrpSpPr>
+        <p:cNvPr id="1" name=""/>
+        <p:cNvGrpSpPr/>
+        <p:nvPr/>
+      </p:nvGrpSpPr>
+      <p:grpSpPr>
+        <a:xfrm>
+          <a:off x="0" y="0"/>
+          <a:ext cx="0" cy="0"/>
+          <a:chOff x="0" y="0"/>
+          <a:chExt cx="0" cy="0"/>
+        </a:xfrm>
+      </p:grpSpPr>
+      <p:sp>
+        <p:nvSpPr>
+          <p:cNvPr id="2" name="Title 1">
+            <a:extLst>
+              <a:ext uri="{FF2B5EF4-FFF2-40B4-BE49-F238E27FC236}">
+                <a16:creationId xmlns:a16="http://schemas.microsoft.com/office/drawing/2014/main" id="{217399ED-E874-4CFD-A2FE-BCBC64ED5A55}"/>
+              </a:ext>
+            </a:extLst>
+          </p:cNvPr>
+          <p:cNvSpPr>
+            <a:spLocks noGrp="1"/>
+          </p:cNvSpPr>
+          <p:nvPr>
+            <p:ph type="title"/>
+          </p:nvPr>
+        </p:nvSpPr>
+        <p:spPr>
+          <a:xfrm>
+            <a:off x="1113810" y="3130041"/>
+            <a:ext cx="4036334" cy="2387600"/>
+          </a:xfrm>
+        </p:spPr>
+        <p:txBody>
+          <a:bodyPr vert="horz" lIns="91440" tIns="45720" rIns="91440" bIns="45720" rtlCol="0" anchor="t">
+            <a:normAutofit/>
+          </a:bodyPr>
+          <a:lstStyle/>
+          <a:p>
+            <a:r>
+              <a:rPr lang="en-US" sz="5400"/>
+              <a:t>Quote Added</a:t>
+            </a:r>
+          </a:p>
+        </p:txBody>
+      </p:sp>
+      <p:pic>
+        <p:nvPicPr>
+          <p:cNvPr id="5" name="Picture 4" descr="A close up of a piece of paper&#10;&#10;Description automatically generated">
+            <a:extLst>
+              <a:ext uri="{FF2B5EF4-FFF2-40B4-BE49-F238E27FC236}">
+                <a16:creationId xmlns:a16="http://schemas.microsoft.com/office/drawing/2014/main" id="{501CD721-C5AE-4FF8-9B03-72B924817154}"/>
+              </a:ext>
+            </a:extLst>
+          </p:cNvPr>
+          <p:cNvPicPr>
+            <a:picLocks noChangeAspect="1"/>
+          </p:cNvPicPr>
+          <p:nvPr/>
+        </p:nvPicPr>
+        <p:blipFill rotWithShape="1">
+          <a:blip r:embed="rId2">
+            <a:extLst>
+              <a:ext uri="{28A0092B-C50C-407E-A947-70E740481C1C}">
+                <a14:useLocalDpi xmlns:a14="http://schemas.microsoft.com/office/drawing/2010/main" val="0"/>
+              </a:ext>
+            </a:extLst>
+          </a:blip>
+          <a:srcRect r="52903"/>
+          <a:stretch/>
+        </p:blipFill>
+        <p:spPr>
+          <a:xfrm>
+            <a:off x="5922492" y="666728"/>
+            <a:ext cx="5536001" cy="5465791"/>
+          </a:xfrm>
+          <a:prstGeom prst="rect">
+            <a:avLst/>
+          </a:prstGeom>
+        </p:spPr>
+      </p:pic>
+    </p:spTree>
+    <p:extLst>
+      <p:ext uri="{BB962C8B-B14F-4D97-AF65-F5344CB8AC3E}">
+        <p14:creationId xmlns:p14="http://schemas.microsoft.com/office/powerpoint/2010/main" val="2137456072"/>
+      </p:ext>
+    </p:extLst>
+  </p:cSld>
+  <p:clrMapOvr>
+    <a:masterClrMapping/>
+  </p:clrMapOvr>
+</p:sld>
+</file>
+
+<file path=ppt/slides/slide27.xml><?xml version="1.0" encoding="utf-8"?>
+<p:sld xmlns:a="http://schemas.openxmlformats.org/drawingml/2006/main" xmlns:r="http://schemas.openxmlformats.org/officeDocument/2006/relationships" xmlns:p="http://schemas.openxmlformats.org/presentationml/2006/main">
+  <p:cSld>
+    <p:bg>
+      <p:bgPr>
+        <a:solidFill>
+          <a:schemeClr val="bg1"/>
+        </a:solidFill>
+        <a:effectLst/>
+      </p:bgPr>
+    </p:bg>
+    <p:spTree>
+      <p:nvGrpSpPr>
+        <p:cNvPr id="1" name=""/>
+        <p:cNvGrpSpPr/>
+        <p:nvPr/>
+      </p:nvGrpSpPr>
+      <p:grpSpPr>
+        <a:xfrm>
+          <a:off x="0" y="0"/>
+          <a:ext cx="0" cy="0"/>
+          <a:chOff x="0" y="0"/>
+          <a:chExt cx="0" cy="0"/>
+        </a:xfrm>
+      </p:grpSpPr>
+      <p:sp>
+        <p:nvSpPr>
+          <p:cNvPr id="2" name="Title 1">
+            <a:extLst>
+              <a:ext uri="{FF2B5EF4-FFF2-40B4-BE49-F238E27FC236}">
+                <a16:creationId xmlns:a16="http://schemas.microsoft.com/office/drawing/2014/main" id="{5FA8E18E-6953-4D69-974D-C4847F9FEBC8}"/>
+              </a:ext>
+            </a:extLst>
+          </p:cNvPr>
+          <p:cNvSpPr>
+            <a:spLocks noGrp="1"/>
+          </p:cNvSpPr>
+          <p:nvPr>
+            <p:ph type="title"/>
+          </p:nvPr>
+        </p:nvSpPr>
+        <p:spPr>
+          <a:xfrm>
+            <a:off x="1113810" y="3130041"/>
+            <a:ext cx="4036334" cy="2387600"/>
+          </a:xfrm>
+        </p:spPr>
+        <p:txBody>
+          <a:bodyPr vert="horz" lIns="91440" tIns="45720" rIns="91440" bIns="45720" rtlCol="0" anchor="t">
+            <a:normAutofit/>
+          </a:bodyPr>
+          <a:lstStyle/>
+          <a:p>
+            <a:r>
+              <a:rPr lang="en-US" sz="5400" b="1"/>
+              <a:t>Updating my quote</a:t>
+            </a:r>
+            <a:endParaRPr lang="en-US" sz="5400"/>
+          </a:p>
+        </p:txBody>
+      </p:sp>
+      <p:pic>
+        <p:nvPicPr>
+          <p:cNvPr id="5" name="Picture 4" descr="A screenshot of a cell phone&#10;&#10;Description automatically generated">
+            <a:extLst>
+              <a:ext uri="{FF2B5EF4-FFF2-40B4-BE49-F238E27FC236}">
+                <a16:creationId xmlns:a16="http://schemas.microsoft.com/office/drawing/2014/main" id="{CA869786-DC37-45AD-B287-D19D26B5C45D}"/>
+              </a:ext>
+            </a:extLst>
+          </p:cNvPr>
+          <p:cNvPicPr>
+            <a:picLocks noChangeAspect="1"/>
+          </p:cNvPicPr>
+          <p:nvPr/>
+        </p:nvPicPr>
+        <p:blipFill rotWithShape="1">
+          <a:blip r:embed="rId2">
+            <a:extLst>
+              <a:ext uri="{28A0092B-C50C-407E-A947-70E740481C1C}">
+                <a14:useLocalDpi xmlns:a14="http://schemas.microsoft.com/office/drawing/2010/main" val="0"/>
+              </a:ext>
+            </a:extLst>
+          </a:blip>
+          <a:srcRect l="14874" r="13719" b="-1"/>
+          <a:stretch/>
+        </p:blipFill>
+        <p:spPr>
+          <a:xfrm>
+            <a:off x="5922492" y="666728"/>
+            <a:ext cx="5536001" cy="5465791"/>
+          </a:xfrm>
+          <a:prstGeom prst="rect">
+            <a:avLst/>
+          </a:prstGeom>
+        </p:spPr>
+      </p:pic>
+    </p:spTree>
+    <p:extLst>
+      <p:ext uri="{BB962C8B-B14F-4D97-AF65-F5344CB8AC3E}">
+        <p14:creationId xmlns:p14="http://schemas.microsoft.com/office/powerpoint/2010/main" val="1661782944"/>
+      </p:ext>
+    </p:extLst>
+  </p:cSld>
+  <p:clrMapOvr>
+    <a:masterClrMapping/>
+  </p:clrMapOvr>
+</p:sld>
+</file>
+
+<file path=ppt/slides/slide28.xml><?xml version="1.0" encoding="utf-8"?>
+<p:sld xmlns:a="http://schemas.openxmlformats.org/drawingml/2006/main" xmlns:r="http://schemas.openxmlformats.org/officeDocument/2006/relationships" xmlns:p="http://schemas.openxmlformats.org/presentationml/2006/main">
+  <p:cSld>
+    <p:bg>
+      <p:bgPr>
+        <a:solidFill>
+          <a:schemeClr val="bg1"/>
+        </a:solidFill>
+        <a:effectLst/>
+      </p:bgPr>
+    </p:bg>
+    <p:spTree>
+      <p:nvGrpSpPr>
+        <p:cNvPr id="1" name=""/>
+        <p:cNvGrpSpPr/>
+        <p:nvPr/>
+      </p:nvGrpSpPr>
+      <p:grpSpPr>
+        <a:xfrm>
+          <a:off x="0" y="0"/>
+          <a:ext cx="0" cy="0"/>
+          <a:chOff x="0" y="0"/>
+          <a:chExt cx="0" cy="0"/>
+        </a:xfrm>
+      </p:grpSpPr>
+      <p:sp>
+        <p:nvSpPr>
+          <p:cNvPr id="2" name="Title 1">
+            <a:extLst>
+              <a:ext uri="{FF2B5EF4-FFF2-40B4-BE49-F238E27FC236}">
+                <a16:creationId xmlns:a16="http://schemas.microsoft.com/office/drawing/2014/main" id="{8971597A-9250-4D58-81A1-3450F2A1C62C}"/>
+              </a:ext>
+            </a:extLst>
+          </p:cNvPr>
+          <p:cNvSpPr>
+            <a:spLocks noGrp="1"/>
+          </p:cNvSpPr>
+          <p:nvPr>
+            <p:ph type="title"/>
+          </p:nvPr>
+        </p:nvSpPr>
+        <p:spPr>
+          <a:xfrm>
+            <a:off x="1113810" y="3130041"/>
+            <a:ext cx="4036334" cy="2387600"/>
+          </a:xfrm>
+        </p:spPr>
+        <p:txBody>
+          <a:bodyPr vert="horz" lIns="91440" tIns="45720" rIns="91440" bIns="45720" rtlCol="0" anchor="t">
+            <a:normAutofit/>
+          </a:bodyPr>
+          <a:lstStyle/>
+          <a:p>
+            <a:r>
+              <a:rPr lang="en-US" sz="5400"/>
+              <a:t>Quote Updated</a:t>
+            </a:r>
+          </a:p>
+        </p:txBody>
+      </p:sp>
+      <p:pic>
+        <p:nvPicPr>
+          <p:cNvPr id="7" name="Picture 6" descr="A picture containing shirt&#10;&#10;Description automatically generated">
+            <a:extLst>
+              <a:ext uri="{FF2B5EF4-FFF2-40B4-BE49-F238E27FC236}">
+                <a16:creationId xmlns:a16="http://schemas.microsoft.com/office/drawing/2014/main" id="{092D2CC8-1DEA-4435-B60A-9B584A535C07}"/>
+              </a:ext>
+            </a:extLst>
+          </p:cNvPr>
+          <p:cNvPicPr>
+            <a:picLocks noChangeAspect="1"/>
+          </p:cNvPicPr>
+          <p:nvPr/>
+        </p:nvPicPr>
+        <p:blipFill rotWithShape="1">
+          <a:blip r:embed="rId2">
+            <a:extLst>
+              <a:ext uri="{28A0092B-C50C-407E-A947-70E740481C1C}">
+                <a14:useLocalDpi xmlns:a14="http://schemas.microsoft.com/office/drawing/2010/main" val="0"/>
+              </a:ext>
+            </a:extLst>
+          </a:blip>
+          <a:srcRect b="3786"/>
+          <a:stretch/>
+        </p:blipFill>
+        <p:spPr>
+          <a:xfrm>
+            <a:off x="5922492" y="928201"/>
+            <a:ext cx="5536001" cy="4926942"/>
+          </a:xfrm>
+          <a:prstGeom prst="rect">
+            <a:avLst/>
+          </a:prstGeom>
+        </p:spPr>
+      </p:pic>
+    </p:spTree>
+    <p:extLst>
+      <p:ext uri="{BB962C8B-B14F-4D97-AF65-F5344CB8AC3E}">
+        <p14:creationId xmlns:p14="http://schemas.microsoft.com/office/powerpoint/2010/main" val="1312205494"/>
+      </p:ext>
+    </p:extLst>
+  </p:cSld>
+  <p:clrMapOvr>
+    <a:masterClrMapping/>
+  </p:clrMapOvr>
+</p:sld>
+</file>
+
+<file path=ppt/slides/slide29.xml><?xml version="1.0" encoding="utf-8"?>
+<p:sld xmlns:a="http://schemas.openxmlformats.org/drawingml/2006/main" xmlns:r="http://schemas.openxmlformats.org/officeDocument/2006/relationships" xmlns:p="http://schemas.openxmlformats.org/presentationml/2006/main">
+  <p:cSld>
+    <p:bg>
+      <p:bgPr>
+        <a:solidFill>
+          <a:schemeClr val="bg1"/>
+        </a:solidFill>
+        <a:effectLst/>
+      </p:bgPr>
+    </p:bg>
+    <p:spTree>
+      <p:nvGrpSpPr>
+        <p:cNvPr id="1" name=""/>
+        <p:cNvGrpSpPr/>
+        <p:nvPr/>
+      </p:nvGrpSpPr>
+      <p:grpSpPr>
+        <a:xfrm>
+          <a:off x="0" y="0"/>
+          <a:ext cx="0" cy="0"/>
+          <a:chOff x="0" y="0"/>
+          <a:chExt cx="0" cy="0"/>
+        </a:xfrm>
+      </p:grpSpPr>
+      <p:sp>
+        <p:nvSpPr>
+          <p:cNvPr id="2" name="Title 1">
+            <a:extLst>
+              <a:ext uri="{FF2B5EF4-FFF2-40B4-BE49-F238E27FC236}">
+                <a16:creationId xmlns:a16="http://schemas.microsoft.com/office/drawing/2014/main" id="{F230501E-A8CA-424C-ABF6-EAB980382B76}"/>
+              </a:ext>
+            </a:extLst>
+          </p:cNvPr>
+          <p:cNvSpPr>
+            <a:spLocks noGrp="1"/>
+          </p:cNvSpPr>
+          <p:nvPr>
+            <p:ph type="title"/>
+          </p:nvPr>
+        </p:nvSpPr>
+        <p:spPr>
+          <a:xfrm>
+            <a:off x="1113810" y="3130041"/>
+            <a:ext cx="4036334" cy="2387600"/>
+          </a:xfrm>
+        </p:spPr>
+        <p:txBody>
+          <a:bodyPr vert="horz" lIns="91440" tIns="45720" rIns="91440" bIns="45720" rtlCol="0" anchor="t">
+            <a:normAutofit/>
+          </a:bodyPr>
+          <a:lstStyle/>
+          <a:p>
+            <a:r>
+              <a:rPr lang="en-US" sz="5400"/>
+              <a:t>Delete a quote</a:t>
+            </a:r>
+          </a:p>
+        </p:txBody>
+      </p:sp>
+      <p:pic>
+        <p:nvPicPr>
+          <p:cNvPr id="5" name="Picture 4" descr="A picture containing drawing, clock&#10;&#10;Description automatically generated">
+            <a:extLst>
+              <a:ext uri="{FF2B5EF4-FFF2-40B4-BE49-F238E27FC236}">
+                <a16:creationId xmlns:a16="http://schemas.microsoft.com/office/drawing/2014/main" id="{9B7B2945-F1CC-496C-A056-26CB10968778}"/>
+              </a:ext>
+            </a:extLst>
+          </p:cNvPr>
+          <p:cNvPicPr>
+            <a:picLocks noChangeAspect="1"/>
+          </p:cNvPicPr>
+          <p:nvPr/>
+        </p:nvPicPr>
+        <p:blipFill rotWithShape="1">
+          <a:blip r:embed="rId2">
+            <a:extLst>
+              <a:ext uri="{28A0092B-C50C-407E-A947-70E740481C1C}">
+                <a14:useLocalDpi xmlns:a14="http://schemas.microsoft.com/office/drawing/2010/main" val="0"/>
+              </a:ext>
+            </a:extLst>
+          </a:blip>
+          <a:srcRect l="25484" r="21595"/>
+          <a:stretch/>
+        </p:blipFill>
+        <p:spPr>
+          <a:xfrm>
+            <a:off x="5922492" y="666728"/>
+            <a:ext cx="5536001" cy="5465791"/>
+          </a:xfrm>
+          <a:prstGeom prst="rect">
+            <a:avLst/>
+          </a:prstGeom>
+        </p:spPr>
+      </p:pic>
+    </p:spTree>
+    <p:extLst>
+      <p:ext uri="{BB962C8B-B14F-4D97-AF65-F5344CB8AC3E}">
+        <p14:creationId xmlns:p14="http://schemas.microsoft.com/office/powerpoint/2010/main" val="514232547"/>
       </p:ext>
     </p:extLst>
   </p:cSld>
@@ -6125,7 +11001,7 @@
             </a:pPr>
             <a:r>
               <a:rPr lang="en-GB" dirty="0"/>
-              <a:t>I chose to make a Christian website through Flask. The purpose of the website was for customers to be able to add information such as a motivation quote and they would be redirected to the home page, from there they would be able to see and read their quote.</a:t>
+              <a:t>I chose to make a Christian website through Flask. The purpose of the website was for customers to be able to add information such as a motivation quote.</a:t>
             </a:r>
           </a:p>
         </p:txBody>
@@ -6134,6 +11010,438 @@
     <p:extLst>
       <p:ext uri="{BB962C8B-B14F-4D97-AF65-F5344CB8AC3E}">
         <p14:creationId xmlns:p14="http://schemas.microsoft.com/office/powerpoint/2010/main" val="3827373563"/>
+      </p:ext>
+    </p:extLst>
+  </p:cSld>
+  <p:clrMapOvr>
+    <a:masterClrMapping/>
+  </p:clrMapOvr>
+</p:sld>
+</file>
+
+<file path=ppt/slides/slide30.xml><?xml version="1.0" encoding="utf-8"?>
+<p:sld xmlns:a="http://schemas.openxmlformats.org/drawingml/2006/main" xmlns:r="http://schemas.openxmlformats.org/officeDocument/2006/relationships" xmlns:p="http://schemas.openxmlformats.org/presentationml/2006/main">
+  <p:cSld>
+    <p:bg>
+      <p:bgPr>
+        <a:solidFill>
+          <a:schemeClr val="bg1"/>
+        </a:solidFill>
+        <a:effectLst/>
+      </p:bgPr>
+    </p:bg>
+    <p:spTree>
+      <p:nvGrpSpPr>
+        <p:cNvPr id="1" name=""/>
+        <p:cNvGrpSpPr/>
+        <p:nvPr/>
+      </p:nvGrpSpPr>
+      <p:grpSpPr>
+        <a:xfrm>
+          <a:off x="0" y="0"/>
+          <a:ext cx="0" cy="0"/>
+          <a:chOff x="0" y="0"/>
+          <a:chExt cx="0" cy="0"/>
+        </a:xfrm>
+      </p:grpSpPr>
+      <p:sp>
+        <p:nvSpPr>
+          <p:cNvPr id="2" name="Title 1">
+            <a:extLst>
+              <a:ext uri="{FF2B5EF4-FFF2-40B4-BE49-F238E27FC236}">
+                <a16:creationId xmlns:a16="http://schemas.microsoft.com/office/drawing/2014/main" id="{0CF70B77-9B84-42CA-9E5F-860FC8245BA3}"/>
+              </a:ext>
+            </a:extLst>
+          </p:cNvPr>
+          <p:cNvSpPr>
+            <a:spLocks noGrp="1"/>
+          </p:cNvSpPr>
+          <p:nvPr>
+            <p:ph type="title"/>
+          </p:nvPr>
+        </p:nvSpPr>
+        <p:spPr>
+          <a:xfrm>
+            <a:off x="7763256" y="1122363"/>
+            <a:ext cx="3834384" cy="2902882"/>
+          </a:xfrm>
+        </p:spPr>
+        <p:txBody>
+          <a:bodyPr vert="horz" lIns="91440" tIns="45720" rIns="91440" bIns="45720" rtlCol="0" anchor="b">
+            <a:normAutofit/>
+          </a:bodyPr>
+          <a:lstStyle/>
+          <a:p>
+            <a:r>
+              <a:rPr lang="en-US" sz="4800"/>
+              <a:t>Quote Delete</a:t>
+            </a:r>
+          </a:p>
+        </p:txBody>
+      </p:sp>
+      <p:pic>
+        <p:nvPicPr>
+          <p:cNvPr id="5" name="Picture 4">
+            <a:extLst>
+              <a:ext uri="{FF2B5EF4-FFF2-40B4-BE49-F238E27FC236}">
+                <a16:creationId xmlns:a16="http://schemas.microsoft.com/office/drawing/2014/main" id="{D4BB82E2-52E1-4DB2-9971-ADB72F933BA1}"/>
+              </a:ext>
+            </a:extLst>
+          </p:cNvPr>
+          <p:cNvPicPr>
+            <a:picLocks noChangeAspect="1"/>
+          </p:cNvPicPr>
+          <p:nvPr/>
+        </p:nvPicPr>
+        <p:blipFill rotWithShape="1">
+          <a:blip r:embed="rId2">
+            <a:extLst>
+              <a:ext uri="{28A0092B-C50C-407E-A947-70E740481C1C}">
+                <a14:useLocalDpi xmlns:a14="http://schemas.microsoft.com/office/drawing/2010/main" val="0"/>
+              </a:ext>
+            </a:extLst>
+          </a:blip>
+          <a:srcRect r="1846" b="-1"/>
+          <a:stretch/>
+        </p:blipFill>
+        <p:spPr>
+          <a:xfrm>
+            <a:off x="509517" y="576072"/>
+            <a:ext cx="6692560" cy="5522976"/>
+          </a:xfrm>
+          <a:prstGeom prst="rect">
+            <a:avLst/>
+          </a:prstGeom>
+        </p:spPr>
+      </p:pic>
+    </p:spTree>
+    <p:extLst>
+      <p:ext uri="{BB962C8B-B14F-4D97-AF65-F5344CB8AC3E}">
+        <p14:creationId xmlns:p14="http://schemas.microsoft.com/office/powerpoint/2010/main" val="1385879699"/>
+      </p:ext>
+    </p:extLst>
+  </p:cSld>
+  <p:clrMapOvr>
+    <a:masterClrMapping/>
+  </p:clrMapOvr>
+</p:sld>
+</file>
+
+<file path=ppt/slides/slide31.xml><?xml version="1.0" encoding="utf-8"?>
+<p:sld xmlns:a="http://schemas.openxmlformats.org/drawingml/2006/main" xmlns:r="http://schemas.openxmlformats.org/officeDocument/2006/relationships" xmlns:p="http://schemas.openxmlformats.org/presentationml/2006/main">
+  <p:cSld>
+    <p:spTree>
+      <p:nvGrpSpPr>
+        <p:cNvPr id="1" name=""/>
+        <p:cNvGrpSpPr/>
+        <p:nvPr/>
+      </p:nvGrpSpPr>
+      <p:grpSpPr>
+        <a:xfrm>
+          <a:off x="0" y="0"/>
+          <a:ext cx="0" cy="0"/>
+          <a:chOff x="0" y="0"/>
+          <a:chExt cx="0" cy="0"/>
+        </a:xfrm>
+      </p:grpSpPr>
+      <p:sp>
+        <p:nvSpPr>
+          <p:cNvPr id="2" name="Title 1">
+            <a:extLst>
+              <a:ext uri="{FF2B5EF4-FFF2-40B4-BE49-F238E27FC236}">
+                <a16:creationId xmlns:a16="http://schemas.microsoft.com/office/drawing/2014/main" id="{169712FD-EE91-41A8-8701-6FD165C544FA}"/>
+              </a:ext>
+            </a:extLst>
+          </p:cNvPr>
+          <p:cNvSpPr>
+            <a:spLocks noGrp="1"/>
+          </p:cNvSpPr>
+          <p:nvPr>
+            <p:ph type="title"/>
+          </p:nvPr>
+        </p:nvSpPr>
+        <p:spPr/>
+        <p:txBody>
+          <a:bodyPr/>
+          <a:lstStyle/>
+          <a:p>
+            <a:r>
+              <a:rPr lang="en-GB" dirty="0"/>
+              <a:t>Improvements for the Future</a:t>
+            </a:r>
+          </a:p>
+        </p:txBody>
+      </p:sp>
+      <p:sp>
+        <p:nvSpPr>
+          <p:cNvPr id="3" name="Content Placeholder 2">
+            <a:extLst>
+              <a:ext uri="{FF2B5EF4-FFF2-40B4-BE49-F238E27FC236}">
+                <a16:creationId xmlns:a16="http://schemas.microsoft.com/office/drawing/2014/main" id="{C57D3082-742D-4D94-9983-D492805C3771}"/>
+              </a:ext>
+            </a:extLst>
+          </p:cNvPr>
+          <p:cNvSpPr>
+            <a:spLocks noGrp="1"/>
+          </p:cNvSpPr>
+          <p:nvPr>
+            <p:ph idx="1"/>
+          </p:nvPr>
+        </p:nvSpPr>
+        <p:spPr>
+          <a:xfrm>
+            <a:off x="1451579" y="2316522"/>
+            <a:ext cx="3521475" cy="1284931"/>
+          </a:xfrm>
+        </p:spPr>
+        <p:txBody>
+          <a:bodyPr>
+            <a:normAutofit/>
+          </a:bodyPr>
+          <a:lstStyle/>
+          <a:p>
+            <a:pPr marL="0" indent="0">
+              <a:buNone/>
+            </a:pPr>
+            <a:r>
+              <a:rPr lang="en-GB" dirty="0"/>
+              <a:t>The improvement that needed to be made would be adding the extra functionality.</a:t>
+            </a:r>
+          </a:p>
+        </p:txBody>
+      </p:sp>
+    </p:spTree>
+    <p:extLst>
+      <p:ext uri="{BB962C8B-B14F-4D97-AF65-F5344CB8AC3E}">
+        <p14:creationId xmlns:p14="http://schemas.microsoft.com/office/powerpoint/2010/main" val="3494776864"/>
+      </p:ext>
+    </p:extLst>
+  </p:cSld>
+  <p:clrMapOvr>
+    <a:masterClrMapping/>
+  </p:clrMapOvr>
+</p:sld>
+</file>
+
+<file path=ppt/slides/slide32.xml><?xml version="1.0" encoding="utf-8"?>
+<p:sld xmlns:a="http://schemas.openxmlformats.org/drawingml/2006/main" xmlns:r="http://schemas.openxmlformats.org/officeDocument/2006/relationships" xmlns:p="http://schemas.openxmlformats.org/presentationml/2006/main">
+  <p:cSld>
+    <p:spTree>
+      <p:nvGrpSpPr>
+        <p:cNvPr id="1" name=""/>
+        <p:cNvGrpSpPr/>
+        <p:nvPr/>
+      </p:nvGrpSpPr>
+      <p:grpSpPr>
+        <a:xfrm>
+          <a:off x="0" y="0"/>
+          <a:ext cx="0" cy="0"/>
+          <a:chOff x="0" y="0"/>
+          <a:chExt cx="0" cy="0"/>
+        </a:xfrm>
+      </p:grpSpPr>
+      <p:sp>
+        <p:nvSpPr>
+          <p:cNvPr id="3" name="Content Placeholder 2">
+            <a:extLst>
+              <a:ext uri="{FF2B5EF4-FFF2-40B4-BE49-F238E27FC236}">
+                <a16:creationId xmlns:a16="http://schemas.microsoft.com/office/drawing/2014/main" id="{80637338-0C77-4668-AF06-41532BD9B8C2}"/>
+              </a:ext>
+            </a:extLst>
+          </p:cNvPr>
+          <p:cNvSpPr>
+            <a:spLocks noGrp="1"/>
+          </p:cNvSpPr>
+          <p:nvPr>
+            <p:ph idx="1"/>
+          </p:nvPr>
+        </p:nvSpPr>
+        <p:spPr/>
+        <p:txBody>
+          <a:bodyPr/>
+          <a:lstStyle/>
+          <a:p>
+            <a:pPr marL="0" indent="0">
+              <a:buNone/>
+            </a:pPr>
+            <a:r>
+              <a:rPr lang="en-GB" b="1" dirty="0"/>
+              <a:t>Authors</a:t>
+            </a:r>
+          </a:p>
+          <a:p>
+            <a:pPr marL="0" indent="0">
+              <a:buNone/>
+            </a:pPr>
+            <a:r>
+              <a:rPr lang="en-GB" dirty="0"/>
+              <a:t>Shana Charlery</a:t>
+            </a:r>
+          </a:p>
+          <a:p>
+            <a:pPr marL="0" indent="0">
+              <a:buNone/>
+            </a:pPr>
+            <a:endParaRPr lang="en-GB" dirty="0"/>
+          </a:p>
+          <a:p>
+            <a:pPr marL="0" indent="0">
+              <a:buNone/>
+            </a:pPr>
+            <a:r>
+              <a:rPr lang="en-GB" b="1" dirty="0"/>
+              <a:t>Acknowledgements</a:t>
+            </a:r>
+          </a:p>
+          <a:p>
+            <a:pPr marL="0" indent="0">
+              <a:buNone/>
+            </a:pPr>
+            <a:r>
+              <a:rPr lang="en-GB" dirty="0"/>
+              <a:t>QA consulting and our fantastic instructors</a:t>
+            </a:r>
+          </a:p>
+          <a:p>
+            <a:pPr marL="0" indent="0">
+              <a:buNone/>
+            </a:pPr>
+            <a:r>
+              <a:rPr lang="en-GB" dirty="0"/>
+              <a:t>The rest of our wonderful cohort on the programme</a:t>
+            </a:r>
+          </a:p>
+          <a:p>
+            <a:endParaRPr lang="en-GB" dirty="0"/>
+          </a:p>
+        </p:txBody>
+      </p:sp>
+    </p:spTree>
+    <p:extLst>
+      <p:ext uri="{BB962C8B-B14F-4D97-AF65-F5344CB8AC3E}">
+        <p14:creationId xmlns:p14="http://schemas.microsoft.com/office/powerpoint/2010/main" val="3665087833"/>
+      </p:ext>
+    </p:extLst>
+  </p:cSld>
+  <p:clrMapOvr>
+    <a:masterClrMapping/>
+  </p:clrMapOvr>
+</p:sld>
+</file>
+
+<file path=ppt/slides/slide33.xml><?xml version="1.0" encoding="utf-8"?>
+<p:sld xmlns:a="http://schemas.openxmlformats.org/drawingml/2006/main" xmlns:r="http://schemas.openxmlformats.org/officeDocument/2006/relationships" xmlns:p="http://schemas.openxmlformats.org/presentationml/2006/main">
+  <p:cSld>
+    <p:bg>
+      <p:bgPr>
+        <a:solidFill>
+          <a:srgbClr val="00FF00"/>
+        </a:solidFill>
+        <a:effectLst/>
+      </p:bgPr>
+    </p:bg>
+    <p:spTree>
+      <p:nvGrpSpPr>
+        <p:cNvPr id="1" name=""/>
+        <p:cNvGrpSpPr/>
+        <p:nvPr/>
+      </p:nvGrpSpPr>
+      <p:grpSpPr>
+        <a:xfrm>
+          <a:off x="0" y="0"/>
+          <a:ext cx="0" cy="0"/>
+          <a:chOff x="0" y="0"/>
+          <a:chExt cx="0" cy="0"/>
+        </a:xfrm>
+      </p:grpSpPr>
+      <p:sp>
+        <p:nvSpPr>
+          <p:cNvPr id="2" name="Title 1">
+            <a:extLst>
+              <a:ext uri="{FF2B5EF4-FFF2-40B4-BE49-F238E27FC236}">
+                <a16:creationId xmlns:a16="http://schemas.microsoft.com/office/drawing/2014/main" id="{C35E50ED-E6C4-4702-A6FE-7576DFBBE0C9}"/>
+              </a:ext>
+            </a:extLst>
+          </p:cNvPr>
+          <p:cNvSpPr>
+            <a:spLocks noGrp="1"/>
+          </p:cNvSpPr>
+          <p:nvPr>
+            <p:ph type="title"/>
+          </p:nvPr>
+        </p:nvSpPr>
+        <p:spPr>
+          <a:xfrm>
+            <a:off x="4688190" y="966498"/>
+            <a:ext cx="2815620" cy="1049235"/>
+          </a:xfrm>
+        </p:spPr>
+        <p:txBody>
+          <a:bodyPr>
+            <a:normAutofit/>
+          </a:bodyPr>
+          <a:lstStyle/>
+          <a:p>
+            <a:pPr algn="ctr"/>
+            <a:r>
+              <a:rPr lang="en-GB" sz="4400" dirty="0"/>
+              <a:t>The end</a:t>
+            </a:r>
+          </a:p>
+        </p:txBody>
+      </p:sp>
+      <p:sp>
+        <p:nvSpPr>
+          <p:cNvPr id="3" name="Content Placeholder 2">
+            <a:extLst>
+              <a:ext uri="{FF2B5EF4-FFF2-40B4-BE49-F238E27FC236}">
+                <a16:creationId xmlns:a16="http://schemas.microsoft.com/office/drawing/2014/main" id="{70F82250-155F-40A4-A18E-F586A4148D3E}"/>
+              </a:ext>
+            </a:extLst>
+          </p:cNvPr>
+          <p:cNvSpPr>
+            <a:spLocks noGrp="1"/>
+          </p:cNvSpPr>
+          <p:nvPr>
+            <p:ph idx="1"/>
+          </p:nvPr>
+        </p:nvSpPr>
+        <p:spPr>
+          <a:xfrm>
+            <a:off x="2294021" y="2015733"/>
+            <a:ext cx="7620000" cy="1413267"/>
+          </a:xfrm>
+        </p:spPr>
+        <p:txBody>
+          <a:bodyPr>
+            <a:noAutofit/>
+          </a:bodyPr>
+          <a:lstStyle/>
+          <a:p>
+            <a:pPr marL="0" indent="0">
+              <a:buNone/>
+            </a:pPr>
+            <a:r>
+              <a:rPr lang="en-GB" sz="5400" dirty="0"/>
+              <a:t>Thank you for listening </a:t>
+            </a:r>
+            <a:r>
+              <a:rPr lang="en-GB" sz="5400" dirty="0">
+                <a:sym typeface="Wingdings" panose="05000000000000000000" pitchFamily="2" charset="2"/>
+              </a:rPr>
+              <a:t></a:t>
+            </a:r>
+            <a:r>
+              <a:rPr lang="en-GB" sz="5400" dirty="0"/>
+              <a:t> </a:t>
+            </a:r>
+          </a:p>
+        </p:txBody>
+      </p:sp>
+    </p:spTree>
+    <p:extLst>
+      <p:ext uri="{BB962C8B-B14F-4D97-AF65-F5344CB8AC3E}">
+        <p14:creationId xmlns:p14="http://schemas.microsoft.com/office/powerpoint/2010/main" val="232766494"/>
       </p:ext>
     </p:extLst>
   </p:cSld>
@@ -6304,7 +11612,7 @@
           <p:nvPr/>
         </p:nvPicPr>
         <p:blipFill rotWithShape="1">
-          <a:blip r:embed="rId2"/>
+          <a:blip r:embed="rId3"/>
           <a:srcRect l="17793" t="10814" r="17233" b="16455"/>
           <a:stretch/>
         </p:blipFill>
@@ -6564,10 +11872,10 @@
       </p:sp>
       <p:pic>
         <p:nvPicPr>
-          <p:cNvPr id="25" name="Picture 24">
+          <p:cNvPr id="4" name="Picture 3" descr="A screenshot of a cell phone&#10;&#10;Description automatically generated">
             <a:extLst>
               <a:ext uri="{FF2B5EF4-FFF2-40B4-BE49-F238E27FC236}">
-                <a16:creationId xmlns:a16="http://schemas.microsoft.com/office/drawing/2014/main" id="{1F4E96EB-290E-4327-AC1F-BFA05A5BAE92}"/>
+                <a16:creationId xmlns:a16="http://schemas.microsoft.com/office/drawing/2014/main" id="{3730AB85-899B-4EA6-8064-11495F51F0F4}"/>
               </a:ext>
             </a:extLst>
           </p:cNvPr>
@@ -6576,20 +11884,22 @@
           </p:cNvPicPr>
           <p:nvPr/>
         </p:nvPicPr>
-        <p:blipFill rotWithShape="1">
-          <a:blip r:embed="rId2">
-            <a:duotone>
-              <a:prstClr val="black"/>
-              <a:prstClr val="white"/>
-            </a:duotone>
+        <p:blipFill>
+          <a:blip r:embed="rId3">
+            <a:extLst>
+              <a:ext uri="{28A0092B-C50C-407E-A947-70E740481C1C}">
+                <a14:useLocalDpi xmlns:a14="http://schemas.microsoft.com/office/drawing/2010/main" val="0"/>
+              </a:ext>
+            </a:extLst>
           </a:blip>
-          <a:srcRect l="17566" t="29997" r="17866" b="18738"/>
-          <a:stretch/>
+          <a:stretch>
+            <a:fillRect/>
+          </a:stretch>
         </p:blipFill>
         <p:spPr>
           <a:xfrm>
-            <a:off x="308806" y="1259812"/>
-            <a:ext cx="11780455" cy="5261075"/>
+            <a:off x="352647" y="1048323"/>
+            <a:ext cx="11486706" cy="5336435"/>
           </a:xfrm>
           <a:prstGeom prst="rect">
             <a:avLst/>
@@ -6612,14 +11922,6 @@
 <file path=ppt/slides/slide8.xml><?xml version="1.0" encoding="utf-8"?>
 <p:sld xmlns:a="http://schemas.openxmlformats.org/drawingml/2006/main" xmlns:r="http://schemas.openxmlformats.org/officeDocument/2006/relationships" xmlns:p="http://schemas.openxmlformats.org/presentationml/2006/main">
   <p:cSld>
-    <p:bg>
-      <p:bgPr>
-        <a:solidFill>
-          <a:schemeClr val="bg1"/>
-        </a:solidFill>
-        <a:effectLst/>
-      </p:bgPr>
-    </p:bg>
     <p:spTree>
       <p:nvGrpSpPr>
         <p:cNvPr id="1" name=""/>
@@ -6639,7 +11941,7 @@
           <p:cNvPr id="2" name="Title 1">
             <a:extLst>
               <a:ext uri="{FF2B5EF4-FFF2-40B4-BE49-F238E27FC236}">
-                <a16:creationId xmlns:a16="http://schemas.microsoft.com/office/drawing/2014/main" id="{7266FE44-777C-4956-A8A5-5E796CCC2A8D}"/>
+                <a16:creationId xmlns:a16="http://schemas.microsoft.com/office/drawing/2014/main" id="{F9CFB17A-35D1-413E-B33D-B92A69183246}"/>
               </a:ext>
             </a:extLst>
           </p:cNvPr>
@@ -6650,35 +11952,27 @@
             <p:ph type="title"/>
           </p:nvPr>
         </p:nvSpPr>
-        <p:spPr>
-          <a:xfrm>
-            <a:off x="732568" y="1275388"/>
-            <a:ext cx="5230018" cy="2630983"/>
-          </a:xfrm>
-        </p:spPr>
-        <p:txBody>
-          <a:bodyPr vert="horz" lIns="91440" tIns="45720" rIns="91440" bIns="45720" rtlCol="0" anchor="b">
+        <p:spPr/>
+        <p:txBody>
+          <a:bodyPr>
             <a:normAutofit/>
           </a:bodyPr>
           <a:lstStyle/>
           <a:p>
-            <a:r>
-              <a:rPr lang="en-US" sz="5400">
-                <a:solidFill>
-                  <a:schemeClr val="tx2"/>
-                </a:solidFill>
-              </a:rPr>
-              <a:t>User &amp; Developer</a:t>
+            <a:pPr algn="ctr"/>
+            <a:r>
+              <a:rPr lang="en-GB" sz="4800" dirty="0"/>
+              <a:t>Risk Assessment</a:t>
             </a:r>
           </a:p>
         </p:txBody>
       </p:sp>
       <p:pic>
         <p:nvPicPr>
-          <p:cNvPr id="4" name="Picture 3">
+          <p:cNvPr id="6" name="Picture 5" descr="A screenshot of a cell phone&#10;&#10;Description automatically generated">
             <a:extLst>
               <a:ext uri="{FF2B5EF4-FFF2-40B4-BE49-F238E27FC236}">
-                <a16:creationId xmlns:a16="http://schemas.microsoft.com/office/drawing/2014/main" id="{3FCDB668-F906-4AF0-AE27-574BED0CA24F}"/>
+                <a16:creationId xmlns:a16="http://schemas.microsoft.com/office/drawing/2014/main" id="{191523F5-7A47-4904-A9B6-840CC435991E}"/>
               </a:ext>
             </a:extLst>
           </p:cNvPr>
@@ -6687,49 +11981,22 @@
           </p:cNvPicPr>
           <p:nvPr/>
         </p:nvPicPr>
-        <p:blipFill rotWithShape="1">
-          <a:blip r:embed="rId2">
-            <a:duotone>
-              <a:prstClr val="black"/>
-              <a:prstClr val="white"/>
-            </a:duotone>
+        <p:blipFill>
+          <a:blip r:embed="rId3">
+            <a:extLst>
+              <a:ext uri="{28A0092B-C50C-407E-A947-70E740481C1C}">
+                <a14:useLocalDpi xmlns:a14="http://schemas.microsoft.com/office/drawing/2010/main" val="0"/>
+              </a:ext>
+            </a:extLst>
           </a:blip>
-          <a:srcRect l="45387" t="22145" r="42696" b="44327"/>
-          <a:stretch/>
+          <a:stretch>
+            <a:fillRect/>
+          </a:stretch>
         </p:blipFill>
         <p:spPr>
           <a:xfrm>
-            <a:off x="5989771" y="620429"/>
-            <a:ext cx="3139321" cy="5422979"/>
-          </a:xfrm>
-          <a:prstGeom prst="rect">
-            <a:avLst/>
-          </a:prstGeom>
-        </p:spPr>
-      </p:pic>
-      <p:pic>
-        <p:nvPicPr>
-          <p:cNvPr id="5" name="Picture 4">
-            <a:extLst>
-              <a:ext uri="{FF2B5EF4-FFF2-40B4-BE49-F238E27FC236}">
-                <a16:creationId xmlns:a16="http://schemas.microsoft.com/office/drawing/2014/main" id="{7C741722-8D6B-4663-8978-2BED25FEA1CE}"/>
-              </a:ext>
-            </a:extLst>
-          </p:cNvPr>
-          <p:cNvPicPr>
-            <a:picLocks noChangeAspect="1"/>
-          </p:cNvPicPr>
-          <p:nvPr/>
-        </p:nvPicPr>
-        <p:blipFill rotWithShape="1">
-          <a:blip r:embed="rId2"/>
-          <a:srcRect l="45444" t="49606" r="41129" b="8869"/>
-          <a:stretch/>
-        </p:blipFill>
-        <p:spPr>
-          <a:xfrm>
-            <a:off x="9073652" y="620430"/>
-            <a:ext cx="3037774" cy="5281896"/>
+            <a:off x="130012" y="1685925"/>
+            <a:ext cx="11921280" cy="4367556"/>
           </a:xfrm>
           <a:prstGeom prst="rect">
             <a:avLst/>
@@ -6739,7 +12006,7 @@
     </p:spTree>
     <p:extLst>
       <p:ext uri="{BB962C8B-B14F-4D97-AF65-F5344CB8AC3E}">
-        <p14:creationId xmlns:p14="http://schemas.microsoft.com/office/powerpoint/2010/main" val="4110555598"/>
+        <p14:creationId xmlns:p14="http://schemas.microsoft.com/office/powerpoint/2010/main" val="1727084395"/>
       </p:ext>
     </p:extLst>
   </p:cSld>
@@ -6779,7 +12046,7 @@
           <p:cNvPr id="2" name="Title 1">
             <a:extLst>
               <a:ext uri="{FF2B5EF4-FFF2-40B4-BE49-F238E27FC236}">
-                <a16:creationId xmlns:a16="http://schemas.microsoft.com/office/drawing/2014/main" id="{AF3E8F7E-C352-4C1F-8F2E-0261DD7C48CF}"/>
+                <a16:creationId xmlns:a16="http://schemas.microsoft.com/office/drawing/2014/main" id="{7266FE44-777C-4956-A8A5-5E796CCC2A8D}"/>
               </a:ext>
             </a:extLst>
           </p:cNvPr>
@@ -6792,38 +12059,23 @@
         </p:nvSpPr>
         <p:spPr>
           <a:xfrm>
-            <a:off x="640080" y="2074363"/>
-            <a:ext cx="2752354" cy="2709275"/>
-          </a:xfrm>
-          <a:prstGeom prst="ellipse">
-            <a:avLst/>
-          </a:prstGeom>
-          <a:solidFill>
-            <a:srgbClr val="262626"/>
-          </a:solidFill>
-          <a:ln w="174625" cmpd="thinThick">
-            <a:solidFill>
-              <a:srgbClr val="262626"/>
-            </a:solidFill>
-          </a:ln>
-        </p:spPr>
-        <p:txBody>
-          <a:bodyPr vert="horz" lIns="91440" tIns="45720" rIns="91440" bIns="45720" rtlCol="0" anchor="ctr">
+            <a:off x="732568" y="1275388"/>
+            <a:ext cx="5230018" cy="2630983"/>
+          </a:xfrm>
+        </p:spPr>
+        <p:txBody>
+          <a:bodyPr vert="horz" lIns="91440" tIns="45720" rIns="91440" bIns="45720" rtlCol="0" anchor="b">
             <a:normAutofit/>
           </a:bodyPr>
           <a:lstStyle/>
           <a:p>
-            <a:pPr algn="ctr"/>
-            <a:r>
-              <a:rPr lang="en-US" sz="2600" kern="1200">
+            <a:r>
+              <a:rPr lang="en-US" sz="5400">
                 <a:solidFill>
-                  <a:srgbClr val="FFFFFF"/>
+                  <a:schemeClr val="tx2"/>
                 </a:solidFill>
-                <a:latin typeface="+mj-lt"/>
-                <a:ea typeface="+mj-ea"/>
-                <a:cs typeface="+mj-cs"/>
               </a:rPr>
-              <a:t>Sprints</a:t>
+              <a:t>User &amp; Developer</a:t>
             </a:r>
           </a:p>
         </p:txBody>
@@ -6833,7 +12085,41 @@
           <p:cNvPr id="4" name="Picture 3">
             <a:extLst>
               <a:ext uri="{FF2B5EF4-FFF2-40B4-BE49-F238E27FC236}">
-                <a16:creationId xmlns:a16="http://schemas.microsoft.com/office/drawing/2014/main" id="{D0AACD33-2903-41A3-90ED-F2F8ECFB0C68}"/>
+                <a16:creationId xmlns:a16="http://schemas.microsoft.com/office/drawing/2014/main" id="{3FCDB668-F906-4AF0-AE27-574BED0CA24F}"/>
+              </a:ext>
+            </a:extLst>
+          </p:cNvPr>
+          <p:cNvPicPr>
+            <a:picLocks noChangeAspect="1"/>
+          </p:cNvPicPr>
+          <p:nvPr/>
+        </p:nvPicPr>
+        <p:blipFill rotWithShape="1">
+          <a:blip r:embed="rId3">
+            <a:duotone>
+              <a:prstClr val="black"/>
+              <a:prstClr val="white"/>
+            </a:duotone>
+          </a:blip>
+          <a:srcRect l="45387" t="22145" r="42696" b="44327"/>
+          <a:stretch/>
+        </p:blipFill>
+        <p:spPr>
+          <a:xfrm>
+            <a:off x="5989771" y="620429"/>
+            <a:ext cx="3139321" cy="5422979"/>
+          </a:xfrm>
+          <a:prstGeom prst="rect">
+            <a:avLst/>
+          </a:prstGeom>
+        </p:spPr>
+      </p:pic>
+      <p:pic>
+        <p:nvPicPr>
+          <p:cNvPr id="5" name="Picture 4">
+            <a:extLst>
+              <a:ext uri="{FF2B5EF4-FFF2-40B4-BE49-F238E27FC236}">
+                <a16:creationId xmlns:a16="http://schemas.microsoft.com/office/drawing/2014/main" id="{7C741722-8D6B-4663-8978-2BED25FEA1CE}"/>
               </a:ext>
             </a:extLst>
           </p:cNvPr>
@@ -6844,13 +12130,13 @@
         </p:nvPicPr>
         <p:blipFill rotWithShape="1">
           <a:blip r:embed="rId3"/>
-          <a:srcRect l="17667" t="13322" r="64930" b="5681"/>
+          <a:srcRect l="45444" t="49606" r="41129" b="8869"/>
           <a:stretch/>
         </p:blipFill>
         <p:spPr>
           <a:xfrm>
-            <a:off x="4800834" y="24239"/>
-            <a:ext cx="2590332" cy="6781430"/>
+            <a:off x="9073652" y="620430"/>
+            <a:ext cx="3037774" cy="5281896"/>
           </a:xfrm>
           <a:prstGeom prst="rect">
             <a:avLst/>
@@ -6860,7 +12146,7 @@
     </p:spTree>
     <p:extLst>
       <p:ext uri="{BB962C8B-B14F-4D97-AF65-F5344CB8AC3E}">
-        <p14:creationId xmlns:p14="http://schemas.microsoft.com/office/powerpoint/2010/main" val="323206041"/>
+        <p14:creationId xmlns:p14="http://schemas.microsoft.com/office/powerpoint/2010/main" val="4110555598"/>
       </p:ext>
     </p:extLst>
   </p:cSld>
